--- a/Unit2-WHch7/PV_budget_heatingrates_spinupconcept.pptx
+++ b/Unit2-WHch7/PV_budget_heatingrates_spinupconcept.pptx
@@ -42,13 +42,13 @@
     <p:sldId id="301" r:id="rId33"/>
     <p:sldId id="266" r:id="rId34"/>
     <p:sldId id="326" r:id="rId35"/>
-    <p:sldId id="304" r:id="rId36"/>
-    <p:sldId id="305" r:id="rId37"/>
-    <p:sldId id="306" r:id="rId38"/>
-    <p:sldId id="307" r:id="rId39"/>
-    <p:sldId id="308" r:id="rId40"/>
-    <p:sldId id="309" r:id="rId41"/>
-    <p:sldId id="310" r:id="rId42"/>
+    <p:sldId id="310" r:id="rId36"/>
+    <p:sldId id="304" r:id="rId37"/>
+    <p:sldId id="305" r:id="rId38"/>
+    <p:sldId id="306" r:id="rId39"/>
+    <p:sldId id="307" r:id="rId40"/>
+    <p:sldId id="308" r:id="rId41"/>
+    <p:sldId id="309" r:id="rId42"/>
   </p:sldIdLst>
   <p:sldSz cx="9144000" cy="6858000" type="screen4x3"/>
   <p:notesSz cx="6858000" cy="9144000"/>
@@ -249,7 +249,7 @@
             <a:fld id="{303A25DF-298F-2F48-9812-E0BE0E8CF350}" type="datetimeFigureOut">
               <a:rPr lang="en-US"/>
               <a:pPr/>
-              <a:t>10/8/19</a:t>
+              <a:t>10/9/19</a:t>
             </a:fld>
             <a:endParaRPr lang="en-US"/>
           </a:p>
@@ -2372,7 +2372,7 @@
             <a:fld id="{00150193-55E4-421C-9F92-3304CC3C3F97}" type="datetimeFigureOut">
               <a:rPr lang="en-US" smtClean="0"/>
               <a:pPr/>
-              <a:t>10/8/19</a:t>
+              <a:t>10/9/19</a:t>
             </a:fld>
             <a:endParaRPr lang="en-US"/>
           </a:p>
@@ -2542,7 +2542,7 @@
             <a:fld id="{00150193-55E4-421C-9F92-3304CC3C3F97}" type="datetimeFigureOut">
               <a:rPr lang="en-US" smtClean="0"/>
               <a:pPr/>
-              <a:t>10/8/19</a:t>
+              <a:t>10/9/19</a:t>
             </a:fld>
             <a:endParaRPr lang="en-US"/>
           </a:p>
@@ -2722,7 +2722,7 @@
             <a:fld id="{00150193-55E4-421C-9F92-3304CC3C3F97}" type="datetimeFigureOut">
               <a:rPr lang="en-US" smtClean="0"/>
               <a:pPr/>
-              <a:t>10/8/19</a:t>
+              <a:t>10/9/19</a:t>
             </a:fld>
             <a:endParaRPr lang="en-US"/>
           </a:p>
@@ -3249,7 +3249,7 @@
             <a:fld id="{00150193-55E4-421C-9F92-3304CC3C3F97}" type="datetimeFigureOut">
               <a:rPr lang="en-US" smtClean="0"/>
               <a:pPr/>
-              <a:t>10/8/19</a:t>
+              <a:t>10/9/19</a:t>
             </a:fld>
             <a:endParaRPr lang="en-US"/>
           </a:p>
@@ -3496,7 +3496,7 @@
             <a:fld id="{00150193-55E4-421C-9F92-3304CC3C3F97}" type="datetimeFigureOut">
               <a:rPr lang="en-US" smtClean="0"/>
               <a:pPr/>
-              <a:t>10/8/19</a:t>
+              <a:t>10/9/19</a:t>
             </a:fld>
             <a:endParaRPr lang="en-US"/>
           </a:p>
@@ -3783,7 +3783,7 @@
             <a:fld id="{00150193-55E4-421C-9F92-3304CC3C3F97}" type="datetimeFigureOut">
               <a:rPr lang="en-US" smtClean="0"/>
               <a:pPr/>
-              <a:t>10/8/19</a:t>
+              <a:t>10/9/19</a:t>
             </a:fld>
             <a:endParaRPr lang="en-US"/>
           </a:p>
@@ -4204,7 +4204,7 @@
             <a:fld id="{00150193-55E4-421C-9F92-3304CC3C3F97}" type="datetimeFigureOut">
               <a:rPr lang="en-US" smtClean="0"/>
               <a:pPr/>
-              <a:t>10/8/19</a:t>
+              <a:t>10/9/19</a:t>
             </a:fld>
             <a:endParaRPr lang="en-US"/>
           </a:p>
@@ -4323,7 +4323,7 @@
             <a:fld id="{00150193-55E4-421C-9F92-3304CC3C3F97}" type="datetimeFigureOut">
               <a:rPr lang="en-US" smtClean="0"/>
               <a:pPr/>
-              <a:t>10/8/19</a:t>
+              <a:t>10/9/19</a:t>
             </a:fld>
             <a:endParaRPr lang="en-US"/>
           </a:p>
@@ -4420,7 +4420,7 @@
             <a:fld id="{00150193-55E4-421C-9F92-3304CC3C3F97}" type="datetimeFigureOut">
               <a:rPr lang="en-US" smtClean="0"/>
               <a:pPr/>
-              <a:t>10/8/19</a:t>
+              <a:t>10/9/19</a:t>
             </a:fld>
             <a:endParaRPr lang="en-US"/>
           </a:p>
@@ -4697,7 +4697,7 @@
             <a:fld id="{00150193-55E4-421C-9F92-3304CC3C3F97}" type="datetimeFigureOut">
               <a:rPr lang="en-US" smtClean="0"/>
               <a:pPr/>
-              <a:t>10/8/19</a:t>
+              <a:t>10/9/19</a:t>
             </a:fld>
             <a:endParaRPr lang="en-US"/>
           </a:p>
@@ -4951,7 +4951,7 @@
             <a:fld id="{00150193-55E4-421C-9F92-3304CC3C3F97}" type="datetimeFigureOut">
               <a:rPr lang="en-US" smtClean="0"/>
               <a:pPr/>
-              <a:t>10/8/19</a:t>
+              <a:t>10/9/19</a:t>
             </a:fld>
             <a:endParaRPr lang="en-US"/>
           </a:p>
@@ -5164,7 +5164,7 @@
             <a:fld id="{00150193-55E4-421C-9F92-3304CC3C3F97}" type="datetimeFigureOut">
               <a:rPr lang="en-US" smtClean="0"/>
               <a:pPr/>
-              <a:t>10/8/19</a:t>
+              <a:t>10/9/19</a:t>
             </a:fld>
             <a:endParaRPr lang="en-US"/>
           </a:p>
@@ -20460,6 +20460,1278 @@
 </file>
 
 <file path=ppt/slides/slide33.xml><?xml version="1.0" encoding="utf-8"?>
+<p:sld xmlns:a="http://schemas.openxmlformats.org/drawingml/2006/main" xmlns:r="http://schemas.openxmlformats.org/officeDocument/2006/relationships" xmlns:p="http://schemas.openxmlformats.org/presentationml/2006/main">
+  <p:cSld>
+    <p:spTree>
+      <p:nvGrpSpPr>
+        <p:cNvPr id="1" name=""/>
+        <p:cNvGrpSpPr/>
+        <p:nvPr/>
+      </p:nvGrpSpPr>
+      <p:grpSpPr>
+        <a:xfrm>
+          <a:off x="0" y="0"/>
+          <a:ext cx="0" cy="0"/>
+          <a:chOff x="0" y="0"/>
+          <a:chExt cx="0" cy="0"/>
+        </a:xfrm>
+      </p:grpSpPr>
+      <p:sp>
+        <p:nvSpPr>
+          <p:cNvPr id="50178" name="Title 1"/>
+          <p:cNvSpPr>
+            <a:spLocks noGrp="1"/>
+          </p:cNvSpPr>
+          <p:nvPr>
+            <p:ph type="title"/>
+          </p:nvPr>
+        </p:nvSpPr>
+        <p:spPr>
+          <a:xfrm>
+            <a:off x="457200" y="1598613"/>
+            <a:ext cx="8229600" cy="1143000"/>
+          </a:xfrm>
+        </p:spPr>
+        <p:txBody>
+          <a:bodyPr/>
+          <a:lstStyle/>
+          <a:p>
+            <a:endParaRPr lang="en-US">
+              <a:ea typeface="ＭＳ Ｐゴシック" pitchFamily="-84" charset="-128"/>
+              <a:cs typeface="ＭＳ Ｐゴシック" pitchFamily="-84" charset="-128"/>
+            </a:endParaRPr>
+          </a:p>
+        </p:txBody>
+      </p:sp>
+      <p:sp>
+        <p:nvSpPr>
+          <p:cNvPr id="50179" name="Content Placeholder 2"/>
+          <p:cNvSpPr>
+            <a:spLocks noGrp="1"/>
+          </p:cNvSpPr>
+          <p:nvPr>
+            <p:ph idx="1"/>
+          </p:nvPr>
+        </p:nvSpPr>
+        <p:spPr/>
+        <p:txBody>
+          <a:bodyPr/>
+          <a:lstStyle/>
+          <a:p>
+            <a:endParaRPr lang="en-US">
+              <a:ea typeface="ＭＳ Ｐゴシック" pitchFamily="-84" charset="-128"/>
+              <a:cs typeface="ＭＳ Ｐゴシック" pitchFamily="-84" charset="-128"/>
+            </a:endParaRPr>
+          </a:p>
+        </p:txBody>
+      </p:sp>
+      <p:pic>
+        <p:nvPicPr>
+          <p:cNvPr id="50180" name="Picture 3"/>
+          <p:cNvPicPr>
+            <a:picLocks noChangeAspect="1"/>
+          </p:cNvPicPr>
+          <p:nvPr/>
+        </p:nvPicPr>
+        <p:blipFill>
+          <a:blip r:embed="rId2"/>
+          <a:srcRect b="43303"/>
+          <a:stretch>
+            <a:fillRect/>
+          </a:stretch>
+        </p:blipFill>
+        <p:spPr bwMode="auto">
+          <a:xfrm>
+            <a:off x="647700" y="1431925"/>
+            <a:ext cx="7848600" cy="3765550"/>
+          </a:xfrm>
+          <a:prstGeom prst="rect">
+            <a:avLst/>
+          </a:prstGeom>
+          <a:noFill/>
+          <a:ln w="9525">
+            <a:noFill/>
+            <a:miter lim="800000"/>
+            <a:headEnd/>
+            <a:tailEnd/>
+          </a:ln>
+        </p:spPr>
+      </p:pic>
+      <p:sp>
+        <p:nvSpPr>
+          <p:cNvPr id="8" name="TextBox 6"/>
+          <p:cNvSpPr txBox="1">
+            <a:spLocks noChangeArrowheads="1"/>
+          </p:cNvSpPr>
+          <p:nvPr/>
+        </p:nvSpPr>
+        <p:spPr bwMode="auto">
+          <a:xfrm>
+            <a:off x="3192238" y="3386613"/>
+            <a:ext cx="2041525" cy="1692771"/>
+          </a:xfrm>
+          <a:prstGeom prst="rect">
+            <a:avLst/>
+          </a:prstGeom>
+          <a:noFill/>
+          <a:ln w="9525">
+            <a:noFill/>
+            <a:miter lim="800000"/>
+            <a:headEnd/>
+            <a:tailEnd/>
+          </a:ln>
+        </p:spPr>
+        <p:txBody>
+          <a:bodyPr>
+            <a:prstTxWarp prst="textNoShape">
+              <a:avLst/>
+            </a:prstTxWarp>
+            <a:spAutoFit/>
+          </a:bodyPr>
+          <a:lstStyle/>
+          <a:p>
+            <a:pPr marL="0" marR="0" lvl="0" indent="0" algn="ctr" defTabSz="457200" rtl="0" eaLnBrk="1" fontAlgn="base" latinLnBrk="0" hangingPunct="1">
+              <a:lnSpc>
+                <a:spcPct val="100000"/>
+              </a:lnSpc>
+              <a:spcBef>
+                <a:spcPct val="0"/>
+              </a:spcBef>
+              <a:spcAft>
+                <a:spcPct val="0"/>
+              </a:spcAft>
+              <a:buClrTx/>
+              <a:buSzTx/>
+              <a:buFontTx/>
+              <a:buNone/>
+              <a:tabLst/>
+              <a:defRPr/>
+            </a:pPr>
+            <a:endParaRPr kumimoji="0" lang="en-US" sz="2400" b="1" i="0" u="none" strike="noStrike" kern="1200" cap="none" spc="0" normalizeH="0" baseline="0" noProof="0" dirty="0">
+              <a:ln>
+                <a:noFill/>
+              </a:ln>
+              <a:solidFill>
+                <a:srgbClr val="0000FF"/>
+              </a:solidFill>
+              <a:effectLst/>
+              <a:uLnTx/>
+              <a:uFillTx/>
+              <a:latin typeface="Arial" charset="0"/>
+              <a:ea typeface="ＭＳ Ｐゴシック" charset="-128"/>
+              <a:cs typeface="ＭＳ Ｐゴシック" charset="-128"/>
+            </a:endParaRPr>
+          </a:p>
+          <a:p>
+            <a:pPr marL="0" marR="0" lvl="0" indent="0" algn="ctr" defTabSz="457200" rtl="0" eaLnBrk="1" fontAlgn="base" latinLnBrk="0" hangingPunct="1">
+              <a:lnSpc>
+                <a:spcPct val="100000"/>
+              </a:lnSpc>
+              <a:spcBef>
+                <a:spcPct val="0"/>
+              </a:spcBef>
+              <a:spcAft>
+                <a:spcPct val="0"/>
+              </a:spcAft>
+              <a:buClrTx/>
+              <a:buSzTx/>
+              <a:buFontTx/>
+              <a:buNone/>
+              <a:tabLst/>
+              <a:defRPr/>
+            </a:pPr>
+            <a:r>
+              <a:rPr kumimoji="0" lang="en-US" sz="4000" b="1" i="0" u="none" strike="noStrike" kern="1200" cap="none" spc="0" normalizeH="0" baseline="0" noProof="0" dirty="0">
+                <a:ln w="28575" cap="flat" cmpd="sng" algn="ctr">
+                  <a:solidFill>
+                    <a:srgbClr val="FFFF00"/>
+                  </a:solidFill>
+                  <a:prstDash val="solid"/>
+                  <a:round/>
+                  <a:headEnd type="none" w="med" len="med"/>
+                  <a:tailEnd type="none" w="med" len="med"/>
+                </a:ln>
+                <a:solidFill>
+                  <a:srgbClr val="0000FF"/>
+                </a:solidFill>
+                <a:effectLst/>
+                <a:uLnTx/>
+                <a:uFillTx/>
+                <a:latin typeface="Arial" charset="0"/>
+                <a:ea typeface="ＭＳ Ｐゴシック" charset="-128"/>
+                <a:cs typeface="ＭＳ Ｐゴシック" charset="-128"/>
+              </a:rPr>
+              <a:t>COOL</a:t>
+            </a:r>
+          </a:p>
+          <a:p>
+            <a:pPr marL="0" marR="0" lvl="0" indent="0" algn="ctr" defTabSz="457200" rtl="0" eaLnBrk="1" fontAlgn="base" latinLnBrk="0" hangingPunct="1">
+              <a:lnSpc>
+                <a:spcPct val="100000"/>
+              </a:lnSpc>
+              <a:spcBef>
+                <a:spcPct val="0"/>
+              </a:spcBef>
+              <a:spcAft>
+                <a:spcPct val="0"/>
+              </a:spcAft>
+              <a:buClrTx/>
+              <a:buSzTx/>
+              <a:buFontTx/>
+              <a:buNone/>
+              <a:tabLst/>
+              <a:defRPr/>
+            </a:pPr>
+            <a:r>
+              <a:rPr kumimoji="0" lang="en-US" sz="4000" b="1" i="0" u="none" strike="noStrike" kern="1200" cap="none" spc="0" normalizeH="0" baseline="0" noProof="0" dirty="0">
+                <a:ln w="28575" cap="flat" cmpd="sng" algn="ctr">
+                  <a:solidFill>
+                    <a:srgbClr val="FFFF00"/>
+                  </a:solidFill>
+                  <a:prstDash val="solid"/>
+                  <a:round/>
+                  <a:headEnd type="none" w="med" len="med"/>
+                  <a:tailEnd type="none" w="med" len="med"/>
+                </a:ln>
+                <a:solidFill>
+                  <a:srgbClr val="0000FF"/>
+                </a:solidFill>
+                <a:effectLst/>
+                <a:uLnTx/>
+                <a:uFillTx/>
+                <a:latin typeface="Arial" charset="0"/>
+                <a:ea typeface="ＭＳ Ｐゴシック" charset="-128"/>
+                <a:cs typeface="ＭＳ Ｐゴシック" charset="-128"/>
+              </a:rPr>
+              <a:t>CORE</a:t>
+            </a:r>
+          </a:p>
+        </p:txBody>
+      </p:sp>
+      <p:sp>
+        <p:nvSpPr>
+          <p:cNvPr id="9" name="TextBox 7"/>
+          <p:cNvSpPr txBox="1">
+            <a:spLocks noChangeArrowheads="1"/>
+          </p:cNvSpPr>
+          <p:nvPr/>
+        </p:nvSpPr>
+        <p:spPr bwMode="auto">
+          <a:xfrm>
+            <a:off x="3508410" y="1720631"/>
+            <a:ext cx="1676400" cy="707886"/>
+          </a:xfrm>
+          <a:prstGeom prst="rect">
+            <a:avLst/>
+          </a:prstGeom>
+          <a:noFill/>
+          <a:ln w="9525">
+            <a:noFill/>
+            <a:miter lim="800000"/>
+            <a:headEnd/>
+            <a:tailEnd/>
+          </a:ln>
+        </p:spPr>
+        <p:txBody>
+          <a:bodyPr>
+            <a:prstTxWarp prst="textNoShape">
+              <a:avLst/>
+            </a:prstTxWarp>
+            <a:spAutoFit/>
+          </a:bodyPr>
+          <a:lstStyle/>
+          <a:p>
+            <a:pPr marL="0" marR="0" lvl="0" indent="0" algn="ctr" defTabSz="457200" rtl="0" eaLnBrk="1" fontAlgn="base" latinLnBrk="0" hangingPunct="1">
+              <a:lnSpc>
+                <a:spcPct val="100000"/>
+              </a:lnSpc>
+              <a:spcBef>
+                <a:spcPct val="0"/>
+              </a:spcBef>
+              <a:spcAft>
+                <a:spcPct val="0"/>
+              </a:spcAft>
+              <a:buClrTx/>
+              <a:buSzTx/>
+              <a:buFontTx/>
+              <a:buNone/>
+              <a:tabLst/>
+              <a:defRPr/>
+            </a:pPr>
+            <a:r>
+              <a:rPr kumimoji="0" lang="en-US" sz="4000" b="1" i="0" u="none" strike="noStrike" kern="1200" cap="none" spc="0" normalizeH="0" baseline="0" noProof="0" dirty="0">
+                <a:ln w="28575" cap="flat" cmpd="sng" algn="ctr">
+                  <a:solidFill>
+                    <a:srgbClr val="000000"/>
+                  </a:solidFill>
+                  <a:prstDash val="solid"/>
+                  <a:round/>
+                  <a:headEnd type="none" w="med" len="med"/>
+                  <a:tailEnd type="none" w="med" len="med"/>
+                </a:ln>
+                <a:solidFill>
+                  <a:srgbClr val="FF0000"/>
+                </a:solidFill>
+                <a:effectLst/>
+                <a:uLnTx/>
+                <a:uFillTx/>
+                <a:latin typeface="Arial" charset="0"/>
+                <a:ea typeface="ＭＳ Ｐゴシック" charset="-128"/>
+                <a:cs typeface="ＭＳ Ｐゴシック" charset="-128"/>
+              </a:rPr>
+              <a:t>warm</a:t>
+            </a:r>
+          </a:p>
+        </p:txBody>
+      </p:sp>
+      <p:grpSp>
+        <p:nvGrpSpPr>
+          <p:cNvPr id="2" name="Group 15"/>
+          <p:cNvGrpSpPr>
+            <a:grpSpLocks/>
+          </p:cNvGrpSpPr>
+          <p:nvPr/>
+        </p:nvGrpSpPr>
+        <p:grpSpPr bwMode="auto">
+          <a:xfrm>
+            <a:off x="2995613" y="2376488"/>
+            <a:ext cx="2697162" cy="1196975"/>
+            <a:chOff x="2801938" y="1871663"/>
+            <a:chExt cx="2697162" cy="1196280"/>
+          </a:xfrm>
+        </p:grpSpPr>
+        <p:sp>
+          <p:nvSpPr>
+            <p:cNvPr id="17" name="Curved Up Arrow 16"/>
+            <p:cNvSpPr/>
+            <p:nvPr/>
+          </p:nvSpPr>
+          <p:spPr>
+            <a:xfrm>
+              <a:off x="2998788" y="2357156"/>
+              <a:ext cx="2500312" cy="523571"/>
+            </a:xfrm>
+            <a:prstGeom prst="curvedUpArrow">
+              <a:avLst/>
+            </a:prstGeom>
+            <a:solidFill>
+              <a:srgbClr val="FFFFFF"/>
+            </a:solidFill>
+            <a:ln>
+              <a:solidFill>
+                <a:srgbClr val="008000"/>
+              </a:solidFill>
+            </a:ln>
+          </p:spPr>
+          <p:style>
+            <a:lnRef idx="1">
+              <a:schemeClr val="accent1"/>
+            </a:lnRef>
+            <a:fillRef idx="3">
+              <a:schemeClr val="accent1"/>
+            </a:fillRef>
+            <a:effectRef idx="2">
+              <a:schemeClr val="accent1"/>
+            </a:effectRef>
+            <a:fontRef idx="minor">
+              <a:schemeClr val="lt1"/>
+            </a:fontRef>
+          </p:style>
+          <p:txBody>
+            <a:bodyPr anchor="ctr"/>
+            <a:lstStyle/>
+            <a:p>
+              <a:pPr marL="0" marR="0" lvl="0" indent="0" algn="ctr" defTabSz="457200" rtl="0" eaLnBrk="1" fontAlgn="base" latinLnBrk="0" hangingPunct="1">
+                <a:lnSpc>
+                  <a:spcPct val="100000"/>
+                </a:lnSpc>
+                <a:spcBef>
+                  <a:spcPct val="0"/>
+                </a:spcBef>
+                <a:spcAft>
+                  <a:spcPct val="0"/>
+                </a:spcAft>
+                <a:buClrTx/>
+                <a:buSzTx/>
+                <a:buFontTx/>
+                <a:buNone/>
+                <a:tabLst/>
+                <a:defRPr/>
+              </a:pPr>
+              <a:endParaRPr kumimoji="0" lang="en-US" sz="2800" b="0" i="0" u="none" strike="noStrike" kern="1200" cap="none" spc="0" normalizeH="0" baseline="0" noProof="0" dirty="0">
+                <a:ln>
+                  <a:noFill/>
+                </a:ln>
+                <a:solidFill>
+                  <a:prstClr val="black"/>
+                </a:solidFill>
+                <a:effectLst/>
+                <a:uLnTx/>
+                <a:uFillTx/>
+                <a:latin typeface="Calibri"/>
+                <a:ea typeface="+mn-ea"/>
+                <a:cs typeface="+mn-cs"/>
+              </a:endParaRPr>
+            </a:p>
+          </p:txBody>
+        </p:sp>
+        <p:sp>
+          <p:nvSpPr>
+            <p:cNvPr id="18" name="Curved Up Arrow 17"/>
+            <p:cNvSpPr/>
+            <p:nvPr/>
+          </p:nvSpPr>
+          <p:spPr>
+            <a:xfrm flipH="1" flipV="1">
+              <a:off x="2801938" y="1871663"/>
+              <a:ext cx="2671762" cy="466454"/>
+            </a:xfrm>
+            <a:prstGeom prst="curvedUpArrow">
+              <a:avLst/>
+            </a:prstGeom>
+            <a:solidFill>
+              <a:srgbClr val="FFFFFF"/>
+            </a:solidFill>
+            <a:ln>
+              <a:solidFill>
+                <a:srgbClr val="008000"/>
+              </a:solidFill>
+            </a:ln>
+          </p:spPr>
+          <p:style>
+            <a:lnRef idx="1">
+              <a:schemeClr val="accent1"/>
+            </a:lnRef>
+            <a:fillRef idx="3">
+              <a:schemeClr val="accent1"/>
+            </a:fillRef>
+            <a:effectRef idx="2">
+              <a:schemeClr val="accent1"/>
+            </a:effectRef>
+            <a:fontRef idx="minor">
+              <a:schemeClr val="lt1"/>
+            </a:fontRef>
+          </p:style>
+          <p:txBody>
+            <a:bodyPr anchor="ctr"/>
+            <a:lstStyle/>
+            <a:p>
+              <a:pPr marL="0" marR="0" lvl="0" indent="0" algn="ctr" defTabSz="457200" rtl="0" eaLnBrk="1" fontAlgn="base" latinLnBrk="0" hangingPunct="1">
+                <a:lnSpc>
+                  <a:spcPct val="100000"/>
+                </a:lnSpc>
+                <a:spcBef>
+                  <a:spcPct val="0"/>
+                </a:spcBef>
+                <a:spcAft>
+                  <a:spcPct val="0"/>
+                </a:spcAft>
+                <a:buClrTx/>
+                <a:buSzTx/>
+                <a:buFontTx/>
+                <a:buNone/>
+                <a:tabLst/>
+                <a:defRPr/>
+              </a:pPr>
+              <a:endParaRPr kumimoji="0" lang="en-US" sz="1800" b="0" i="0" u="none" strike="noStrike" kern="1200" cap="none" spc="0" normalizeH="0" baseline="0" noProof="0">
+                <a:ln>
+                  <a:noFill/>
+                </a:ln>
+                <a:solidFill>
+                  <a:prstClr val="black"/>
+                </a:solidFill>
+                <a:effectLst/>
+                <a:uLnTx/>
+                <a:uFillTx/>
+                <a:latin typeface="Calibri"/>
+                <a:ea typeface="+mn-ea"/>
+                <a:cs typeface="+mn-cs"/>
+              </a:endParaRPr>
+            </a:p>
+          </p:txBody>
+        </p:sp>
+        <p:sp>
+          <p:nvSpPr>
+            <p:cNvPr id="50192" name="TextBox 8"/>
+            <p:cNvSpPr txBox="1">
+              <a:spLocks noChangeArrowheads="1"/>
+            </p:cNvSpPr>
+            <p:nvPr/>
+          </p:nvSpPr>
+          <p:spPr bwMode="auto">
+            <a:xfrm>
+              <a:off x="2932113" y="1990725"/>
+              <a:ext cx="2384425" cy="1077218"/>
+            </a:xfrm>
+            <a:prstGeom prst="rect">
+              <a:avLst/>
+            </a:prstGeom>
+            <a:noFill/>
+            <a:ln w="9525">
+              <a:noFill/>
+              <a:miter lim="800000"/>
+              <a:headEnd/>
+              <a:tailEnd/>
+            </a:ln>
+          </p:spPr>
+          <p:txBody>
+            <a:bodyPr>
+              <a:prstTxWarp prst="textNoShape">
+                <a:avLst/>
+              </a:prstTxWarp>
+              <a:spAutoFit/>
+            </a:bodyPr>
+            <a:lstStyle/>
+            <a:p>
+              <a:pPr marL="0" marR="0" lvl="0" indent="0" algn="ctr" defTabSz="457200" rtl="0" eaLnBrk="1" fontAlgn="base" latinLnBrk="0" hangingPunct="1">
+                <a:lnSpc>
+                  <a:spcPct val="100000"/>
+                </a:lnSpc>
+                <a:spcBef>
+                  <a:spcPct val="0"/>
+                </a:spcBef>
+                <a:spcAft>
+                  <a:spcPct val="0"/>
+                </a:spcAft>
+                <a:buClrTx/>
+                <a:buSzTx/>
+                <a:buFontTx/>
+                <a:buNone/>
+                <a:tabLst/>
+                <a:defRPr/>
+              </a:pPr>
+              <a:r>
+                <a:rPr kumimoji="0" lang="en-US" sz="3200" b="0" i="0" u="none" strike="noStrike" kern="1200" cap="none" spc="0" normalizeH="0" baseline="0" noProof="0">
+                  <a:ln>
+                    <a:noFill/>
+                  </a:ln>
+                  <a:solidFill>
+                    <a:prstClr val="black"/>
+                  </a:solidFill>
+                  <a:effectLst/>
+                  <a:uLnTx/>
+                  <a:uFillTx/>
+                  <a:latin typeface="Arial" pitchFamily="-84" charset="0"/>
+                  <a:ea typeface="ＭＳ Ｐゴシック" pitchFamily="-84" charset="-128"/>
+                  <a:cs typeface="ＭＳ Ｐゴシック" pitchFamily="-84" charset="-128"/>
+                </a:rPr>
+                <a:t>cyclonic</a:t>
+              </a:r>
+            </a:p>
+            <a:p>
+              <a:pPr marL="0" marR="0" lvl="0" indent="0" algn="ctr" defTabSz="457200" rtl="0" eaLnBrk="1" fontAlgn="base" latinLnBrk="0" hangingPunct="1">
+                <a:lnSpc>
+                  <a:spcPct val="100000"/>
+                </a:lnSpc>
+                <a:spcBef>
+                  <a:spcPct val="0"/>
+                </a:spcBef>
+                <a:spcAft>
+                  <a:spcPct val="0"/>
+                </a:spcAft>
+                <a:buClrTx/>
+                <a:buSzTx/>
+                <a:buFontTx/>
+                <a:buNone/>
+                <a:tabLst/>
+                <a:defRPr/>
+              </a:pPr>
+              <a:r>
+                <a:rPr kumimoji="0" lang="en-US" sz="3200" b="1" i="0" u="none" strike="noStrike" kern="1200" cap="none" spc="0" normalizeH="0" baseline="0" noProof="0">
+                  <a:ln>
+                    <a:noFill/>
+                  </a:ln>
+                  <a:solidFill>
+                    <a:prstClr val="black"/>
+                  </a:solidFill>
+                  <a:effectLst/>
+                  <a:uLnTx/>
+                  <a:uFillTx/>
+                  <a:latin typeface="Arial" pitchFamily="-84" charset="0"/>
+                  <a:ea typeface="ＭＳ Ｐゴシック" pitchFamily="-84" charset="-128"/>
+                  <a:cs typeface="ＭＳ Ｐゴシック" pitchFamily="-84" charset="-128"/>
+                </a:rPr>
+                <a:t>(Trof)</a:t>
+              </a:r>
+            </a:p>
+          </p:txBody>
+        </p:sp>
+      </p:grpSp>
+      <p:sp>
+        <p:nvSpPr>
+          <p:cNvPr id="20" name="Right Arrow 19"/>
+          <p:cNvSpPr/>
+          <p:nvPr/>
+        </p:nvSpPr>
+        <p:spPr>
+          <a:xfrm>
+            <a:off x="1204913" y="2178050"/>
+            <a:ext cx="1711325" cy="1152525"/>
+          </a:xfrm>
+          <a:prstGeom prst="rightArrow">
+            <a:avLst/>
+          </a:prstGeom>
+        </p:spPr>
+        <p:style>
+          <a:lnRef idx="1">
+            <a:schemeClr val="accent1"/>
+          </a:lnRef>
+          <a:fillRef idx="3">
+            <a:schemeClr val="accent1"/>
+          </a:fillRef>
+          <a:effectRef idx="2">
+            <a:schemeClr val="accent1"/>
+          </a:effectRef>
+          <a:fontRef idx="minor">
+            <a:schemeClr val="lt1"/>
+          </a:fontRef>
+        </p:style>
+        <p:txBody>
+          <a:bodyPr anchor="ctr"/>
+          <a:lstStyle/>
+          <a:p>
+            <a:pPr marL="0" marR="0" lvl="0" indent="0" algn="ctr" defTabSz="457200" rtl="0" eaLnBrk="1" fontAlgn="base" latinLnBrk="0" hangingPunct="1">
+              <a:lnSpc>
+                <a:spcPct val="100000"/>
+              </a:lnSpc>
+              <a:spcBef>
+                <a:spcPct val="0"/>
+              </a:spcBef>
+              <a:spcAft>
+                <a:spcPct val="0"/>
+              </a:spcAft>
+              <a:buClrTx/>
+              <a:buSzTx/>
+              <a:buFontTx/>
+              <a:buNone/>
+              <a:tabLst/>
+              <a:defRPr/>
+            </a:pPr>
+            <a:endParaRPr kumimoji="0" lang="en-US" sz="1800" b="0" i="0" u="none" strike="noStrike" kern="1200" cap="none" spc="0" normalizeH="0" baseline="0" noProof="0">
+              <a:ln>
+                <a:noFill/>
+              </a:ln>
+              <a:solidFill>
+                <a:prstClr val="white"/>
+              </a:solidFill>
+              <a:effectLst/>
+              <a:uLnTx/>
+              <a:uFillTx/>
+              <a:latin typeface="Calibri"/>
+              <a:ea typeface="+mn-ea"/>
+              <a:cs typeface="+mn-cs"/>
+            </a:endParaRPr>
+          </a:p>
+        </p:txBody>
+      </p:sp>
+      <p:sp>
+        <p:nvSpPr>
+          <p:cNvPr id="21" name="Right Arrow 20"/>
+          <p:cNvSpPr/>
+          <p:nvPr/>
+        </p:nvSpPr>
+        <p:spPr>
+          <a:xfrm>
+            <a:off x="1204913" y="3735388"/>
+            <a:ext cx="1711325" cy="1154112"/>
+          </a:xfrm>
+          <a:prstGeom prst="rightArrow">
+            <a:avLst/>
+          </a:prstGeom>
+        </p:spPr>
+        <p:style>
+          <a:lnRef idx="1">
+            <a:schemeClr val="accent1"/>
+          </a:lnRef>
+          <a:fillRef idx="3">
+            <a:schemeClr val="accent1"/>
+          </a:fillRef>
+          <a:effectRef idx="2">
+            <a:schemeClr val="accent1"/>
+          </a:effectRef>
+          <a:fontRef idx="minor">
+            <a:schemeClr val="lt1"/>
+          </a:fontRef>
+        </p:style>
+        <p:txBody>
+          <a:bodyPr anchor="ctr"/>
+          <a:lstStyle/>
+          <a:p>
+            <a:pPr marL="0" marR="0" lvl="0" indent="0" algn="ctr" defTabSz="457200" rtl="0" eaLnBrk="1" fontAlgn="base" latinLnBrk="0" hangingPunct="1">
+              <a:lnSpc>
+                <a:spcPct val="100000"/>
+              </a:lnSpc>
+              <a:spcBef>
+                <a:spcPct val="0"/>
+              </a:spcBef>
+              <a:spcAft>
+                <a:spcPct val="0"/>
+              </a:spcAft>
+              <a:buClrTx/>
+              <a:buSzTx/>
+              <a:buFontTx/>
+              <a:buNone/>
+              <a:tabLst/>
+              <a:defRPr/>
+            </a:pPr>
+            <a:endParaRPr kumimoji="0" lang="en-US" sz="1800" b="0" i="0" u="none" strike="noStrike" kern="1200" cap="none" spc="0" normalizeH="0" baseline="0" noProof="0">
+              <a:ln>
+                <a:noFill/>
+              </a:ln>
+              <a:solidFill>
+                <a:prstClr val="white"/>
+              </a:solidFill>
+              <a:effectLst/>
+              <a:uLnTx/>
+              <a:uFillTx/>
+              <a:latin typeface="Calibri"/>
+              <a:ea typeface="+mn-ea"/>
+              <a:cs typeface="+mn-cs"/>
+            </a:endParaRPr>
+          </a:p>
+        </p:txBody>
+      </p:sp>
+      <p:pic>
+        <p:nvPicPr>
+          <p:cNvPr id="14" name="Picture 13"/>
+          <p:cNvPicPr>
+            <a:picLocks noChangeAspect="1"/>
+          </p:cNvPicPr>
+          <p:nvPr/>
+        </p:nvPicPr>
+        <p:blipFill>
+          <a:blip r:embed="rId3"/>
+          <a:srcRect/>
+          <a:stretch>
+            <a:fillRect/>
+          </a:stretch>
+        </p:blipFill>
+        <p:spPr bwMode="auto">
+          <a:xfrm>
+            <a:off x="2916238" y="1793875"/>
+            <a:ext cx="3606800" cy="3403600"/>
+          </a:xfrm>
+          <a:prstGeom prst="rect">
+            <a:avLst/>
+          </a:prstGeom>
+          <a:noFill/>
+          <a:ln w="9525">
+            <a:noFill/>
+            <a:miter lim="800000"/>
+            <a:headEnd/>
+            <a:tailEnd/>
+          </a:ln>
+        </p:spPr>
+      </p:pic>
+      <p:pic>
+        <p:nvPicPr>
+          <p:cNvPr id="15" name="Picture 14"/>
+          <p:cNvPicPr>
+            <a:picLocks noChangeAspect="1"/>
+          </p:cNvPicPr>
+          <p:nvPr/>
+        </p:nvPicPr>
+        <p:blipFill>
+          <a:blip r:embed="rId3"/>
+          <a:srcRect/>
+          <a:stretch>
+            <a:fillRect/>
+          </a:stretch>
+        </p:blipFill>
+        <p:spPr bwMode="auto">
+          <a:xfrm>
+            <a:off x="3405188" y="1790700"/>
+            <a:ext cx="3606800" cy="3403600"/>
+          </a:xfrm>
+          <a:prstGeom prst="rect">
+            <a:avLst/>
+          </a:prstGeom>
+          <a:noFill/>
+          <a:ln w="9525">
+            <a:noFill/>
+            <a:miter lim="800000"/>
+            <a:headEnd/>
+            <a:tailEnd/>
+          </a:ln>
+        </p:spPr>
+      </p:pic>
+      <p:pic>
+        <p:nvPicPr>
+          <p:cNvPr id="16" name="Picture 15"/>
+          <p:cNvPicPr>
+            <a:picLocks noChangeAspect="1"/>
+          </p:cNvPicPr>
+          <p:nvPr/>
+        </p:nvPicPr>
+        <p:blipFill>
+          <a:blip r:embed="rId3"/>
+          <a:srcRect/>
+          <a:stretch>
+            <a:fillRect/>
+          </a:stretch>
+        </p:blipFill>
+        <p:spPr bwMode="auto">
+          <a:xfrm>
+            <a:off x="3935413" y="1790700"/>
+            <a:ext cx="3606800" cy="3403600"/>
+          </a:xfrm>
+          <a:prstGeom prst="rect">
+            <a:avLst/>
+          </a:prstGeom>
+          <a:noFill/>
+          <a:ln w="9525">
+            <a:noFill/>
+            <a:miter lim="800000"/>
+            <a:headEnd/>
+            <a:tailEnd/>
+          </a:ln>
+        </p:spPr>
+      </p:pic>
+      <p:sp>
+        <p:nvSpPr>
+          <p:cNvPr id="24" name="Title 1"/>
+          <p:cNvSpPr txBox="1">
+            <a:spLocks/>
+          </p:cNvSpPr>
+          <p:nvPr/>
+        </p:nvSpPr>
+        <p:spPr>
+          <a:xfrm>
+            <a:off x="0" y="274638"/>
+            <a:ext cx="9144000" cy="1143000"/>
+          </a:xfrm>
+          <a:prstGeom prst="rect">
+            <a:avLst/>
+          </a:prstGeom>
+        </p:spPr>
+        <p:txBody>
+          <a:bodyPr anchor="ctr">
+            <a:normAutofit fontScale="92500" lnSpcReduction="20000"/>
+          </a:bodyPr>
+          <a:lstStyle/>
+          <a:p>
+            <a:pPr marL="0" marR="0" lvl="0" indent="0" algn="ctr" defTabSz="457200" rtl="0" eaLnBrk="1" fontAlgn="auto" latinLnBrk="0" hangingPunct="1">
+              <a:lnSpc>
+                <a:spcPct val="100000"/>
+              </a:lnSpc>
+              <a:spcBef>
+                <a:spcPct val="0"/>
+              </a:spcBef>
+              <a:spcAft>
+                <a:spcPts val="0"/>
+              </a:spcAft>
+              <a:buClrTx/>
+              <a:buSzTx/>
+              <a:buFontTx/>
+              <a:buNone/>
+              <a:tabLst/>
+              <a:defRPr/>
+            </a:pPr>
+            <a:r>
+              <a:rPr kumimoji="0" lang="en-US" sz="4400" b="0" i="0" u="none" strike="noStrike" kern="1200" cap="none" spc="0" normalizeH="0" baseline="0" noProof="0" dirty="0" err="1">
+                <a:ln>
+                  <a:noFill/>
+                </a:ln>
+                <a:solidFill>
+                  <a:srgbClr val="FF0000"/>
+                </a:solidFill>
+                <a:effectLst/>
+                <a:uLnTx/>
+                <a:uFillTx/>
+                <a:latin typeface="Calibri"/>
+                <a:ea typeface="ＭＳ Ｐゴシック" pitchFamily="-84" charset="-128"/>
+                <a:cs typeface="ＭＳ Ｐゴシック" pitchFamily="-84" charset="-128"/>
+              </a:rPr>
+              <a:t>Unsheared</a:t>
+            </a:r>
+            <a:r>
+              <a:rPr kumimoji="0" lang="en-US" sz="4400" b="0" i="0" u="none" strike="noStrike" kern="1200" cap="none" spc="0" normalizeH="0" baseline="0" noProof="0" dirty="0">
+                <a:ln>
+                  <a:noFill/>
+                </a:ln>
+                <a:solidFill>
+                  <a:srgbClr val="FF0000"/>
+                </a:solidFill>
+                <a:effectLst/>
+                <a:uLnTx/>
+                <a:uFillTx/>
+                <a:latin typeface="Calibri"/>
+                <a:ea typeface="ＭＳ Ｐゴシック" pitchFamily="-84" charset="-128"/>
+                <a:cs typeface="ＭＳ Ｐゴシック" pitchFamily="-84" charset="-128"/>
+              </a:rPr>
+              <a:t> </a:t>
+            </a:r>
+            <a:r>
+              <a:rPr kumimoji="0" lang="en-US" sz="4400" b="0" i="0" u="none" strike="noStrike" kern="1200" cap="none" spc="0" normalizeH="0" baseline="0" noProof="0" dirty="0">
+                <a:ln>
+                  <a:noFill/>
+                </a:ln>
+                <a:solidFill>
+                  <a:prstClr val="black"/>
+                </a:solidFill>
+                <a:effectLst/>
+                <a:uLnTx/>
+                <a:uFillTx/>
+                <a:latin typeface="Calibri"/>
+                <a:ea typeface="ＭＳ Ｐゴシック" pitchFamily="-84" charset="-128"/>
+                <a:cs typeface="ＭＳ Ｐゴシック" pitchFamily="-84" charset="-128"/>
+              </a:rPr>
+              <a:t>advection of </a:t>
+            </a:r>
+            <a:r>
+              <a:rPr kumimoji="0" lang="en-US" sz="4400" b="0" i="0" u="none" strike="noStrike" kern="1200" cap="none" spc="0" normalizeH="0" baseline="0" noProof="0" dirty="0" err="1">
+                <a:ln>
+                  <a:noFill/>
+                </a:ln>
+                <a:solidFill>
+                  <a:prstClr val="black"/>
+                </a:solidFill>
+                <a:effectLst/>
+                <a:uLnTx/>
+                <a:uFillTx/>
+                <a:latin typeface="Calibri"/>
+                <a:ea typeface="ＭＳ Ｐゴシック" pitchFamily="-84" charset="-128"/>
+                <a:cs typeface="ＭＳ Ｐゴシック" pitchFamily="-84" charset="-128"/>
+              </a:rPr>
+              <a:t>T</a:t>
+            </a:r>
+            <a:r>
+              <a:rPr kumimoji="0" lang="en-US" sz="4400" b="0" i="0" u="none" strike="noStrike" kern="1200" cap="none" spc="0" normalizeH="0" baseline="0" noProof="0" dirty="0">
+                <a:ln>
+                  <a:noFill/>
+                </a:ln>
+                <a:solidFill>
+                  <a:prstClr val="black"/>
+                </a:solidFill>
+                <a:effectLst/>
+                <a:uLnTx/>
+                <a:uFillTx/>
+                <a:latin typeface="Calibri"/>
+                <a:ea typeface="ＭＳ Ｐゴシック" pitchFamily="-84" charset="-128"/>
+                <a:cs typeface="ＭＳ Ｐゴシック" pitchFamily="-84" charset="-128"/>
+              </a:rPr>
+              <a:t>, </a:t>
+            </a:r>
+            <a:r>
+              <a:rPr kumimoji="0" lang="en-US" sz="4400" b="0" i="0" u="none" strike="noStrike" kern="1200" cap="none" spc="0" normalizeH="0" baseline="0" noProof="0" dirty="0" err="1">
+                <a:ln>
+                  <a:noFill/>
+                </a:ln>
+                <a:solidFill>
+                  <a:prstClr val="black"/>
+                </a:solidFill>
+                <a:effectLst/>
+                <a:uLnTx/>
+                <a:uFillTx/>
+                <a:latin typeface="Calibri"/>
+                <a:ea typeface="ＭＳ Ｐゴシック" pitchFamily="-84" charset="-128"/>
+                <a:cs typeface="ＭＳ Ｐゴシック" pitchFamily="-84" charset="-128"/>
+              </a:rPr>
+              <a:t>u</a:t>
+            </a:r>
+            <a:r>
+              <a:rPr kumimoji="0" lang="en-US" sz="4400" b="0" i="0" u="none" strike="noStrike" kern="1200" cap="none" spc="0" normalizeH="0" baseline="0" noProof="0" dirty="0">
+                <a:ln>
+                  <a:noFill/>
+                </a:ln>
+                <a:solidFill>
+                  <a:prstClr val="black"/>
+                </a:solidFill>
+                <a:effectLst/>
+                <a:uLnTx/>
+                <a:uFillTx/>
+                <a:latin typeface="Calibri"/>
+                <a:ea typeface="ＭＳ Ｐゴシック" pitchFamily="-84" charset="-128"/>
+                <a:cs typeface="ＭＳ Ｐゴシック" pitchFamily="-84" charset="-128"/>
+              </a:rPr>
+              <a:t>, </a:t>
+            </a:r>
+            <a:r>
+              <a:rPr kumimoji="0" lang="en-US" sz="4400" b="0" i="0" u="none" strike="noStrike" kern="1200" cap="none" spc="0" normalizeH="0" baseline="0" noProof="0" dirty="0" err="1">
+                <a:ln>
+                  <a:noFill/>
+                </a:ln>
+                <a:solidFill>
+                  <a:prstClr val="black"/>
+                </a:solidFill>
+                <a:effectLst/>
+                <a:uLnTx/>
+                <a:uFillTx/>
+                <a:latin typeface="Calibri"/>
+                <a:ea typeface="ＭＳ Ｐゴシック" pitchFamily="-84" charset="-128"/>
+                <a:cs typeface="ＭＳ Ｐゴシック" pitchFamily="-84" charset="-128"/>
+              </a:rPr>
+              <a:t>v</a:t>
+            </a:r>
+            <a:r>
+              <a:rPr kumimoji="0" lang="en-US" sz="4400" b="0" i="0" u="none" strike="noStrike" kern="1200" cap="none" spc="0" normalizeH="0" baseline="0" noProof="0" dirty="0">
+                <a:ln>
+                  <a:noFill/>
+                </a:ln>
+                <a:solidFill>
+                  <a:prstClr val="black"/>
+                </a:solidFill>
+                <a:effectLst/>
+                <a:uLnTx/>
+                <a:uFillTx/>
+                <a:latin typeface="Calibri"/>
+                <a:ea typeface="ＭＳ Ｐゴシック" pitchFamily="-84" charset="-128"/>
+                <a:cs typeface="ＭＳ Ｐゴシック" pitchFamily="-84" charset="-128"/>
+              </a:rPr>
+              <a:t>, </a:t>
+            </a:r>
+            <a:r>
+              <a:rPr kumimoji="0" lang="en-US" sz="4400" b="0" i="0" u="none" strike="noStrike" kern="1200" cap="none" spc="0" normalizeH="0" baseline="0" noProof="0" dirty="0" err="1">
+                <a:ln>
+                  <a:noFill/>
+                </a:ln>
+                <a:solidFill>
+                  <a:prstClr val="black"/>
+                </a:solidFill>
+                <a:effectLst/>
+                <a:uLnTx/>
+                <a:uFillTx/>
+                <a:latin typeface="Calibri"/>
+                <a:ea typeface="ＭＳ Ｐゴシック" pitchFamily="-84" charset="-128"/>
+                <a:cs typeface="ＭＳ Ｐゴシック" pitchFamily="-84" charset="-128"/>
+              </a:rPr>
+              <a:t>vort</a:t>
+            </a:r>
+            <a:r>
+              <a:rPr kumimoji="0" lang="en-US" sz="4400" b="0" i="0" u="none" strike="noStrike" kern="1200" cap="none" spc="0" normalizeH="0" baseline="0" noProof="0" dirty="0">
+                <a:ln>
+                  <a:noFill/>
+                </a:ln>
+                <a:solidFill>
+                  <a:prstClr val="black"/>
+                </a:solidFill>
+                <a:effectLst/>
+                <a:uLnTx/>
+                <a:uFillTx/>
+                <a:latin typeface="Calibri"/>
+                <a:ea typeface="ＭＳ Ｐゴシック" pitchFamily="-84" charset="-128"/>
+                <a:cs typeface="ＭＳ Ｐゴシック" pitchFamily="-84" charset="-128"/>
+              </a:rPr>
+              <a:t>, PV: </a:t>
+            </a:r>
+          </a:p>
+          <a:p>
+            <a:pPr marL="0" marR="0" lvl="0" indent="0" algn="ctr" defTabSz="457200" rtl="0" eaLnBrk="1" fontAlgn="auto" latinLnBrk="0" hangingPunct="1">
+              <a:lnSpc>
+                <a:spcPct val="100000"/>
+              </a:lnSpc>
+              <a:spcBef>
+                <a:spcPct val="0"/>
+              </a:spcBef>
+              <a:spcAft>
+                <a:spcPts val="0"/>
+              </a:spcAft>
+              <a:buClrTx/>
+              <a:buSzTx/>
+              <a:buFontTx/>
+              <a:buNone/>
+              <a:tabLst/>
+              <a:defRPr/>
+            </a:pPr>
+            <a:r>
+              <a:rPr kumimoji="0" lang="en-US" sz="4400" b="0" i="0" u="none" strike="noStrike" kern="1200" cap="none" spc="0" normalizeH="0" baseline="0" noProof="0" dirty="0">
+                <a:ln>
+                  <a:noFill/>
+                </a:ln>
+                <a:solidFill>
+                  <a:prstClr val="black"/>
+                </a:solidFill>
+                <a:effectLst/>
+                <a:uLnTx/>
+                <a:uFillTx/>
+                <a:latin typeface="Calibri"/>
+                <a:ea typeface="ＭＳ Ｐゴシック" pitchFamily="-84" charset="-128"/>
+                <a:cs typeface="ＭＳ Ｐゴシック" pitchFamily="-84" charset="-128"/>
+              </a:rPr>
+              <a:t>no breaking of balance</a:t>
+            </a:r>
+          </a:p>
+        </p:txBody>
+      </p:sp>
+    </p:spTree>
+    <p:extLst>
+      <p:ext uri="{BB962C8B-B14F-4D97-AF65-F5344CB8AC3E}">
+        <p14:creationId xmlns:p14="http://schemas.microsoft.com/office/powerpoint/2010/main" val="4190201513"/>
+      </p:ext>
+    </p:extLst>
+  </p:cSld>
+  <p:clrMapOvr>
+    <a:masterClrMapping/>
+  </p:clrMapOvr>
+  <p:timing>
+    <p:tnLst>
+      <p:par>
+        <p:cTn id="1" dur="indefinite" restart="never" nodeType="tmRoot">
+          <p:childTnLst>
+            <p:seq concurrent="1" nextAc="seek">
+              <p:cTn id="2" dur="indefinite" nodeType="mainSeq">
+                <p:childTnLst>
+                  <p:par>
+                    <p:cTn id="3" fill="hold">
+                      <p:stCondLst>
+                        <p:cond delay="indefinite"/>
+                      </p:stCondLst>
+                      <p:childTnLst>
+                        <p:par>
+                          <p:cTn id="4" fill="hold">
+                            <p:stCondLst>
+                              <p:cond delay="0"/>
+                            </p:stCondLst>
+                            <p:childTnLst>
+                              <p:par>
+                                <p:cTn id="5" presetID="1" presetClass="entr" presetSubtype="0" fill="hold" nodeType="clickEffect">
+                                  <p:stCondLst>
+                                    <p:cond delay="0"/>
+                                  </p:stCondLst>
+                                  <p:childTnLst>
+                                    <p:set>
+                                      <p:cBhvr>
+                                        <p:cTn id="6" dur="1" fill="hold">
+                                          <p:stCondLst>
+                                            <p:cond delay="0"/>
+                                          </p:stCondLst>
+                                        </p:cTn>
+                                        <p:tgtEl>
+                                          <p:spTgt spid="14"/>
+                                        </p:tgtEl>
+                                        <p:attrNameLst>
+                                          <p:attrName>style.visibility</p:attrName>
+                                        </p:attrNameLst>
+                                      </p:cBhvr>
+                                      <p:to>
+                                        <p:strVal val="visible"/>
+                                      </p:to>
+                                    </p:set>
+                                  </p:childTnLst>
+                                </p:cTn>
+                              </p:par>
+                            </p:childTnLst>
+                          </p:cTn>
+                        </p:par>
+                      </p:childTnLst>
+                    </p:cTn>
+                  </p:par>
+                  <p:par>
+                    <p:cTn id="7" fill="hold">
+                      <p:stCondLst>
+                        <p:cond delay="indefinite"/>
+                      </p:stCondLst>
+                      <p:childTnLst>
+                        <p:par>
+                          <p:cTn id="8" fill="hold">
+                            <p:stCondLst>
+                              <p:cond delay="0"/>
+                            </p:stCondLst>
+                            <p:childTnLst>
+                              <p:par>
+                                <p:cTn id="9" presetID="1" presetClass="entr" presetSubtype="0" fill="hold" nodeType="clickEffect">
+                                  <p:stCondLst>
+                                    <p:cond delay="0"/>
+                                  </p:stCondLst>
+                                  <p:childTnLst>
+                                    <p:set>
+                                      <p:cBhvr>
+                                        <p:cTn id="10" dur="1" fill="hold">
+                                          <p:stCondLst>
+                                            <p:cond delay="0"/>
+                                          </p:stCondLst>
+                                        </p:cTn>
+                                        <p:tgtEl>
+                                          <p:spTgt spid="15"/>
+                                        </p:tgtEl>
+                                        <p:attrNameLst>
+                                          <p:attrName>style.visibility</p:attrName>
+                                        </p:attrNameLst>
+                                      </p:cBhvr>
+                                      <p:to>
+                                        <p:strVal val="visible"/>
+                                      </p:to>
+                                    </p:set>
+                                  </p:childTnLst>
+                                </p:cTn>
+                              </p:par>
+                            </p:childTnLst>
+                          </p:cTn>
+                        </p:par>
+                      </p:childTnLst>
+                    </p:cTn>
+                  </p:par>
+                  <p:par>
+                    <p:cTn id="11" fill="hold">
+                      <p:stCondLst>
+                        <p:cond delay="indefinite"/>
+                      </p:stCondLst>
+                      <p:childTnLst>
+                        <p:par>
+                          <p:cTn id="12" fill="hold">
+                            <p:stCondLst>
+                              <p:cond delay="0"/>
+                            </p:stCondLst>
+                            <p:childTnLst>
+                              <p:par>
+                                <p:cTn id="13" presetID="1" presetClass="entr" presetSubtype="0" fill="hold" nodeType="clickEffect">
+                                  <p:stCondLst>
+                                    <p:cond delay="0"/>
+                                  </p:stCondLst>
+                                  <p:childTnLst>
+                                    <p:set>
+                                      <p:cBhvr>
+                                        <p:cTn id="14" dur="1" fill="hold">
+                                          <p:stCondLst>
+                                            <p:cond delay="0"/>
+                                          </p:stCondLst>
+                                        </p:cTn>
+                                        <p:tgtEl>
+                                          <p:spTgt spid="16"/>
+                                        </p:tgtEl>
+                                        <p:attrNameLst>
+                                          <p:attrName>style.visibility</p:attrName>
+                                        </p:attrNameLst>
+                                      </p:cBhvr>
+                                      <p:to>
+                                        <p:strVal val="visible"/>
+                                      </p:to>
+                                    </p:set>
+                                  </p:childTnLst>
+                                </p:cTn>
+                              </p:par>
+                            </p:childTnLst>
+                          </p:cTn>
+                        </p:par>
+                      </p:childTnLst>
+                    </p:cTn>
+                  </p:par>
+                </p:childTnLst>
+              </p:cTn>
+              <p:prevCondLst>
+                <p:cond evt="onPrev" delay="0">
+                  <p:tgtEl>
+                    <p:sldTgt/>
+                  </p:tgtEl>
+                </p:cond>
+              </p:prevCondLst>
+              <p:nextCondLst>
+                <p:cond evt="onNext" delay="0">
+                  <p:tgtEl>
+                    <p:sldTgt/>
+                  </p:tgtEl>
+                </p:cond>
+              </p:nextCondLst>
+            </p:seq>
+          </p:childTnLst>
+        </p:cTn>
+      </p:par>
+    </p:tnLst>
+  </p:timing>
+</p:sld>
+</file>
+
+<file path=ppt/slides/slide34.xml><?xml version="1.0" encoding="utf-8"?>
 <p:sld xmlns:a="http://schemas.openxmlformats.org/drawingml/2006/main" xmlns:r="http://schemas.openxmlformats.org/officeDocument/2006/relationships" xmlns:p="http://schemas.openxmlformats.org/presentationml/2006/main">
   <p:cSld>
     <p:spTree>
@@ -21441,7 +22713,7 @@
 </p:sld>
 </file>
 
-<file path=ppt/slides/slide34.xml><?xml version="1.0" encoding="utf-8"?>
+<file path=ppt/slides/slide35.xml><?xml version="1.0" encoding="utf-8"?>
 <p:sld xmlns:a="http://schemas.openxmlformats.org/drawingml/2006/main" xmlns:r="http://schemas.openxmlformats.org/officeDocument/2006/relationships" xmlns:p="http://schemas.openxmlformats.org/presentationml/2006/main">
   <p:cSld>
     <p:spTree>
@@ -22731,7 +24003,7 @@
 </p:sld>
 </file>
 
-<file path=ppt/slides/slide35.xml><?xml version="1.0" encoding="utf-8"?>
+<file path=ppt/slides/slide36.xml><?xml version="1.0" encoding="utf-8"?>
 <p:sld xmlns:a="http://schemas.openxmlformats.org/drawingml/2006/main" xmlns:r="http://schemas.openxmlformats.org/officeDocument/2006/relationships" xmlns:p="http://schemas.openxmlformats.org/presentationml/2006/main">
   <p:cSld>
     <p:spTree>
@@ -23865,7 +25137,7 @@
 </p:sld>
 </file>
 
-<file path=ppt/slides/slide36.xml><?xml version="1.0" encoding="utf-8"?>
+<file path=ppt/slides/slide37.xml><?xml version="1.0" encoding="utf-8"?>
 <p:sld xmlns:a="http://schemas.openxmlformats.org/drawingml/2006/main" xmlns:r="http://schemas.openxmlformats.org/officeDocument/2006/relationships" xmlns:p="http://schemas.openxmlformats.org/presentationml/2006/main">
   <p:cSld>
     <p:spTree>
@@ -24633,7 +25905,7 @@
 </p:sld>
 </file>
 
-<file path=ppt/slides/slide37.xml><?xml version="1.0" encoding="utf-8"?>
+<file path=ppt/slides/slide38.xml><?xml version="1.0" encoding="utf-8"?>
 <p:sld xmlns:a="http://schemas.openxmlformats.org/drawingml/2006/main" xmlns:r="http://schemas.openxmlformats.org/officeDocument/2006/relationships" xmlns:p="http://schemas.openxmlformats.org/presentationml/2006/main">
   <p:cSld>
     <p:spTree>
@@ -25499,7 +26771,7 @@
 </p:sld>
 </file>
 
-<file path=ppt/slides/slide38.xml><?xml version="1.0" encoding="utf-8"?>
+<file path=ppt/slides/slide39.xml><?xml version="1.0" encoding="utf-8"?>
 <p:sld xmlns:a="http://schemas.openxmlformats.org/drawingml/2006/main" xmlns:r="http://schemas.openxmlformats.org/officeDocument/2006/relationships" xmlns:p="http://schemas.openxmlformats.org/presentationml/2006/main">
   <p:cSld>
     <p:spTree>
@@ -26088,1278 +27360,6 @@
 </p:sld>
 </file>
 
-<file path=ppt/slides/slide39.xml><?xml version="1.0" encoding="utf-8"?>
-<p:sld xmlns:a="http://schemas.openxmlformats.org/drawingml/2006/main" xmlns:r="http://schemas.openxmlformats.org/officeDocument/2006/relationships" xmlns:p="http://schemas.openxmlformats.org/presentationml/2006/main">
-  <p:cSld>
-    <p:spTree>
-      <p:nvGrpSpPr>
-        <p:cNvPr id="1" name=""/>
-        <p:cNvGrpSpPr/>
-        <p:nvPr/>
-      </p:nvGrpSpPr>
-      <p:grpSpPr>
-        <a:xfrm>
-          <a:off x="0" y="0"/>
-          <a:ext cx="0" cy="0"/>
-          <a:chOff x="0" y="0"/>
-          <a:chExt cx="0" cy="0"/>
-        </a:xfrm>
-      </p:grpSpPr>
-      <p:sp>
-        <p:nvSpPr>
-          <p:cNvPr id="50178" name="Title 1"/>
-          <p:cNvSpPr>
-            <a:spLocks noGrp="1"/>
-          </p:cNvSpPr>
-          <p:nvPr>
-            <p:ph type="title"/>
-          </p:nvPr>
-        </p:nvSpPr>
-        <p:spPr>
-          <a:xfrm>
-            <a:off x="457200" y="1598613"/>
-            <a:ext cx="8229600" cy="1143000"/>
-          </a:xfrm>
-        </p:spPr>
-        <p:txBody>
-          <a:bodyPr/>
-          <a:lstStyle/>
-          <a:p>
-            <a:endParaRPr lang="en-US">
-              <a:ea typeface="ＭＳ Ｐゴシック" pitchFamily="-84" charset="-128"/>
-              <a:cs typeface="ＭＳ Ｐゴシック" pitchFamily="-84" charset="-128"/>
-            </a:endParaRPr>
-          </a:p>
-        </p:txBody>
-      </p:sp>
-      <p:sp>
-        <p:nvSpPr>
-          <p:cNvPr id="50179" name="Content Placeholder 2"/>
-          <p:cNvSpPr>
-            <a:spLocks noGrp="1"/>
-          </p:cNvSpPr>
-          <p:nvPr>
-            <p:ph idx="1"/>
-          </p:nvPr>
-        </p:nvSpPr>
-        <p:spPr/>
-        <p:txBody>
-          <a:bodyPr/>
-          <a:lstStyle/>
-          <a:p>
-            <a:endParaRPr lang="en-US">
-              <a:ea typeface="ＭＳ Ｐゴシック" pitchFamily="-84" charset="-128"/>
-              <a:cs typeface="ＭＳ Ｐゴシック" pitchFamily="-84" charset="-128"/>
-            </a:endParaRPr>
-          </a:p>
-        </p:txBody>
-      </p:sp>
-      <p:pic>
-        <p:nvPicPr>
-          <p:cNvPr id="50180" name="Picture 3"/>
-          <p:cNvPicPr>
-            <a:picLocks noChangeAspect="1"/>
-          </p:cNvPicPr>
-          <p:nvPr/>
-        </p:nvPicPr>
-        <p:blipFill>
-          <a:blip r:embed="rId2"/>
-          <a:srcRect b="43303"/>
-          <a:stretch>
-            <a:fillRect/>
-          </a:stretch>
-        </p:blipFill>
-        <p:spPr bwMode="auto">
-          <a:xfrm>
-            <a:off x="647700" y="1431925"/>
-            <a:ext cx="7848600" cy="3765550"/>
-          </a:xfrm>
-          <a:prstGeom prst="rect">
-            <a:avLst/>
-          </a:prstGeom>
-          <a:noFill/>
-          <a:ln w="9525">
-            <a:noFill/>
-            <a:miter lim="800000"/>
-            <a:headEnd/>
-            <a:tailEnd/>
-          </a:ln>
-        </p:spPr>
-      </p:pic>
-      <p:sp>
-        <p:nvSpPr>
-          <p:cNvPr id="8" name="TextBox 6"/>
-          <p:cNvSpPr txBox="1">
-            <a:spLocks noChangeArrowheads="1"/>
-          </p:cNvSpPr>
-          <p:nvPr/>
-        </p:nvSpPr>
-        <p:spPr bwMode="auto">
-          <a:xfrm>
-            <a:off x="3192238" y="3386613"/>
-            <a:ext cx="2041525" cy="1692771"/>
-          </a:xfrm>
-          <a:prstGeom prst="rect">
-            <a:avLst/>
-          </a:prstGeom>
-          <a:noFill/>
-          <a:ln w="9525">
-            <a:noFill/>
-            <a:miter lim="800000"/>
-            <a:headEnd/>
-            <a:tailEnd/>
-          </a:ln>
-        </p:spPr>
-        <p:txBody>
-          <a:bodyPr>
-            <a:prstTxWarp prst="textNoShape">
-              <a:avLst/>
-            </a:prstTxWarp>
-            <a:spAutoFit/>
-          </a:bodyPr>
-          <a:lstStyle/>
-          <a:p>
-            <a:pPr marL="0" marR="0" lvl="0" indent="0" algn="ctr" defTabSz="457200" rtl="0" eaLnBrk="1" fontAlgn="base" latinLnBrk="0" hangingPunct="1">
-              <a:lnSpc>
-                <a:spcPct val="100000"/>
-              </a:lnSpc>
-              <a:spcBef>
-                <a:spcPct val="0"/>
-              </a:spcBef>
-              <a:spcAft>
-                <a:spcPct val="0"/>
-              </a:spcAft>
-              <a:buClrTx/>
-              <a:buSzTx/>
-              <a:buFontTx/>
-              <a:buNone/>
-              <a:tabLst/>
-              <a:defRPr/>
-            </a:pPr>
-            <a:endParaRPr kumimoji="0" lang="en-US" sz="2400" b="1" i="0" u="none" strike="noStrike" kern="1200" cap="none" spc="0" normalizeH="0" baseline="0" noProof="0" dirty="0">
-              <a:ln>
-                <a:noFill/>
-              </a:ln>
-              <a:solidFill>
-                <a:srgbClr val="0000FF"/>
-              </a:solidFill>
-              <a:effectLst/>
-              <a:uLnTx/>
-              <a:uFillTx/>
-              <a:latin typeface="Arial" charset="0"/>
-              <a:ea typeface="ＭＳ Ｐゴシック" charset="-128"/>
-              <a:cs typeface="ＭＳ Ｐゴシック" charset="-128"/>
-            </a:endParaRPr>
-          </a:p>
-          <a:p>
-            <a:pPr marL="0" marR="0" lvl="0" indent="0" algn="ctr" defTabSz="457200" rtl="0" eaLnBrk="1" fontAlgn="base" latinLnBrk="0" hangingPunct="1">
-              <a:lnSpc>
-                <a:spcPct val="100000"/>
-              </a:lnSpc>
-              <a:spcBef>
-                <a:spcPct val="0"/>
-              </a:spcBef>
-              <a:spcAft>
-                <a:spcPct val="0"/>
-              </a:spcAft>
-              <a:buClrTx/>
-              <a:buSzTx/>
-              <a:buFontTx/>
-              <a:buNone/>
-              <a:tabLst/>
-              <a:defRPr/>
-            </a:pPr>
-            <a:r>
-              <a:rPr kumimoji="0" lang="en-US" sz="4000" b="1" i="0" u="none" strike="noStrike" kern="1200" cap="none" spc="0" normalizeH="0" baseline="0" noProof="0" dirty="0">
-                <a:ln w="28575" cap="flat" cmpd="sng" algn="ctr">
-                  <a:solidFill>
-                    <a:srgbClr val="FFFF00"/>
-                  </a:solidFill>
-                  <a:prstDash val="solid"/>
-                  <a:round/>
-                  <a:headEnd type="none" w="med" len="med"/>
-                  <a:tailEnd type="none" w="med" len="med"/>
-                </a:ln>
-                <a:solidFill>
-                  <a:srgbClr val="0000FF"/>
-                </a:solidFill>
-                <a:effectLst/>
-                <a:uLnTx/>
-                <a:uFillTx/>
-                <a:latin typeface="Arial" charset="0"/>
-                <a:ea typeface="ＭＳ Ｐゴシック" charset="-128"/>
-                <a:cs typeface="ＭＳ Ｐゴシック" charset="-128"/>
-              </a:rPr>
-              <a:t>COOL</a:t>
-            </a:r>
-          </a:p>
-          <a:p>
-            <a:pPr marL="0" marR="0" lvl="0" indent="0" algn="ctr" defTabSz="457200" rtl="0" eaLnBrk="1" fontAlgn="base" latinLnBrk="0" hangingPunct="1">
-              <a:lnSpc>
-                <a:spcPct val="100000"/>
-              </a:lnSpc>
-              <a:spcBef>
-                <a:spcPct val="0"/>
-              </a:spcBef>
-              <a:spcAft>
-                <a:spcPct val="0"/>
-              </a:spcAft>
-              <a:buClrTx/>
-              <a:buSzTx/>
-              <a:buFontTx/>
-              <a:buNone/>
-              <a:tabLst/>
-              <a:defRPr/>
-            </a:pPr>
-            <a:r>
-              <a:rPr kumimoji="0" lang="en-US" sz="4000" b="1" i="0" u="none" strike="noStrike" kern="1200" cap="none" spc="0" normalizeH="0" baseline="0" noProof="0" dirty="0">
-                <a:ln w="28575" cap="flat" cmpd="sng" algn="ctr">
-                  <a:solidFill>
-                    <a:srgbClr val="FFFF00"/>
-                  </a:solidFill>
-                  <a:prstDash val="solid"/>
-                  <a:round/>
-                  <a:headEnd type="none" w="med" len="med"/>
-                  <a:tailEnd type="none" w="med" len="med"/>
-                </a:ln>
-                <a:solidFill>
-                  <a:srgbClr val="0000FF"/>
-                </a:solidFill>
-                <a:effectLst/>
-                <a:uLnTx/>
-                <a:uFillTx/>
-                <a:latin typeface="Arial" charset="0"/>
-                <a:ea typeface="ＭＳ Ｐゴシック" charset="-128"/>
-                <a:cs typeface="ＭＳ Ｐゴシック" charset="-128"/>
-              </a:rPr>
-              <a:t>CORE</a:t>
-            </a:r>
-          </a:p>
-        </p:txBody>
-      </p:sp>
-      <p:sp>
-        <p:nvSpPr>
-          <p:cNvPr id="9" name="TextBox 7"/>
-          <p:cNvSpPr txBox="1">
-            <a:spLocks noChangeArrowheads="1"/>
-          </p:cNvSpPr>
-          <p:nvPr/>
-        </p:nvSpPr>
-        <p:spPr bwMode="auto">
-          <a:xfrm>
-            <a:off x="3508410" y="1720631"/>
-            <a:ext cx="1676400" cy="707886"/>
-          </a:xfrm>
-          <a:prstGeom prst="rect">
-            <a:avLst/>
-          </a:prstGeom>
-          <a:noFill/>
-          <a:ln w="9525">
-            <a:noFill/>
-            <a:miter lim="800000"/>
-            <a:headEnd/>
-            <a:tailEnd/>
-          </a:ln>
-        </p:spPr>
-        <p:txBody>
-          <a:bodyPr>
-            <a:prstTxWarp prst="textNoShape">
-              <a:avLst/>
-            </a:prstTxWarp>
-            <a:spAutoFit/>
-          </a:bodyPr>
-          <a:lstStyle/>
-          <a:p>
-            <a:pPr marL="0" marR="0" lvl="0" indent="0" algn="ctr" defTabSz="457200" rtl="0" eaLnBrk="1" fontAlgn="base" latinLnBrk="0" hangingPunct="1">
-              <a:lnSpc>
-                <a:spcPct val="100000"/>
-              </a:lnSpc>
-              <a:spcBef>
-                <a:spcPct val="0"/>
-              </a:spcBef>
-              <a:spcAft>
-                <a:spcPct val="0"/>
-              </a:spcAft>
-              <a:buClrTx/>
-              <a:buSzTx/>
-              <a:buFontTx/>
-              <a:buNone/>
-              <a:tabLst/>
-              <a:defRPr/>
-            </a:pPr>
-            <a:r>
-              <a:rPr kumimoji="0" lang="en-US" sz="4000" b="1" i="0" u="none" strike="noStrike" kern="1200" cap="none" spc="0" normalizeH="0" baseline="0" noProof="0" dirty="0">
-                <a:ln w="28575" cap="flat" cmpd="sng" algn="ctr">
-                  <a:solidFill>
-                    <a:srgbClr val="000000"/>
-                  </a:solidFill>
-                  <a:prstDash val="solid"/>
-                  <a:round/>
-                  <a:headEnd type="none" w="med" len="med"/>
-                  <a:tailEnd type="none" w="med" len="med"/>
-                </a:ln>
-                <a:solidFill>
-                  <a:srgbClr val="FF0000"/>
-                </a:solidFill>
-                <a:effectLst/>
-                <a:uLnTx/>
-                <a:uFillTx/>
-                <a:latin typeface="Arial" charset="0"/>
-                <a:ea typeface="ＭＳ Ｐゴシック" charset="-128"/>
-                <a:cs typeface="ＭＳ Ｐゴシック" charset="-128"/>
-              </a:rPr>
-              <a:t>warm</a:t>
-            </a:r>
-          </a:p>
-        </p:txBody>
-      </p:sp>
-      <p:grpSp>
-        <p:nvGrpSpPr>
-          <p:cNvPr id="2" name="Group 15"/>
-          <p:cNvGrpSpPr>
-            <a:grpSpLocks/>
-          </p:cNvGrpSpPr>
-          <p:nvPr/>
-        </p:nvGrpSpPr>
-        <p:grpSpPr bwMode="auto">
-          <a:xfrm>
-            <a:off x="2995613" y="2376488"/>
-            <a:ext cx="2697162" cy="1196975"/>
-            <a:chOff x="2801938" y="1871663"/>
-            <a:chExt cx="2697162" cy="1196280"/>
-          </a:xfrm>
-        </p:grpSpPr>
-        <p:sp>
-          <p:nvSpPr>
-            <p:cNvPr id="17" name="Curved Up Arrow 16"/>
-            <p:cNvSpPr/>
-            <p:nvPr/>
-          </p:nvSpPr>
-          <p:spPr>
-            <a:xfrm>
-              <a:off x="2998788" y="2357156"/>
-              <a:ext cx="2500312" cy="523571"/>
-            </a:xfrm>
-            <a:prstGeom prst="curvedUpArrow">
-              <a:avLst/>
-            </a:prstGeom>
-            <a:solidFill>
-              <a:srgbClr val="FFFFFF"/>
-            </a:solidFill>
-            <a:ln>
-              <a:solidFill>
-                <a:srgbClr val="008000"/>
-              </a:solidFill>
-            </a:ln>
-          </p:spPr>
-          <p:style>
-            <a:lnRef idx="1">
-              <a:schemeClr val="accent1"/>
-            </a:lnRef>
-            <a:fillRef idx="3">
-              <a:schemeClr val="accent1"/>
-            </a:fillRef>
-            <a:effectRef idx="2">
-              <a:schemeClr val="accent1"/>
-            </a:effectRef>
-            <a:fontRef idx="minor">
-              <a:schemeClr val="lt1"/>
-            </a:fontRef>
-          </p:style>
-          <p:txBody>
-            <a:bodyPr anchor="ctr"/>
-            <a:lstStyle/>
-            <a:p>
-              <a:pPr marL="0" marR="0" lvl="0" indent="0" algn="ctr" defTabSz="457200" rtl="0" eaLnBrk="1" fontAlgn="base" latinLnBrk="0" hangingPunct="1">
-                <a:lnSpc>
-                  <a:spcPct val="100000"/>
-                </a:lnSpc>
-                <a:spcBef>
-                  <a:spcPct val="0"/>
-                </a:spcBef>
-                <a:spcAft>
-                  <a:spcPct val="0"/>
-                </a:spcAft>
-                <a:buClrTx/>
-                <a:buSzTx/>
-                <a:buFontTx/>
-                <a:buNone/>
-                <a:tabLst/>
-                <a:defRPr/>
-              </a:pPr>
-              <a:endParaRPr kumimoji="0" lang="en-US" sz="2800" b="0" i="0" u="none" strike="noStrike" kern="1200" cap="none" spc="0" normalizeH="0" baseline="0" noProof="0" dirty="0">
-                <a:ln>
-                  <a:noFill/>
-                </a:ln>
-                <a:solidFill>
-                  <a:prstClr val="black"/>
-                </a:solidFill>
-                <a:effectLst/>
-                <a:uLnTx/>
-                <a:uFillTx/>
-                <a:latin typeface="Calibri"/>
-                <a:ea typeface="+mn-ea"/>
-                <a:cs typeface="+mn-cs"/>
-              </a:endParaRPr>
-            </a:p>
-          </p:txBody>
-        </p:sp>
-        <p:sp>
-          <p:nvSpPr>
-            <p:cNvPr id="18" name="Curved Up Arrow 17"/>
-            <p:cNvSpPr/>
-            <p:nvPr/>
-          </p:nvSpPr>
-          <p:spPr>
-            <a:xfrm flipH="1" flipV="1">
-              <a:off x="2801938" y="1871663"/>
-              <a:ext cx="2671762" cy="466454"/>
-            </a:xfrm>
-            <a:prstGeom prst="curvedUpArrow">
-              <a:avLst/>
-            </a:prstGeom>
-            <a:solidFill>
-              <a:srgbClr val="FFFFFF"/>
-            </a:solidFill>
-            <a:ln>
-              <a:solidFill>
-                <a:srgbClr val="008000"/>
-              </a:solidFill>
-            </a:ln>
-          </p:spPr>
-          <p:style>
-            <a:lnRef idx="1">
-              <a:schemeClr val="accent1"/>
-            </a:lnRef>
-            <a:fillRef idx="3">
-              <a:schemeClr val="accent1"/>
-            </a:fillRef>
-            <a:effectRef idx="2">
-              <a:schemeClr val="accent1"/>
-            </a:effectRef>
-            <a:fontRef idx="minor">
-              <a:schemeClr val="lt1"/>
-            </a:fontRef>
-          </p:style>
-          <p:txBody>
-            <a:bodyPr anchor="ctr"/>
-            <a:lstStyle/>
-            <a:p>
-              <a:pPr marL="0" marR="0" lvl="0" indent="0" algn="ctr" defTabSz="457200" rtl="0" eaLnBrk="1" fontAlgn="base" latinLnBrk="0" hangingPunct="1">
-                <a:lnSpc>
-                  <a:spcPct val="100000"/>
-                </a:lnSpc>
-                <a:spcBef>
-                  <a:spcPct val="0"/>
-                </a:spcBef>
-                <a:spcAft>
-                  <a:spcPct val="0"/>
-                </a:spcAft>
-                <a:buClrTx/>
-                <a:buSzTx/>
-                <a:buFontTx/>
-                <a:buNone/>
-                <a:tabLst/>
-                <a:defRPr/>
-              </a:pPr>
-              <a:endParaRPr kumimoji="0" lang="en-US" sz="1800" b="0" i="0" u="none" strike="noStrike" kern="1200" cap="none" spc="0" normalizeH="0" baseline="0" noProof="0">
-                <a:ln>
-                  <a:noFill/>
-                </a:ln>
-                <a:solidFill>
-                  <a:prstClr val="black"/>
-                </a:solidFill>
-                <a:effectLst/>
-                <a:uLnTx/>
-                <a:uFillTx/>
-                <a:latin typeface="Calibri"/>
-                <a:ea typeface="+mn-ea"/>
-                <a:cs typeface="+mn-cs"/>
-              </a:endParaRPr>
-            </a:p>
-          </p:txBody>
-        </p:sp>
-        <p:sp>
-          <p:nvSpPr>
-            <p:cNvPr id="50192" name="TextBox 8"/>
-            <p:cNvSpPr txBox="1">
-              <a:spLocks noChangeArrowheads="1"/>
-            </p:cNvSpPr>
-            <p:nvPr/>
-          </p:nvSpPr>
-          <p:spPr bwMode="auto">
-            <a:xfrm>
-              <a:off x="2932113" y="1990725"/>
-              <a:ext cx="2384425" cy="1077218"/>
-            </a:xfrm>
-            <a:prstGeom prst="rect">
-              <a:avLst/>
-            </a:prstGeom>
-            <a:noFill/>
-            <a:ln w="9525">
-              <a:noFill/>
-              <a:miter lim="800000"/>
-              <a:headEnd/>
-              <a:tailEnd/>
-            </a:ln>
-          </p:spPr>
-          <p:txBody>
-            <a:bodyPr>
-              <a:prstTxWarp prst="textNoShape">
-                <a:avLst/>
-              </a:prstTxWarp>
-              <a:spAutoFit/>
-            </a:bodyPr>
-            <a:lstStyle/>
-            <a:p>
-              <a:pPr marL="0" marR="0" lvl="0" indent="0" algn="ctr" defTabSz="457200" rtl="0" eaLnBrk="1" fontAlgn="base" latinLnBrk="0" hangingPunct="1">
-                <a:lnSpc>
-                  <a:spcPct val="100000"/>
-                </a:lnSpc>
-                <a:spcBef>
-                  <a:spcPct val="0"/>
-                </a:spcBef>
-                <a:spcAft>
-                  <a:spcPct val="0"/>
-                </a:spcAft>
-                <a:buClrTx/>
-                <a:buSzTx/>
-                <a:buFontTx/>
-                <a:buNone/>
-                <a:tabLst/>
-                <a:defRPr/>
-              </a:pPr>
-              <a:r>
-                <a:rPr kumimoji="0" lang="en-US" sz="3200" b="0" i="0" u="none" strike="noStrike" kern="1200" cap="none" spc="0" normalizeH="0" baseline="0" noProof="0">
-                  <a:ln>
-                    <a:noFill/>
-                  </a:ln>
-                  <a:solidFill>
-                    <a:prstClr val="black"/>
-                  </a:solidFill>
-                  <a:effectLst/>
-                  <a:uLnTx/>
-                  <a:uFillTx/>
-                  <a:latin typeface="Arial" pitchFamily="-84" charset="0"/>
-                  <a:ea typeface="ＭＳ Ｐゴシック" pitchFamily="-84" charset="-128"/>
-                  <a:cs typeface="ＭＳ Ｐゴシック" pitchFamily="-84" charset="-128"/>
-                </a:rPr>
-                <a:t>cyclonic</a:t>
-              </a:r>
-            </a:p>
-            <a:p>
-              <a:pPr marL="0" marR="0" lvl="0" indent="0" algn="ctr" defTabSz="457200" rtl="0" eaLnBrk="1" fontAlgn="base" latinLnBrk="0" hangingPunct="1">
-                <a:lnSpc>
-                  <a:spcPct val="100000"/>
-                </a:lnSpc>
-                <a:spcBef>
-                  <a:spcPct val="0"/>
-                </a:spcBef>
-                <a:spcAft>
-                  <a:spcPct val="0"/>
-                </a:spcAft>
-                <a:buClrTx/>
-                <a:buSzTx/>
-                <a:buFontTx/>
-                <a:buNone/>
-                <a:tabLst/>
-                <a:defRPr/>
-              </a:pPr>
-              <a:r>
-                <a:rPr kumimoji="0" lang="en-US" sz="3200" b="1" i="0" u="none" strike="noStrike" kern="1200" cap="none" spc="0" normalizeH="0" baseline="0" noProof="0">
-                  <a:ln>
-                    <a:noFill/>
-                  </a:ln>
-                  <a:solidFill>
-                    <a:prstClr val="black"/>
-                  </a:solidFill>
-                  <a:effectLst/>
-                  <a:uLnTx/>
-                  <a:uFillTx/>
-                  <a:latin typeface="Arial" pitchFamily="-84" charset="0"/>
-                  <a:ea typeface="ＭＳ Ｐゴシック" pitchFamily="-84" charset="-128"/>
-                  <a:cs typeface="ＭＳ Ｐゴシック" pitchFamily="-84" charset="-128"/>
-                </a:rPr>
-                <a:t>(Trof)</a:t>
-              </a:r>
-            </a:p>
-          </p:txBody>
-        </p:sp>
-      </p:grpSp>
-      <p:sp>
-        <p:nvSpPr>
-          <p:cNvPr id="20" name="Right Arrow 19"/>
-          <p:cNvSpPr/>
-          <p:nvPr/>
-        </p:nvSpPr>
-        <p:spPr>
-          <a:xfrm>
-            <a:off x="1204913" y="2178050"/>
-            <a:ext cx="1711325" cy="1152525"/>
-          </a:xfrm>
-          <a:prstGeom prst="rightArrow">
-            <a:avLst/>
-          </a:prstGeom>
-        </p:spPr>
-        <p:style>
-          <a:lnRef idx="1">
-            <a:schemeClr val="accent1"/>
-          </a:lnRef>
-          <a:fillRef idx="3">
-            <a:schemeClr val="accent1"/>
-          </a:fillRef>
-          <a:effectRef idx="2">
-            <a:schemeClr val="accent1"/>
-          </a:effectRef>
-          <a:fontRef idx="minor">
-            <a:schemeClr val="lt1"/>
-          </a:fontRef>
-        </p:style>
-        <p:txBody>
-          <a:bodyPr anchor="ctr"/>
-          <a:lstStyle/>
-          <a:p>
-            <a:pPr marL="0" marR="0" lvl="0" indent="0" algn="ctr" defTabSz="457200" rtl="0" eaLnBrk="1" fontAlgn="base" latinLnBrk="0" hangingPunct="1">
-              <a:lnSpc>
-                <a:spcPct val="100000"/>
-              </a:lnSpc>
-              <a:spcBef>
-                <a:spcPct val="0"/>
-              </a:spcBef>
-              <a:spcAft>
-                <a:spcPct val="0"/>
-              </a:spcAft>
-              <a:buClrTx/>
-              <a:buSzTx/>
-              <a:buFontTx/>
-              <a:buNone/>
-              <a:tabLst/>
-              <a:defRPr/>
-            </a:pPr>
-            <a:endParaRPr kumimoji="0" lang="en-US" sz="1800" b="0" i="0" u="none" strike="noStrike" kern="1200" cap="none" spc="0" normalizeH="0" baseline="0" noProof="0">
-              <a:ln>
-                <a:noFill/>
-              </a:ln>
-              <a:solidFill>
-                <a:prstClr val="white"/>
-              </a:solidFill>
-              <a:effectLst/>
-              <a:uLnTx/>
-              <a:uFillTx/>
-              <a:latin typeface="Calibri"/>
-              <a:ea typeface="+mn-ea"/>
-              <a:cs typeface="+mn-cs"/>
-            </a:endParaRPr>
-          </a:p>
-        </p:txBody>
-      </p:sp>
-      <p:sp>
-        <p:nvSpPr>
-          <p:cNvPr id="21" name="Right Arrow 20"/>
-          <p:cNvSpPr/>
-          <p:nvPr/>
-        </p:nvSpPr>
-        <p:spPr>
-          <a:xfrm>
-            <a:off x="1204913" y="3735388"/>
-            <a:ext cx="1711325" cy="1154112"/>
-          </a:xfrm>
-          <a:prstGeom prst="rightArrow">
-            <a:avLst/>
-          </a:prstGeom>
-        </p:spPr>
-        <p:style>
-          <a:lnRef idx="1">
-            <a:schemeClr val="accent1"/>
-          </a:lnRef>
-          <a:fillRef idx="3">
-            <a:schemeClr val="accent1"/>
-          </a:fillRef>
-          <a:effectRef idx="2">
-            <a:schemeClr val="accent1"/>
-          </a:effectRef>
-          <a:fontRef idx="minor">
-            <a:schemeClr val="lt1"/>
-          </a:fontRef>
-        </p:style>
-        <p:txBody>
-          <a:bodyPr anchor="ctr"/>
-          <a:lstStyle/>
-          <a:p>
-            <a:pPr marL="0" marR="0" lvl="0" indent="0" algn="ctr" defTabSz="457200" rtl="0" eaLnBrk="1" fontAlgn="base" latinLnBrk="0" hangingPunct="1">
-              <a:lnSpc>
-                <a:spcPct val="100000"/>
-              </a:lnSpc>
-              <a:spcBef>
-                <a:spcPct val="0"/>
-              </a:spcBef>
-              <a:spcAft>
-                <a:spcPct val="0"/>
-              </a:spcAft>
-              <a:buClrTx/>
-              <a:buSzTx/>
-              <a:buFontTx/>
-              <a:buNone/>
-              <a:tabLst/>
-              <a:defRPr/>
-            </a:pPr>
-            <a:endParaRPr kumimoji="0" lang="en-US" sz="1800" b="0" i="0" u="none" strike="noStrike" kern="1200" cap="none" spc="0" normalizeH="0" baseline="0" noProof="0">
-              <a:ln>
-                <a:noFill/>
-              </a:ln>
-              <a:solidFill>
-                <a:prstClr val="white"/>
-              </a:solidFill>
-              <a:effectLst/>
-              <a:uLnTx/>
-              <a:uFillTx/>
-              <a:latin typeface="Calibri"/>
-              <a:ea typeface="+mn-ea"/>
-              <a:cs typeface="+mn-cs"/>
-            </a:endParaRPr>
-          </a:p>
-        </p:txBody>
-      </p:sp>
-      <p:pic>
-        <p:nvPicPr>
-          <p:cNvPr id="14" name="Picture 13"/>
-          <p:cNvPicPr>
-            <a:picLocks noChangeAspect="1"/>
-          </p:cNvPicPr>
-          <p:nvPr/>
-        </p:nvPicPr>
-        <p:blipFill>
-          <a:blip r:embed="rId3"/>
-          <a:srcRect/>
-          <a:stretch>
-            <a:fillRect/>
-          </a:stretch>
-        </p:blipFill>
-        <p:spPr bwMode="auto">
-          <a:xfrm>
-            <a:off x="2916238" y="1793875"/>
-            <a:ext cx="3606800" cy="3403600"/>
-          </a:xfrm>
-          <a:prstGeom prst="rect">
-            <a:avLst/>
-          </a:prstGeom>
-          <a:noFill/>
-          <a:ln w="9525">
-            <a:noFill/>
-            <a:miter lim="800000"/>
-            <a:headEnd/>
-            <a:tailEnd/>
-          </a:ln>
-        </p:spPr>
-      </p:pic>
-      <p:pic>
-        <p:nvPicPr>
-          <p:cNvPr id="15" name="Picture 14"/>
-          <p:cNvPicPr>
-            <a:picLocks noChangeAspect="1"/>
-          </p:cNvPicPr>
-          <p:nvPr/>
-        </p:nvPicPr>
-        <p:blipFill>
-          <a:blip r:embed="rId3"/>
-          <a:srcRect/>
-          <a:stretch>
-            <a:fillRect/>
-          </a:stretch>
-        </p:blipFill>
-        <p:spPr bwMode="auto">
-          <a:xfrm>
-            <a:off x="3405188" y="1790700"/>
-            <a:ext cx="3606800" cy="3403600"/>
-          </a:xfrm>
-          <a:prstGeom prst="rect">
-            <a:avLst/>
-          </a:prstGeom>
-          <a:noFill/>
-          <a:ln w="9525">
-            <a:noFill/>
-            <a:miter lim="800000"/>
-            <a:headEnd/>
-            <a:tailEnd/>
-          </a:ln>
-        </p:spPr>
-      </p:pic>
-      <p:pic>
-        <p:nvPicPr>
-          <p:cNvPr id="16" name="Picture 15"/>
-          <p:cNvPicPr>
-            <a:picLocks noChangeAspect="1"/>
-          </p:cNvPicPr>
-          <p:nvPr/>
-        </p:nvPicPr>
-        <p:blipFill>
-          <a:blip r:embed="rId3"/>
-          <a:srcRect/>
-          <a:stretch>
-            <a:fillRect/>
-          </a:stretch>
-        </p:blipFill>
-        <p:spPr bwMode="auto">
-          <a:xfrm>
-            <a:off x="3935413" y="1790700"/>
-            <a:ext cx="3606800" cy="3403600"/>
-          </a:xfrm>
-          <a:prstGeom prst="rect">
-            <a:avLst/>
-          </a:prstGeom>
-          <a:noFill/>
-          <a:ln w="9525">
-            <a:noFill/>
-            <a:miter lim="800000"/>
-            <a:headEnd/>
-            <a:tailEnd/>
-          </a:ln>
-        </p:spPr>
-      </p:pic>
-      <p:sp>
-        <p:nvSpPr>
-          <p:cNvPr id="24" name="Title 1"/>
-          <p:cNvSpPr txBox="1">
-            <a:spLocks/>
-          </p:cNvSpPr>
-          <p:nvPr/>
-        </p:nvSpPr>
-        <p:spPr>
-          <a:xfrm>
-            <a:off x="0" y="274638"/>
-            <a:ext cx="9144000" cy="1143000"/>
-          </a:xfrm>
-          <a:prstGeom prst="rect">
-            <a:avLst/>
-          </a:prstGeom>
-        </p:spPr>
-        <p:txBody>
-          <a:bodyPr anchor="ctr">
-            <a:normAutofit fontScale="92500" lnSpcReduction="20000"/>
-          </a:bodyPr>
-          <a:lstStyle/>
-          <a:p>
-            <a:pPr marL="0" marR="0" lvl="0" indent="0" algn="ctr" defTabSz="457200" rtl="0" eaLnBrk="1" fontAlgn="auto" latinLnBrk="0" hangingPunct="1">
-              <a:lnSpc>
-                <a:spcPct val="100000"/>
-              </a:lnSpc>
-              <a:spcBef>
-                <a:spcPct val="0"/>
-              </a:spcBef>
-              <a:spcAft>
-                <a:spcPts val="0"/>
-              </a:spcAft>
-              <a:buClrTx/>
-              <a:buSzTx/>
-              <a:buFontTx/>
-              <a:buNone/>
-              <a:tabLst/>
-              <a:defRPr/>
-            </a:pPr>
-            <a:r>
-              <a:rPr kumimoji="0" lang="en-US" sz="4400" b="0" i="0" u="none" strike="noStrike" kern="1200" cap="none" spc="0" normalizeH="0" baseline="0" noProof="0" dirty="0" err="1">
-                <a:ln>
-                  <a:noFill/>
-                </a:ln>
-                <a:solidFill>
-                  <a:srgbClr val="FF0000"/>
-                </a:solidFill>
-                <a:effectLst/>
-                <a:uLnTx/>
-                <a:uFillTx/>
-                <a:latin typeface="Calibri"/>
-                <a:ea typeface="ＭＳ Ｐゴシック" pitchFamily="-84" charset="-128"/>
-                <a:cs typeface="ＭＳ Ｐゴシック" pitchFamily="-84" charset="-128"/>
-              </a:rPr>
-              <a:t>Unsheared</a:t>
-            </a:r>
-            <a:r>
-              <a:rPr kumimoji="0" lang="en-US" sz="4400" b="0" i="0" u="none" strike="noStrike" kern="1200" cap="none" spc="0" normalizeH="0" baseline="0" noProof="0" dirty="0">
-                <a:ln>
-                  <a:noFill/>
-                </a:ln>
-                <a:solidFill>
-                  <a:srgbClr val="FF0000"/>
-                </a:solidFill>
-                <a:effectLst/>
-                <a:uLnTx/>
-                <a:uFillTx/>
-                <a:latin typeface="Calibri"/>
-                <a:ea typeface="ＭＳ Ｐゴシック" pitchFamily="-84" charset="-128"/>
-                <a:cs typeface="ＭＳ Ｐゴシック" pitchFamily="-84" charset="-128"/>
-              </a:rPr>
-              <a:t> </a:t>
-            </a:r>
-            <a:r>
-              <a:rPr kumimoji="0" lang="en-US" sz="4400" b="0" i="0" u="none" strike="noStrike" kern="1200" cap="none" spc="0" normalizeH="0" baseline="0" noProof="0" dirty="0">
-                <a:ln>
-                  <a:noFill/>
-                </a:ln>
-                <a:solidFill>
-                  <a:prstClr val="black"/>
-                </a:solidFill>
-                <a:effectLst/>
-                <a:uLnTx/>
-                <a:uFillTx/>
-                <a:latin typeface="Calibri"/>
-                <a:ea typeface="ＭＳ Ｐゴシック" pitchFamily="-84" charset="-128"/>
-                <a:cs typeface="ＭＳ Ｐゴシック" pitchFamily="-84" charset="-128"/>
-              </a:rPr>
-              <a:t>advection of </a:t>
-            </a:r>
-            <a:r>
-              <a:rPr kumimoji="0" lang="en-US" sz="4400" b="0" i="0" u="none" strike="noStrike" kern="1200" cap="none" spc="0" normalizeH="0" baseline="0" noProof="0" dirty="0" err="1">
-                <a:ln>
-                  <a:noFill/>
-                </a:ln>
-                <a:solidFill>
-                  <a:prstClr val="black"/>
-                </a:solidFill>
-                <a:effectLst/>
-                <a:uLnTx/>
-                <a:uFillTx/>
-                <a:latin typeface="Calibri"/>
-                <a:ea typeface="ＭＳ Ｐゴシック" pitchFamily="-84" charset="-128"/>
-                <a:cs typeface="ＭＳ Ｐゴシック" pitchFamily="-84" charset="-128"/>
-              </a:rPr>
-              <a:t>T</a:t>
-            </a:r>
-            <a:r>
-              <a:rPr kumimoji="0" lang="en-US" sz="4400" b="0" i="0" u="none" strike="noStrike" kern="1200" cap="none" spc="0" normalizeH="0" baseline="0" noProof="0" dirty="0">
-                <a:ln>
-                  <a:noFill/>
-                </a:ln>
-                <a:solidFill>
-                  <a:prstClr val="black"/>
-                </a:solidFill>
-                <a:effectLst/>
-                <a:uLnTx/>
-                <a:uFillTx/>
-                <a:latin typeface="Calibri"/>
-                <a:ea typeface="ＭＳ Ｐゴシック" pitchFamily="-84" charset="-128"/>
-                <a:cs typeface="ＭＳ Ｐゴシック" pitchFamily="-84" charset="-128"/>
-              </a:rPr>
-              <a:t>, </a:t>
-            </a:r>
-            <a:r>
-              <a:rPr kumimoji="0" lang="en-US" sz="4400" b="0" i="0" u="none" strike="noStrike" kern="1200" cap="none" spc="0" normalizeH="0" baseline="0" noProof="0" dirty="0" err="1">
-                <a:ln>
-                  <a:noFill/>
-                </a:ln>
-                <a:solidFill>
-                  <a:prstClr val="black"/>
-                </a:solidFill>
-                <a:effectLst/>
-                <a:uLnTx/>
-                <a:uFillTx/>
-                <a:latin typeface="Calibri"/>
-                <a:ea typeface="ＭＳ Ｐゴシック" pitchFamily="-84" charset="-128"/>
-                <a:cs typeface="ＭＳ Ｐゴシック" pitchFamily="-84" charset="-128"/>
-              </a:rPr>
-              <a:t>u</a:t>
-            </a:r>
-            <a:r>
-              <a:rPr kumimoji="0" lang="en-US" sz="4400" b="0" i="0" u="none" strike="noStrike" kern="1200" cap="none" spc="0" normalizeH="0" baseline="0" noProof="0" dirty="0">
-                <a:ln>
-                  <a:noFill/>
-                </a:ln>
-                <a:solidFill>
-                  <a:prstClr val="black"/>
-                </a:solidFill>
-                <a:effectLst/>
-                <a:uLnTx/>
-                <a:uFillTx/>
-                <a:latin typeface="Calibri"/>
-                <a:ea typeface="ＭＳ Ｐゴシック" pitchFamily="-84" charset="-128"/>
-                <a:cs typeface="ＭＳ Ｐゴシック" pitchFamily="-84" charset="-128"/>
-              </a:rPr>
-              <a:t>, </a:t>
-            </a:r>
-            <a:r>
-              <a:rPr kumimoji="0" lang="en-US" sz="4400" b="0" i="0" u="none" strike="noStrike" kern="1200" cap="none" spc="0" normalizeH="0" baseline="0" noProof="0" dirty="0" err="1">
-                <a:ln>
-                  <a:noFill/>
-                </a:ln>
-                <a:solidFill>
-                  <a:prstClr val="black"/>
-                </a:solidFill>
-                <a:effectLst/>
-                <a:uLnTx/>
-                <a:uFillTx/>
-                <a:latin typeface="Calibri"/>
-                <a:ea typeface="ＭＳ Ｐゴシック" pitchFamily="-84" charset="-128"/>
-                <a:cs typeface="ＭＳ Ｐゴシック" pitchFamily="-84" charset="-128"/>
-              </a:rPr>
-              <a:t>v</a:t>
-            </a:r>
-            <a:r>
-              <a:rPr kumimoji="0" lang="en-US" sz="4400" b="0" i="0" u="none" strike="noStrike" kern="1200" cap="none" spc="0" normalizeH="0" baseline="0" noProof="0" dirty="0">
-                <a:ln>
-                  <a:noFill/>
-                </a:ln>
-                <a:solidFill>
-                  <a:prstClr val="black"/>
-                </a:solidFill>
-                <a:effectLst/>
-                <a:uLnTx/>
-                <a:uFillTx/>
-                <a:latin typeface="Calibri"/>
-                <a:ea typeface="ＭＳ Ｐゴシック" pitchFamily="-84" charset="-128"/>
-                <a:cs typeface="ＭＳ Ｐゴシック" pitchFamily="-84" charset="-128"/>
-              </a:rPr>
-              <a:t>, </a:t>
-            </a:r>
-            <a:r>
-              <a:rPr kumimoji="0" lang="en-US" sz="4400" b="0" i="0" u="none" strike="noStrike" kern="1200" cap="none" spc="0" normalizeH="0" baseline="0" noProof="0" dirty="0" err="1">
-                <a:ln>
-                  <a:noFill/>
-                </a:ln>
-                <a:solidFill>
-                  <a:prstClr val="black"/>
-                </a:solidFill>
-                <a:effectLst/>
-                <a:uLnTx/>
-                <a:uFillTx/>
-                <a:latin typeface="Calibri"/>
-                <a:ea typeface="ＭＳ Ｐゴシック" pitchFamily="-84" charset="-128"/>
-                <a:cs typeface="ＭＳ Ｐゴシック" pitchFamily="-84" charset="-128"/>
-              </a:rPr>
-              <a:t>vort</a:t>
-            </a:r>
-            <a:r>
-              <a:rPr kumimoji="0" lang="en-US" sz="4400" b="0" i="0" u="none" strike="noStrike" kern="1200" cap="none" spc="0" normalizeH="0" baseline="0" noProof="0" dirty="0">
-                <a:ln>
-                  <a:noFill/>
-                </a:ln>
-                <a:solidFill>
-                  <a:prstClr val="black"/>
-                </a:solidFill>
-                <a:effectLst/>
-                <a:uLnTx/>
-                <a:uFillTx/>
-                <a:latin typeface="Calibri"/>
-                <a:ea typeface="ＭＳ Ｐゴシック" pitchFamily="-84" charset="-128"/>
-                <a:cs typeface="ＭＳ Ｐゴシック" pitchFamily="-84" charset="-128"/>
-              </a:rPr>
-              <a:t>, PV: </a:t>
-            </a:r>
-          </a:p>
-          <a:p>
-            <a:pPr marL="0" marR="0" lvl="0" indent="0" algn="ctr" defTabSz="457200" rtl="0" eaLnBrk="1" fontAlgn="auto" latinLnBrk="0" hangingPunct="1">
-              <a:lnSpc>
-                <a:spcPct val="100000"/>
-              </a:lnSpc>
-              <a:spcBef>
-                <a:spcPct val="0"/>
-              </a:spcBef>
-              <a:spcAft>
-                <a:spcPts val="0"/>
-              </a:spcAft>
-              <a:buClrTx/>
-              <a:buSzTx/>
-              <a:buFontTx/>
-              <a:buNone/>
-              <a:tabLst/>
-              <a:defRPr/>
-            </a:pPr>
-            <a:r>
-              <a:rPr kumimoji="0" lang="en-US" sz="4400" b="0" i="0" u="none" strike="noStrike" kern="1200" cap="none" spc="0" normalizeH="0" baseline="0" noProof="0" dirty="0">
-                <a:ln>
-                  <a:noFill/>
-                </a:ln>
-                <a:solidFill>
-                  <a:prstClr val="black"/>
-                </a:solidFill>
-                <a:effectLst/>
-                <a:uLnTx/>
-                <a:uFillTx/>
-                <a:latin typeface="Calibri"/>
-                <a:ea typeface="ＭＳ Ｐゴシック" pitchFamily="-84" charset="-128"/>
-                <a:cs typeface="ＭＳ Ｐゴシック" pitchFamily="-84" charset="-128"/>
-              </a:rPr>
-              <a:t>no breaking of balance</a:t>
-            </a:r>
-          </a:p>
-        </p:txBody>
-      </p:sp>
-    </p:spTree>
-    <p:extLst>
-      <p:ext uri="{BB962C8B-B14F-4D97-AF65-F5344CB8AC3E}">
-        <p14:creationId xmlns:p14="http://schemas.microsoft.com/office/powerpoint/2010/main" val="4190201513"/>
-      </p:ext>
-    </p:extLst>
-  </p:cSld>
-  <p:clrMapOvr>
-    <a:masterClrMapping/>
-  </p:clrMapOvr>
-  <p:timing>
-    <p:tnLst>
-      <p:par>
-        <p:cTn id="1" dur="indefinite" restart="never" nodeType="tmRoot">
-          <p:childTnLst>
-            <p:seq concurrent="1" nextAc="seek">
-              <p:cTn id="2" dur="indefinite" nodeType="mainSeq">
-                <p:childTnLst>
-                  <p:par>
-                    <p:cTn id="3" fill="hold">
-                      <p:stCondLst>
-                        <p:cond delay="indefinite"/>
-                      </p:stCondLst>
-                      <p:childTnLst>
-                        <p:par>
-                          <p:cTn id="4" fill="hold">
-                            <p:stCondLst>
-                              <p:cond delay="0"/>
-                            </p:stCondLst>
-                            <p:childTnLst>
-                              <p:par>
-                                <p:cTn id="5" presetID="1" presetClass="entr" presetSubtype="0" fill="hold" nodeType="clickEffect">
-                                  <p:stCondLst>
-                                    <p:cond delay="0"/>
-                                  </p:stCondLst>
-                                  <p:childTnLst>
-                                    <p:set>
-                                      <p:cBhvr>
-                                        <p:cTn id="6" dur="1" fill="hold">
-                                          <p:stCondLst>
-                                            <p:cond delay="0"/>
-                                          </p:stCondLst>
-                                        </p:cTn>
-                                        <p:tgtEl>
-                                          <p:spTgt spid="14"/>
-                                        </p:tgtEl>
-                                        <p:attrNameLst>
-                                          <p:attrName>style.visibility</p:attrName>
-                                        </p:attrNameLst>
-                                      </p:cBhvr>
-                                      <p:to>
-                                        <p:strVal val="visible"/>
-                                      </p:to>
-                                    </p:set>
-                                  </p:childTnLst>
-                                </p:cTn>
-                              </p:par>
-                            </p:childTnLst>
-                          </p:cTn>
-                        </p:par>
-                      </p:childTnLst>
-                    </p:cTn>
-                  </p:par>
-                  <p:par>
-                    <p:cTn id="7" fill="hold">
-                      <p:stCondLst>
-                        <p:cond delay="indefinite"/>
-                      </p:stCondLst>
-                      <p:childTnLst>
-                        <p:par>
-                          <p:cTn id="8" fill="hold">
-                            <p:stCondLst>
-                              <p:cond delay="0"/>
-                            </p:stCondLst>
-                            <p:childTnLst>
-                              <p:par>
-                                <p:cTn id="9" presetID="1" presetClass="entr" presetSubtype="0" fill="hold" nodeType="clickEffect">
-                                  <p:stCondLst>
-                                    <p:cond delay="0"/>
-                                  </p:stCondLst>
-                                  <p:childTnLst>
-                                    <p:set>
-                                      <p:cBhvr>
-                                        <p:cTn id="10" dur="1" fill="hold">
-                                          <p:stCondLst>
-                                            <p:cond delay="0"/>
-                                          </p:stCondLst>
-                                        </p:cTn>
-                                        <p:tgtEl>
-                                          <p:spTgt spid="15"/>
-                                        </p:tgtEl>
-                                        <p:attrNameLst>
-                                          <p:attrName>style.visibility</p:attrName>
-                                        </p:attrNameLst>
-                                      </p:cBhvr>
-                                      <p:to>
-                                        <p:strVal val="visible"/>
-                                      </p:to>
-                                    </p:set>
-                                  </p:childTnLst>
-                                </p:cTn>
-                              </p:par>
-                            </p:childTnLst>
-                          </p:cTn>
-                        </p:par>
-                      </p:childTnLst>
-                    </p:cTn>
-                  </p:par>
-                  <p:par>
-                    <p:cTn id="11" fill="hold">
-                      <p:stCondLst>
-                        <p:cond delay="indefinite"/>
-                      </p:stCondLst>
-                      <p:childTnLst>
-                        <p:par>
-                          <p:cTn id="12" fill="hold">
-                            <p:stCondLst>
-                              <p:cond delay="0"/>
-                            </p:stCondLst>
-                            <p:childTnLst>
-                              <p:par>
-                                <p:cTn id="13" presetID="1" presetClass="entr" presetSubtype="0" fill="hold" nodeType="clickEffect">
-                                  <p:stCondLst>
-                                    <p:cond delay="0"/>
-                                  </p:stCondLst>
-                                  <p:childTnLst>
-                                    <p:set>
-                                      <p:cBhvr>
-                                        <p:cTn id="14" dur="1" fill="hold">
-                                          <p:stCondLst>
-                                            <p:cond delay="0"/>
-                                          </p:stCondLst>
-                                        </p:cTn>
-                                        <p:tgtEl>
-                                          <p:spTgt spid="16"/>
-                                        </p:tgtEl>
-                                        <p:attrNameLst>
-                                          <p:attrName>style.visibility</p:attrName>
-                                        </p:attrNameLst>
-                                      </p:cBhvr>
-                                      <p:to>
-                                        <p:strVal val="visible"/>
-                                      </p:to>
-                                    </p:set>
-                                  </p:childTnLst>
-                                </p:cTn>
-                              </p:par>
-                            </p:childTnLst>
-                          </p:cTn>
-                        </p:par>
-                      </p:childTnLst>
-                    </p:cTn>
-                  </p:par>
-                </p:childTnLst>
-              </p:cTn>
-              <p:prevCondLst>
-                <p:cond evt="onPrev" delay="0">
-                  <p:tgtEl>
-                    <p:sldTgt/>
-                  </p:tgtEl>
-                </p:cond>
-              </p:prevCondLst>
-              <p:nextCondLst>
-                <p:cond evt="onNext" delay="0">
-                  <p:tgtEl>
-                    <p:sldTgt/>
-                  </p:tgtEl>
-                </p:cond>
-              </p:nextCondLst>
-            </p:seq>
-          </p:childTnLst>
-        </p:cTn>
-      </p:par>
-    </p:tnLst>
-  </p:timing>
-</p:sld>
-</file>
-
 <file path=ppt/slides/slide4.xml><?xml version="1.0" encoding="utf-8"?>
 <p:sld xmlns:a="http://schemas.openxmlformats.org/drawingml/2006/main" xmlns:r="http://schemas.openxmlformats.org/officeDocument/2006/relationships" xmlns:p="http://schemas.openxmlformats.org/presentationml/2006/main">
   <p:cSld>
@@ -27523,7 +27523,7 @@
           <p:nvPr/>
         </p:nvPicPr>
         <mc:AlternateContent xmlns:mc="http://schemas.openxmlformats.org/markup-compatibility/2006">
-          <mc:Choice xmlns="" xmlns:mv="urn:schemas-microsoft-com:mac:vml" xmlns:ma="http://schemas.microsoft.com/office/mac/drawingml/2008/main" Requires="ma">
+          <mc:Choice xmlns:ma="http://schemas.microsoft.com/office/mac/drawingml/2008/main" xmlns:mv="urn:schemas-microsoft-com:mac:vml" xmlns="" Requires="ma">
             <p:blipFill>
               <a:blip r:embed="rId2"/>
               <a:stretch>
@@ -27689,7 +27689,7 @@
           <p:nvPr/>
         </p:nvPicPr>
         <mc:AlternateContent xmlns:mc="http://schemas.openxmlformats.org/markup-compatibility/2006">
-          <mc:Choice xmlns="" xmlns:mv="urn:schemas-microsoft-com:mac:vml" xmlns:ma="http://schemas.microsoft.com/office/mac/drawingml/2008/main" Requires="ma">
+          <mc:Choice xmlns:ma="http://schemas.microsoft.com/office/mac/drawingml/2008/main" xmlns:mv="urn:schemas-microsoft-com:mac:vml" xmlns="" Requires="ma">
             <p:blipFill>
               <a:blip r:embed="rId2"/>
               <a:stretch>

--- a/Unit2-WHch7/PV_budget_heatingrates_spinupconcept.pptx
+++ b/Unit2-WHch7/PV_budget_heatingrates_spinupconcept.pptx
@@ -7,48 +7,53 @@
     <p:sldMasterId id="2147483662" r:id="rId3"/>
   </p:sldMasterIdLst>
   <p:notesMasterIdLst>
-    <p:notesMasterId r:id="rId43"/>
+    <p:notesMasterId r:id="rId48"/>
   </p:notesMasterIdLst>
   <p:sldIdLst>
     <p:sldId id="256" r:id="rId4"/>
     <p:sldId id="311" r:id="rId5"/>
     <p:sldId id="325" r:id="rId6"/>
-    <p:sldId id="265" r:id="rId7"/>
-    <p:sldId id="291" r:id="rId8"/>
-    <p:sldId id="312" r:id="rId9"/>
-    <p:sldId id="313" r:id="rId10"/>
-    <p:sldId id="314" r:id="rId11"/>
-    <p:sldId id="315" r:id="rId12"/>
-    <p:sldId id="316" r:id="rId13"/>
-    <p:sldId id="317" r:id="rId14"/>
-    <p:sldId id="318" r:id="rId15"/>
-    <p:sldId id="322" r:id="rId16"/>
-    <p:sldId id="320" r:id="rId17"/>
-    <p:sldId id="324" r:id="rId18"/>
-    <p:sldId id="319" r:id="rId19"/>
-    <p:sldId id="323" r:id="rId20"/>
-    <p:sldId id="321" r:id="rId21"/>
-    <p:sldId id="292" r:id="rId22"/>
-    <p:sldId id="293" r:id="rId23"/>
-    <p:sldId id="294" r:id="rId24"/>
-    <p:sldId id="295" r:id="rId25"/>
-    <p:sldId id="296" r:id="rId26"/>
-    <p:sldId id="302" r:id="rId27"/>
-    <p:sldId id="303" r:id="rId28"/>
-    <p:sldId id="297" r:id="rId29"/>
-    <p:sldId id="298" r:id="rId30"/>
-    <p:sldId id="299" r:id="rId31"/>
-    <p:sldId id="300" r:id="rId32"/>
-    <p:sldId id="301" r:id="rId33"/>
-    <p:sldId id="266" r:id="rId34"/>
-    <p:sldId id="326" r:id="rId35"/>
-    <p:sldId id="310" r:id="rId36"/>
-    <p:sldId id="304" r:id="rId37"/>
-    <p:sldId id="305" r:id="rId38"/>
-    <p:sldId id="306" r:id="rId39"/>
-    <p:sldId id="307" r:id="rId40"/>
-    <p:sldId id="308" r:id="rId41"/>
-    <p:sldId id="309" r:id="rId42"/>
+    <p:sldId id="314" r:id="rId7"/>
+    <p:sldId id="315" r:id="rId8"/>
+    <p:sldId id="327" r:id="rId9"/>
+    <p:sldId id="316" r:id="rId10"/>
+    <p:sldId id="317" r:id="rId11"/>
+    <p:sldId id="318" r:id="rId12"/>
+    <p:sldId id="332" r:id="rId13"/>
+    <p:sldId id="322" r:id="rId14"/>
+    <p:sldId id="320" r:id="rId15"/>
+    <p:sldId id="324" r:id="rId16"/>
+    <p:sldId id="319" r:id="rId17"/>
+    <p:sldId id="323" r:id="rId18"/>
+    <p:sldId id="333" r:id="rId19"/>
+    <p:sldId id="328" r:id="rId20"/>
+    <p:sldId id="329" r:id="rId21"/>
+    <p:sldId id="330" r:id="rId22"/>
+    <p:sldId id="331" r:id="rId23"/>
+    <p:sldId id="321" r:id="rId24"/>
+    <p:sldId id="334" r:id="rId25"/>
+    <p:sldId id="335" r:id="rId26"/>
+    <p:sldId id="292" r:id="rId27"/>
+    <p:sldId id="293" r:id="rId28"/>
+    <p:sldId id="294" r:id="rId29"/>
+    <p:sldId id="295" r:id="rId30"/>
+    <p:sldId id="296" r:id="rId31"/>
+    <p:sldId id="302" r:id="rId32"/>
+    <p:sldId id="303" r:id="rId33"/>
+    <p:sldId id="297" r:id="rId34"/>
+    <p:sldId id="298" r:id="rId35"/>
+    <p:sldId id="299" r:id="rId36"/>
+    <p:sldId id="300" r:id="rId37"/>
+    <p:sldId id="301" r:id="rId38"/>
+    <p:sldId id="266" r:id="rId39"/>
+    <p:sldId id="326" r:id="rId40"/>
+    <p:sldId id="310" r:id="rId41"/>
+    <p:sldId id="304" r:id="rId42"/>
+    <p:sldId id="305" r:id="rId43"/>
+    <p:sldId id="306" r:id="rId44"/>
+    <p:sldId id="307" r:id="rId45"/>
+    <p:sldId id="308" r:id="rId46"/>
+    <p:sldId id="309" r:id="rId47"/>
   </p:sldIdLst>
   <p:sldSz cx="9144000" cy="6858000" type="screen4x3"/>
   <p:notesSz cx="6858000" cy="9144000"/>
@@ -249,7 +254,7 @@
             <a:fld id="{303A25DF-298F-2F48-9812-E0BE0E8CF350}" type="datetimeFigureOut">
               <a:rPr lang="en-US"/>
               <a:pPr/>
-              <a:t>10/9/19</a:t>
+              <a:t>10/10/19</a:t>
             </a:fld>
             <a:endParaRPr lang="en-US"/>
           </a:p>
@@ -597,7 +602,7 @@
                 <a:tabLst/>
                 <a:defRPr/>
               </a:pPr>
-              <a:t>19</a:t>
+              <a:t>24</a:t>
             </a:fld>
             <a:endParaRPr kumimoji="0" lang="en-US" sz="1200" b="0" i="0" u="none" strike="noStrike" kern="1200" cap="none" spc="0" normalizeH="0" baseline="0" noProof="0">
               <a:ln>
@@ -768,7 +773,7 @@
                 <a:latin typeface="Tahoma" pitchFamily="-84" charset="0"/>
               </a:rPr>
               <a:pPr/>
-              <a:t>28</a:t>
+              <a:t>33</a:t>
             </a:fld>
             <a:endParaRPr lang="en-US">
               <a:solidFill>
@@ -870,7 +875,7 @@
                 <a:latin typeface="Tahoma" pitchFamily="-84" charset="0"/>
               </a:rPr>
               <a:pPr/>
-              <a:t>29</a:t>
+              <a:t>34</a:t>
             </a:fld>
             <a:endParaRPr lang="en-US">
               <a:solidFill>
@@ -972,7 +977,7 @@
                 <a:latin typeface="Tahoma" pitchFamily="-84" charset="0"/>
               </a:rPr>
               <a:pPr/>
-              <a:t>30</a:t>
+              <a:t>35</a:t>
             </a:fld>
             <a:endParaRPr lang="en-US">
               <a:solidFill>
@@ -1074,7 +1079,7 @@
                 <a:latin typeface="Tahoma" pitchFamily="-84" charset="0"/>
               </a:rPr>
               <a:pPr/>
-              <a:t>20</a:t>
+              <a:t>25</a:t>
             </a:fld>
             <a:endParaRPr lang="en-US">
               <a:solidFill>
@@ -1176,7 +1181,7 @@
                 <a:latin typeface="Tahoma" pitchFamily="-84" charset="0"/>
               </a:rPr>
               <a:pPr/>
-              <a:t>21</a:t>
+              <a:t>26</a:t>
             </a:fld>
             <a:endParaRPr lang="en-US">
               <a:solidFill>
@@ -1278,7 +1283,7 @@
                 <a:latin typeface="Tahoma" pitchFamily="-84" charset="0"/>
               </a:rPr>
               <a:pPr/>
-              <a:t>22</a:t>
+              <a:t>27</a:t>
             </a:fld>
             <a:endParaRPr lang="en-US">
               <a:solidFill>
@@ -1380,7 +1385,7 @@
                 <a:latin typeface="Tahoma" pitchFamily="-84" charset="0"/>
               </a:rPr>
               <a:pPr/>
-              <a:t>23</a:t>
+              <a:t>28</a:t>
             </a:fld>
             <a:endParaRPr lang="en-US">
               <a:solidFill>
@@ -1481,7 +1486,7 @@
                 </a:solidFill>
               </a:rPr>
               <a:pPr/>
-              <a:t>24</a:t>
+              <a:t>29</a:t>
             </a:fld>
             <a:endParaRPr lang="en-US">
               <a:solidFill>
@@ -1755,7 +1760,7 @@
                 </a:solidFill>
               </a:rPr>
               <a:pPr/>
-              <a:t>25</a:t>
+              <a:t>30</a:t>
             </a:fld>
             <a:endParaRPr lang="en-US">
               <a:solidFill>
@@ -2030,7 +2035,7 @@
                 <a:latin typeface="Tahoma" pitchFamily="-84" charset="0"/>
               </a:rPr>
               <a:pPr/>
-              <a:t>26</a:t>
+              <a:t>31</a:t>
             </a:fld>
             <a:endParaRPr lang="en-US">
               <a:solidFill>
@@ -2132,7 +2137,7 @@
                 <a:latin typeface="Tahoma" pitchFamily="-84" charset="0"/>
               </a:rPr>
               <a:pPr/>
-              <a:t>27</a:t>
+              <a:t>32</a:t>
             </a:fld>
             <a:endParaRPr lang="en-US">
               <a:solidFill>
@@ -2372,7 +2377,7 @@
             <a:fld id="{00150193-55E4-421C-9F92-3304CC3C3F97}" type="datetimeFigureOut">
               <a:rPr lang="en-US" smtClean="0"/>
               <a:pPr/>
-              <a:t>10/9/19</a:t>
+              <a:t>10/10/19</a:t>
             </a:fld>
             <a:endParaRPr lang="en-US"/>
           </a:p>
@@ -2542,7 +2547,7 @@
             <a:fld id="{00150193-55E4-421C-9F92-3304CC3C3F97}" type="datetimeFigureOut">
               <a:rPr lang="en-US" smtClean="0"/>
               <a:pPr/>
-              <a:t>10/9/19</a:t>
+              <a:t>10/10/19</a:t>
             </a:fld>
             <a:endParaRPr lang="en-US"/>
           </a:p>
@@ -2722,7 +2727,7 @@
             <a:fld id="{00150193-55E4-421C-9F92-3304CC3C3F97}" type="datetimeFigureOut">
               <a:rPr lang="en-US" smtClean="0"/>
               <a:pPr/>
-              <a:t>10/9/19</a:t>
+              <a:t>10/10/19</a:t>
             </a:fld>
             <a:endParaRPr lang="en-US"/>
           </a:p>
@@ -3039,7 +3044,7 @@
               <a:pPr>
                 <a:defRPr/>
               </a:pPr>
-              <a:t>10/9/19</a:t>
+              <a:t>10/10/19</a:t>
             </a:fld>
             <a:endParaRPr lang="en-US">
               <a:solidFill>
@@ -3249,7 +3254,7 @@
             <a:fld id="{00150193-55E4-421C-9F92-3304CC3C3F97}" type="datetimeFigureOut">
               <a:rPr lang="en-US" smtClean="0"/>
               <a:pPr/>
-              <a:t>10/9/19</a:t>
+              <a:t>10/10/19</a:t>
             </a:fld>
             <a:endParaRPr lang="en-US"/>
           </a:p>
@@ -3496,7 +3501,7 @@
             <a:fld id="{00150193-55E4-421C-9F92-3304CC3C3F97}" type="datetimeFigureOut">
               <a:rPr lang="en-US" smtClean="0"/>
               <a:pPr/>
-              <a:t>10/9/19</a:t>
+              <a:t>10/10/19</a:t>
             </a:fld>
             <a:endParaRPr lang="en-US"/>
           </a:p>
@@ -3783,7 +3788,7 @@
             <a:fld id="{00150193-55E4-421C-9F92-3304CC3C3F97}" type="datetimeFigureOut">
               <a:rPr lang="en-US" smtClean="0"/>
               <a:pPr/>
-              <a:t>10/9/19</a:t>
+              <a:t>10/10/19</a:t>
             </a:fld>
             <a:endParaRPr lang="en-US"/>
           </a:p>
@@ -4204,7 +4209,7 @@
             <a:fld id="{00150193-55E4-421C-9F92-3304CC3C3F97}" type="datetimeFigureOut">
               <a:rPr lang="en-US" smtClean="0"/>
               <a:pPr/>
-              <a:t>10/9/19</a:t>
+              <a:t>10/10/19</a:t>
             </a:fld>
             <a:endParaRPr lang="en-US"/>
           </a:p>
@@ -4323,7 +4328,7 @@
             <a:fld id="{00150193-55E4-421C-9F92-3304CC3C3F97}" type="datetimeFigureOut">
               <a:rPr lang="en-US" smtClean="0"/>
               <a:pPr/>
-              <a:t>10/9/19</a:t>
+              <a:t>10/10/19</a:t>
             </a:fld>
             <a:endParaRPr lang="en-US"/>
           </a:p>
@@ -4420,7 +4425,7 @@
             <a:fld id="{00150193-55E4-421C-9F92-3304CC3C3F97}" type="datetimeFigureOut">
               <a:rPr lang="en-US" smtClean="0"/>
               <a:pPr/>
-              <a:t>10/9/19</a:t>
+              <a:t>10/10/19</a:t>
             </a:fld>
             <a:endParaRPr lang="en-US"/>
           </a:p>
@@ -4697,7 +4702,7 @@
             <a:fld id="{00150193-55E4-421C-9F92-3304CC3C3F97}" type="datetimeFigureOut">
               <a:rPr lang="en-US" smtClean="0"/>
               <a:pPr/>
-              <a:t>10/9/19</a:t>
+              <a:t>10/10/19</a:t>
             </a:fld>
             <a:endParaRPr lang="en-US"/>
           </a:p>
@@ -4951,7 +4956,7 @@
             <a:fld id="{00150193-55E4-421C-9F92-3304CC3C3F97}" type="datetimeFigureOut">
               <a:rPr lang="en-US" smtClean="0"/>
               <a:pPr/>
-              <a:t>10/9/19</a:t>
+              <a:t>10/10/19</a:t>
             </a:fld>
             <a:endParaRPr lang="en-US"/>
           </a:p>
@@ -5164,7 +5169,7 @@
             <a:fld id="{00150193-55E4-421C-9F92-3304CC3C3F97}" type="datetimeFigureOut">
               <a:rPr lang="en-US" smtClean="0"/>
               <a:pPr/>
-              <a:t>10/9/19</a:t>
+              <a:t>10/10/19</a:t>
             </a:fld>
             <a:endParaRPr lang="en-US"/>
           </a:p>
@@ -6443,7 +6448,7 @@
               <a:pPr defTabSz="457200">
                 <a:defRPr/>
               </a:pPr>
-              <a:t>10/9/19</a:t>
+              <a:t>10/10/19</a:t>
             </a:fld>
             <a:endParaRPr lang="en-US">
               <a:solidFill>
@@ -7114,99 +7119,10 @@
       </p:grpSpPr>
       <p:sp>
         <p:nvSpPr>
-          <p:cNvPr id="3" name="Content Placeholder 2">
+          <p:cNvPr id="2" name="Title 1">
             <a:extLst>
               <a:ext uri="{FF2B5EF4-FFF2-40B4-BE49-F238E27FC236}">
-                <a16:creationId xmlns:a16="http://schemas.microsoft.com/office/drawing/2014/main" id="{3F944A68-8FCF-E14C-97F2-BB1E8B863D2F}"/>
-              </a:ext>
-            </a:extLst>
-          </p:cNvPr>
-          <p:cNvSpPr>
-            <a:spLocks noGrp="1"/>
-          </p:cNvSpPr>
-          <p:nvPr>
-            <p:ph idx="1"/>
-          </p:nvPr>
-        </p:nvSpPr>
-        <p:spPr/>
-        <p:txBody>
-          <a:bodyPr/>
-          <a:lstStyle/>
-          <a:p>
-            <a:pPr marL="514350" indent="-514350">
-              <a:buFont typeface="+mj-lt"/>
-              <a:buAutoNum type="arabicPeriod"/>
-            </a:pPr>
-            <a:r>
-              <a:rPr lang="en-US" dirty="0"/>
-              <a:t>What time of year is it? How can you see that fact in the </a:t>
-            </a:r>
-            <a:r>
-              <a:rPr lang="en-US" dirty="0">
-                <a:solidFill>
-                  <a:srgbClr val="FF0000"/>
-                </a:solidFill>
-              </a:rPr>
-              <a:t>all-physics (diabatic) column-integrated heating rate </a:t>
-            </a:r>
-            <a:r>
-              <a:rPr lang="en-US" dirty="0"/>
-              <a:t>map </a:t>
-            </a:r>
-            <a:r>
-              <a:rPr lang="en-US" dirty="0" err="1"/>
-              <a:t>dthdt_phy</a:t>
-            </a:r>
-            <a:r>
-              <a:rPr lang="en-US" dirty="0"/>
-              <a:t>?</a:t>
-            </a:r>
-          </a:p>
-          <a:p>
-            <a:pPr marL="514350" indent="-514350">
-              <a:buFont typeface="+mj-lt"/>
-              <a:buAutoNum type="arabicPeriod"/>
-            </a:pPr>
-            <a:endParaRPr lang="en-US" dirty="0"/>
-          </a:p>
-          <a:p>
-            <a:pPr marL="514350" indent="-514350">
-              <a:buFont typeface="+mj-lt"/>
-              <a:buAutoNum type="arabicPeriod"/>
-            </a:pPr>
-            <a:endParaRPr lang="en-US" dirty="0"/>
-          </a:p>
-          <a:p>
-            <a:pPr marL="514350" indent="-514350">
-              <a:buFont typeface="+mj-lt"/>
-              <a:buAutoNum type="arabicPeriod"/>
-            </a:pPr>
-            <a:endParaRPr lang="en-US" dirty="0"/>
-          </a:p>
-          <a:p>
-            <a:pPr marL="514350" indent="-514350">
-              <a:buFont typeface="+mj-lt"/>
-              <a:buAutoNum type="arabicPeriod"/>
-            </a:pPr>
-            <a:endParaRPr lang="en-US" dirty="0"/>
-          </a:p>
-          <a:p>
-            <a:endParaRPr lang="en-US" dirty="0"/>
-          </a:p>
-          <a:p>
-            <a:endParaRPr lang="en-US" dirty="0"/>
-          </a:p>
-          <a:p>
-            <a:endParaRPr lang="en-US" dirty="0"/>
-          </a:p>
-        </p:txBody>
-      </p:sp>
-      <p:sp>
-        <p:nvSpPr>
-          <p:cNvPr id="4" name="Title 1">
-            <a:extLst>
-              <a:ext uri="{FF2B5EF4-FFF2-40B4-BE49-F238E27FC236}">
-                <a16:creationId xmlns:a16="http://schemas.microsoft.com/office/drawing/2014/main" id="{030F3F80-5F93-7E48-B936-E3FB98C4ECFD}"/>
+                <a16:creationId xmlns:a16="http://schemas.microsoft.com/office/drawing/2014/main" id="{C21B801D-2D15-FF4D-A6A5-B34D0101C9FB}"/>
               </a:ext>
             </a:extLst>
           </p:cNvPr>
@@ -7230,43 +7146,72 @@
               </a:rPr>
               <a:t>Assignment part 1: global view </a:t>
             </a:r>
+            <a:endParaRPr lang="en-US" dirty="0"/>
           </a:p>
         </p:txBody>
       </p:sp>
-      <p:pic>
-        <p:nvPicPr>
-          <p:cNvPr id="5" name="Picture 4">
+      <p:sp>
+        <p:nvSpPr>
+          <p:cNvPr id="3" name="Content Placeholder 2">
             <a:extLst>
               <a:ext uri="{FF2B5EF4-FFF2-40B4-BE49-F238E27FC236}">
-                <a16:creationId xmlns:a16="http://schemas.microsoft.com/office/drawing/2014/main" id="{B00CDC2D-0164-0B49-B585-B3740CF4ED6A}"/>
+                <a16:creationId xmlns:a16="http://schemas.microsoft.com/office/drawing/2014/main" id="{8150F964-6D0B-2049-928A-EE889D5DFC60}"/>
               </a:ext>
             </a:extLst>
           </p:cNvPr>
-          <p:cNvPicPr>
-            <a:picLocks noChangeAspect="1"/>
-          </p:cNvPicPr>
-          <p:nvPr/>
-        </p:nvPicPr>
-        <p:blipFill>
-          <a:blip r:embed="rId2"/>
-          <a:stretch>
-            <a:fillRect/>
-          </a:stretch>
-        </p:blipFill>
-        <p:spPr>
-          <a:xfrm>
-            <a:off x="5867400" y="3276600"/>
-            <a:ext cx="2832100" cy="762000"/>
-          </a:xfrm>
-          <a:prstGeom prst="rect">
-            <a:avLst/>
-          </a:prstGeom>
-        </p:spPr>
-      </p:pic>
+          <p:cNvSpPr>
+            <a:spLocks noGrp="1"/>
+          </p:cNvSpPr>
+          <p:nvPr>
+            <p:ph idx="1"/>
+          </p:nvPr>
+        </p:nvSpPr>
+        <p:spPr/>
+        <p:txBody>
+          <a:bodyPr>
+            <a:normAutofit/>
+          </a:bodyPr>
+          <a:lstStyle/>
+          <a:p>
+            <a:r>
+              <a:rPr lang="en-US" dirty="0"/>
+              <a:t>Radiation and clouds: </a:t>
+            </a:r>
+          </a:p>
+          <a:p>
+            <a:pPr lvl="1"/>
+            <a:r>
+              <a:rPr lang="en-US" dirty="0"/>
+              <a:t>Toggle the cloud fraction display with the radiative heating rate displays. Can you see any features that clearly indicate how clouds affect radiation? </a:t>
+            </a:r>
+          </a:p>
+          <a:p>
+            <a:pPr lvl="2"/>
+            <a:r>
+              <a:rPr lang="en-US" dirty="0"/>
+              <a:t>clouds scatter solar photons, which are absorbed by vapor, especially at low levels. </a:t>
+            </a:r>
+          </a:p>
+          <a:p>
+            <a:pPr lvl="2"/>
+            <a:r>
+              <a:rPr lang="en-US" dirty="0"/>
+              <a:t>clouds cool by emitting longwave from their tops</a:t>
+            </a:r>
+          </a:p>
+          <a:p>
+            <a:pPr lvl="2"/>
+            <a:r>
+              <a:rPr lang="en-US" dirty="0"/>
+              <a:t>clouds absorb upwelling longwave from the surface at their bases (hard to see in the zonal mean, clearer in individual cross sections in Part 2)</a:t>
+            </a:r>
+          </a:p>
+        </p:txBody>
+      </p:sp>
     </p:spTree>
     <p:extLst>
       <p:ext uri="{BB962C8B-B14F-4D97-AF65-F5344CB8AC3E}">
-        <p14:creationId xmlns:p14="http://schemas.microsoft.com/office/powerpoint/2010/main" val="2982250278"/>
+        <p14:creationId xmlns:p14="http://schemas.microsoft.com/office/powerpoint/2010/main" val="4080719449"/>
       </p:ext>
     </p:extLst>
   </p:cSld>
@@ -7344,360 +7289,8 @@
         </p:nvSpPr>
         <p:spPr/>
         <p:txBody>
-          <a:bodyPr/>
-          <a:lstStyle/>
-          <a:p>
-            <a:r>
-              <a:rPr lang="en-US" dirty="0"/>
-              <a:t>Now turn to the Transect View window, showing average cross sections all around the Earth. </a:t>
-            </a:r>
-            <a:r>
-              <a:rPr lang="en-US" dirty="0">
-                <a:solidFill>
-                  <a:srgbClr val="FF0000"/>
-                </a:solidFill>
-              </a:rPr>
-              <a:t>Create a slide showing the transect of diabatic heating. Label it: where is the south pole, the north pole? </a:t>
-            </a:r>
-            <a:r>
-              <a:rPr lang="en-US" dirty="0"/>
-              <a:t>Hint: Antarctica is mountainous. The units of all heating rates are are K/s. </a:t>
-            </a:r>
-            <a:r>
-              <a:rPr lang="en-US" dirty="0">
-                <a:solidFill>
-                  <a:srgbClr val="FF0000"/>
-                </a:solidFill>
-              </a:rPr>
-              <a:t>What is the color range in K/day?</a:t>
-            </a:r>
-          </a:p>
-        </p:txBody>
-      </p:sp>
-    </p:spTree>
-    <p:extLst>
-      <p:ext uri="{BB962C8B-B14F-4D97-AF65-F5344CB8AC3E}">
-        <p14:creationId xmlns:p14="http://schemas.microsoft.com/office/powerpoint/2010/main" val="3124434654"/>
-      </p:ext>
-    </p:extLst>
-  </p:cSld>
-  <p:clrMapOvr>
-    <a:masterClrMapping/>
-  </p:clrMapOvr>
-</p:sld>
-</file>
-
-<file path=ppt/slides/slide12.xml><?xml version="1.0" encoding="utf-8"?>
-<p:sld xmlns:a="http://schemas.openxmlformats.org/drawingml/2006/main" xmlns:r="http://schemas.openxmlformats.org/officeDocument/2006/relationships" xmlns:p="http://schemas.openxmlformats.org/presentationml/2006/main">
-  <p:cSld>
-    <p:spTree>
-      <p:nvGrpSpPr>
-        <p:cNvPr id="1" name=""/>
-        <p:cNvGrpSpPr/>
-        <p:nvPr/>
-      </p:nvGrpSpPr>
-      <p:grpSpPr>
-        <a:xfrm>
-          <a:off x="0" y="0"/>
-          <a:ext cx="0" cy="0"/>
-          <a:chOff x="0" y="0"/>
-          <a:chExt cx="0" cy="0"/>
-        </a:xfrm>
-      </p:grpSpPr>
-      <p:sp>
-        <p:nvSpPr>
-          <p:cNvPr id="2" name="Title 1">
-            <a:extLst>
-              <a:ext uri="{FF2B5EF4-FFF2-40B4-BE49-F238E27FC236}">
-                <a16:creationId xmlns:a16="http://schemas.microsoft.com/office/drawing/2014/main" id="{C21B801D-2D15-FF4D-A6A5-B34D0101C9FB}"/>
-              </a:ext>
-            </a:extLst>
-          </p:cNvPr>
-          <p:cNvSpPr>
-            <a:spLocks noGrp="1"/>
-          </p:cNvSpPr>
-          <p:nvPr>
-            <p:ph type="title"/>
-          </p:nvPr>
-        </p:nvSpPr>
-        <p:spPr/>
-        <p:txBody>
-          <a:bodyPr/>
-          <a:lstStyle/>
-          <a:p>
-            <a:r>
-              <a:rPr lang="en-US" dirty="0">
-                <a:solidFill>
-                  <a:srgbClr val="FF0000"/>
-                </a:solidFill>
-              </a:rPr>
-              <a:t>Assignment part 1: global view </a:t>
-            </a:r>
-            <a:endParaRPr lang="en-US" dirty="0"/>
-          </a:p>
-        </p:txBody>
-      </p:sp>
-      <mc:AlternateContent xmlns:mc="http://schemas.openxmlformats.org/markup-compatibility/2006" xmlns:a14="http://schemas.microsoft.com/office/drawing/2010/main">
-        <mc:Choice Requires="a14">
-          <p:sp>
-            <p:nvSpPr>
-              <p:cNvPr id="3" name="Content Placeholder 2">
-                <a:extLst>
-                  <a:ext uri="{FF2B5EF4-FFF2-40B4-BE49-F238E27FC236}">
-                    <a16:creationId xmlns:a16="http://schemas.microsoft.com/office/drawing/2014/main" id="{8150F964-6D0B-2049-928A-EE889D5DFC60}"/>
-                  </a:ext>
-                </a:extLst>
-              </p:cNvPr>
-              <p:cNvSpPr>
-                <a:spLocks noGrp="1"/>
-              </p:cNvSpPr>
-              <p:nvPr>
-                <p:ph idx="1"/>
-              </p:nvPr>
-            </p:nvSpPr>
-            <p:spPr/>
-            <p:txBody>
-              <a:bodyPr>
-                <a:normAutofit fontScale="92500" lnSpcReduction="10000"/>
-              </a:bodyPr>
-              <a:lstStyle/>
-              <a:p>
-                <a:r>
-                  <a:rPr lang="en-US" dirty="0"/>
-                  <a:t>Create slides with transect images showing each of these terms of the zonal mean heat budget.</a:t>
-                </a:r>
-              </a:p>
-              <a:p>
-                <a:r>
-                  <a:rPr lang="en-US" dirty="0"/>
-                  <a:t>Use that imagery to explain the nature of all the main features in your total diabatic heating slide. </a:t>
-                </a:r>
-              </a:p>
-              <a:p>
-                <a:endParaRPr lang="en-US" dirty="0"/>
-              </a:p>
-              <a:p>
-                <a:r>
-                  <a:rPr lang="en-US" dirty="0"/>
-                  <a:t>These equations relate the terms displayed there: </a:t>
-                </a:r>
-              </a:p>
-              <a:p>
-                <a:pPr marL="457200" lvl="1" indent="0">
-                  <a:buNone/>
-                </a:pPr>
-                <a14:m>
-                  <m:oMath xmlns:m="http://schemas.openxmlformats.org/officeDocument/2006/math">
-                    <m:r>
-                      <a:rPr lang="en-US" i="1" smtClean="0">
-                        <a:latin typeface="Cambria Math" panose="02040503050406030204" pitchFamily="18" charset="0"/>
-                        <a:ea typeface="Cambria Math" panose="02040503050406030204" pitchFamily="18" charset="0"/>
-                      </a:rPr>
-                      <m:t>𝜕</m:t>
-                    </m:r>
-                    <m:r>
-                      <a:rPr lang="en-US" b="0" i="1" smtClean="0">
-                        <a:latin typeface="Cambria Math" panose="02040503050406030204" pitchFamily="18" charset="0"/>
-                        <a:ea typeface="Cambria Math" panose="02040503050406030204" pitchFamily="18" charset="0"/>
-                      </a:rPr>
-                      <m:t>𝑇</m:t>
-                    </m:r>
-                    <m:r>
-                      <a:rPr lang="en-US" b="0" i="1" smtClean="0">
-                        <a:latin typeface="Cambria Math" panose="02040503050406030204" pitchFamily="18" charset="0"/>
-                        <a:ea typeface="Cambria Math" panose="02040503050406030204" pitchFamily="18" charset="0"/>
-                      </a:rPr>
-                      <m:t>/</m:t>
-                    </m:r>
-                    <m:r>
-                      <a:rPr lang="en-US" b="0" i="1" smtClean="0">
-                        <a:latin typeface="Cambria Math" panose="02040503050406030204" pitchFamily="18" charset="0"/>
-                        <a:ea typeface="Cambria Math" panose="02040503050406030204" pitchFamily="18" charset="0"/>
-                      </a:rPr>
-                      <m:t>𝜕</m:t>
-                    </m:r>
-                    <m:r>
-                      <a:rPr lang="en-US" b="0" i="1" smtClean="0">
-                        <a:latin typeface="Cambria Math" panose="02040503050406030204" pitchFamily="18" charset="0"/>
-                        <a:ea typeface="Cambria Math" panose="02040503050406030204" pitchFamily="18" charset="0"/>
-                      </a:rPr>
-                      <m:t>𝑡</m:t>
-                    </m:r>
-                  </m:oMath>
-                </a14:m>
-                <a:r>
-                  <a:rPr lang="en-US" dirty="0"/>
-                  <a:t> = </a:t>
-                </a:r>
-                <a:r>
-                  <a:rPr lang="en-US" dirty="0">
-                    <a:solidFill>
-                      <a:srgbClr val="FF0000"/>
-                    </a:solidFill>
-                  </a:rPr>
-                  <a:t>dynamical + diabatic + analysis</a:t>
-                </a:r>
-              </a:p>
-              <a:p>
-                <a:pPr marL="457200" lvl="1" indent="0">
-                  <a:buNone/>
-                </a:pPr>
-                <a:r>
-                  <a:rPr lang="en-US" dirty="0"/>
-                  <a:t>diabatic = </a:t>
-                </a:r>
-                <a:r>
-                  <a:rPr lang="en-US" dirty="0">
-                    <a:solidFill>
-                      <a:srgbClr val="FF0000"/>
-                    </a:solidFill>
-                  </a:rPr>
-                  <a:t>moist + radiative + turbulence</a:t>
-                </a:r>
-              </a:p>
-              <a:p>
-                <a:pPr marL="457200" lvl="1" indent="0">
-                  <a:buNone/>
-                </a:pPr>
-                <a:r>
-                  <a:rPr lang="en-US" dirty="0"/>
-                  <a:t>radiative = </a:t>
-                </a:r>
-                <a:r>
-                  <a:rPr lang="en-US" dirty="0">
-                    <a:solidFill>
-                      <a:srgbClr val="FF0000"/>
-                    </a:solidFill>
-                  </a:rPr>
-                  <a:t>longwave + solar</a:t>
-                </a:r>
-              </a:p>
-            </p:txBody>
-          </p:sp>
-        </mc:Choice>
-        <mc:Fallback xmlns="">
-          <p:sp>
-            <p:nvSpPr>
-              <p:cNvPr id="3" name="Content Placeholder 2">
-                <a:extLst>
-                  <a:ext uri="{FF2B5EF4-FFF2-40B4-BE49-F238E27FC236}">
-                    <a16:creationId xmlns:a16="http://schemas.microsoft.com/office/drawing/2014/main" id="{8150F964-6D0B-2049-928A-EE889D5DFC60}"/>
-                  </a:ext>
-                </a:extLst>
-              </p:cNvPr>
-              <p:cNvSpPr>
-                <a:spLocks noGrp="1" noRot="1" noChangeAspect="1" noMove="1" noResize="1" noEditPoints="1" noAdjustHandles="1" noChangeArrowheads="1" noChangeShapeType="1" noTextEdit="1"/>
-              </p:cNvSpPr>
-              <p:nvPr>
-                <p:ph idx="1"/>
-              </p:nvPr>
-            </p:nvSpPr>
-            <p:spPr>
-              <a:blipFill>
-                <a:blip r:embed="rId2"/>
-                <a:stretch>
-                  <a:fillRect l="-1698" t="-2521" r="-2160"/>
-                </a:stretch>
-              </a:blipFill>
-            </p:spPr>
-            <p:txBody>
-              <a:bodyPr/>
-              <a:lstStyle/>
-              <a:p>
-                <a:r>
-                  <a:rPr lang="en-US">
-                    <a:noFill/>
-                  </a:rPr>
-                  <a:t> </a:t>
-                </a:r>
-              </a:p>
-            </p:txBody>
-          </p:sp>
-        </mc:Fallback>
-      </mc:AlternateContent>
-    </p:spTree>
-    <p:extLst>
-      <p:ext uri="{BB962C8B-B14F-4D97-AF65-F5344CB8AC3E}">
-        <p14:creationId xmlns:p14="http://schemas.microsoft.com/office/powerpoint/2010/main" val="3824602449"/>
-      </p:ext>
-    </p:extLst>
-  </p:cSld>
-  <p:clrMapOvr>
-    <a:masterClrMapping/>
-  </p:clrMapOvr>
-</p:sld>
-</file>
-
-<file path=ppt/slides/slide13.xml><?xml version="1.0" encoding="utf-8"?>
-<p:sld xmlns:a="http://schemas.openxmlformats.org/drawingml/2006/main" xmlns:r="http://schemas.openxmlformats.org/officeDocument/2006/relationships" xmlns:p="http://schemas.openxmlformats.org/presentationml/2006/main">
-  <p:cSld>
-    <p:spTree>
-      <p:nvGrpSpPr>
-        <p:cNvPr id="1" name=""/>
-        <p:cNvGrpSpPr/>
-        <p:nvPr/>
-      </p:nvGrpSpPr>
-      <p:grpSpPr>
-        <a:xfrm>
-          <a:off x="0" y="0"/>
-          <a:ext cx="0" cy="0"/>
-          <a:chOff x="0" y="0"/>
-          <a:chExt cx="0" cy="0"/>
-        </a:xfrm>
-      </p:grpSpPr>
-      <p:sp>
-        <p:nvSpPr>
-          <p:cNvPr id="2" name="Title 1">
-            <a:extLst>
-              <a:ext uri="{FF2B5EF4-FFF2-40B4-BE49-F238E27FC236}">
-                <a16:creationId xmlns:a16="http://schemas.microsoft.com/office/drawing/2014/main" id="{354F70AF-4250-514D-AE16-0AEE828D41E3}"/>
-              </a:ext>
-            </a:extLst>
-          </p:cNvPr>
-          <p:cNvSpPr>
-            <a:spLocks noGrp="1"/>
-          </p:cNvSpPr>
-          <p:nvPr>
-            <p:ph type="title"/>
-          </p:nvPr>
-        </p:nvSpPr>
-        <p:spPr/>
-        <p:txBody>
-          <a:bodyPr/>
-          <a:lstStyle/>
-          <a:p>
-            <a:r>
-              <a:rPr lang="en-US" dirty="0">
-                <a:solidFill>
-                  <a:srgbClr val="FF0000"/>
-                </a:solidFill>
-              </a:rPr>
-              <a:t>Assignment part 1: global view </a:t>
-            </a:r>
-            <a:endParaRPr lang="en-US" dirty="0"/>
-          </a:p>
-        </p:txBody>
-      </p:sp>
-      <p:sp>
-        <p:nvSpPr>
-          <p:cNvPr id="3" name="Content Placeholder 2">
-            <a:extLst>
-              <a:ext uri="{FF2B5EF4-FFF2-40B4-BE49-F238E27FC236}">
-                <a16:creationId xmlns:a16="http://schemas.microsoft.com/office/drawing/2014/main" id="{688D766A-D84B-7542-8C70-D0CA718A48E0}"/>
-              </a:ext>
-            </a:extLst>
-          </p:cNvPr>
-          <p:cNvSpPr>
-            <a:spLocks noGrp="1"/>
-          </p:cNvSpPr>
-          <p:nvPr>
-            <p:ph idx="1"/>
-          </p:nvPr>
-        </p:nvSpPr>
-        <p:spPr/>
-        <p:txBody>
           <a:bodyPr>
-            <a:normAutofit lnSpcReduction="10000"/>
+            <a:normAutofit fontScale="85000" lnSpcReduction="10000"/>
           </a:bodyPr>
           <a:lstStyle/>
           <a:p>
@@ -7733,15 +7326,7 @@
           <a:p>
             <a:r>
               <a:rPr lang="en-US" dirty="0"/>
-              <a:t>Does the </a:t>
-            </a:r>
-            <a:r>
-              <a:rPr lang="en-US" i="1" dirty="0"/>
-              <a:t>PV transect itself </a:t>
-            </a:r>
-            <a:r>
-              <a:rPr lang="en-US" dirty="0"/>
-              <a:t>resemble areas where your PV </a:t>
+              <a:t>Does the zonal mean PV transect resemble areas where your PV </a:t>
             </a:r>
             <a:r>
               <a:rPr lang="en-US" i="1" dirty="0"/>
@@ -7749,13 +7334,25 @@
             </a:r>
             <a:r>
               <a:rPr lang="en-US" dirty="0"/>
-              <a:t> is strong? </a:t>
+              <a:t> is strong? It’s not so simple: PV has a long lifetime in the stratosphere, so a large source is not required to explain a large value. </a:t>
             </a:r>
           </a:p>
           <a:p>
             <a:r>
               <a:rPr lang="en-US" dirty="0"/>
-              <a:t>Is PV mostly contained in the vorticity factor of its product, or the static stability factor? Show and label images to explain your answer.  </a:t>
+              <a:t>How does this zonal-mean PV show the imprint of both its vorticity factor and its static stability factor? </a:t>
+            </a:r>
+            <a:r>
+              <a:rPr lang="en-US" dirty="0">
+                <a:solidFill>
+                  <a:srgbClr val="FF0000"/>
+                </a:solidFill>
+              </a:rPr>
+              <a:t>Label an image to explain your answer.</a:t>
+            </a:r>
+            <a:r>
+              <a:rPr lang="en-US" dirty="0"/>
+              <a:t>  </a:t>
             </a:r>
             <a:endParaRPr lang="en-US" dirty="0">
               <a:solidFill>
@@ -7778,7 +7375,7 @@
 </p:sld>
 </file>
 
-<file path=ppt/slides/slide14.xml><?xml version="1.0" encoding="utf-8"?>
+<file path=ppt/slides/slide12.xml><?xml version="1.0" encoding="utf-8"?>
 <p:sld xmlns:a="http://schemas.openxmlformats.org/drawingml/2006/main" xmlns:r="http://schemas.openxmlformats.org/officeDocument/2006/relationships" xmlns:p="http://schemas.openxmlformats.org/presentationml/2006/main">
   <p:cSld>
     <p:spTree>
@@ -7822,7 +7419,7 @@
                   <a:srgbClr val="FF0000"/>
                 </a:solidFill>
               </a:rPr>
-              <a:t>Assignment part 2: Local view</a:t>
+              <a:t>Assignment part 2: Local sections</a:t>
             </a:r>
             <a:endParaRPr lang="en-US" dirty="0"/>
           </a:p>
@@ -7847,29 +7444,23 @@
         <p:spPr/>
         <p:txBody>
           <a:bodyPr>
-            <a:normAutofit lnSpcReduction="10000"/>
+            <a:normAutofit/>
           </a:bodyPr>
           <a:lstStyle/>
           <a:p>
             <a:r>
               <a:rPr lang="en-US" dirty="0"/>
-              <a:t>Now activate the </a:t>
+              <a:t>Now explore the </a:t>
             </a:r>
             <a:r>
               <a:rPr lang="en-US" i="1" dirty="0"/>
-              <a:t>cross section displays in the map view window. </a:t>
+              <a:t>cross section displays in the Map View window. </a:t>
             </a:r>
           </a:p>
           <a:p>
             <a:r>
               <a:rPr lang="en-US" dirty="0"/>
-              <a:t>These are like the cross sections you have examined before: you can drag them around to storms or other features </a:t>
-            </a:r>
-          </a:p>
-          <a:p>
-            <a:r>
-              <a:rPr lang="en-US" dirty="0"/>
-              <a:t>Drag them to north-south positions that slice through tropical and higher latitude weather features that interest you (as seen on the other displays). </a:t>
+              <a:t>You can drag the cross section around to storms or other features. Drag them to north-south positions that slice through tropical and higher latitude weather features that interest you (perhaps guided by other displays). </a:t>
             </a:r>
           </a:p>
         </p:txBody>
@@ -7887,7 +7478,7 @@
 </p:sld>
 </file>
 
-<file path=ppt/slides/slide15.xml><?xml version="1.0" encoding="utf-8"?>
+<file path=ppt/slides/slide13.xml><?xml version="1.0" encoding="utf-8"?>
 <p:sld xmlns:a="http://schemas.openxmlformats.org/drawingml/2006/main" xmlns:r="http://schemas.openxmlformats.org/officeDocument/2006/relationships" xmlns:p="http://schemas.openxmlformats.org/presentationml/2006/main">
   <p:cSld>
     <p:spTree>
@@ -7939,8 +7530,8 @@
           </a:p>
         </p:txBody>
       </p:sp>
-      <mc:AlternateContent xmlns:mc="http://schemas.openxmlformats.org/markup-compatibility/2006" xmlns:a14="http://schemas.microsoft.com/office/drawing/2010/main">
-        <mc:Choice Requires="a14">
+      <mc:AlternateContent xmlns:mc="http://schemas.openxmlformats.org/markup-compatibility/2006">
+        <mc:Choice xmlns:a14="http://schemas.microsoft.com/office/drawing/2010/main" Requires="a14">
           <p:sp>
             <p:nvSpPr>
               <p:cNvPr id="3" name="Content Placeholder 2">
@@ -7965,7 +7556,7 @@
             </p:spPr>
             <p:txBody>
               <a:bodyPr>
-                <a:normAutofit fontScale="92500" lnSpcReduction="20000"/>
+                <a:normAutofit fontScale="85000" lnSpcReduction="20000"/>
               </a:bodyPr>
               <a:lstStyle/>
               <a:p>
@@ -8108,7 +7699,7 @@
                 </a:r>
                 <a:r>
                   <a:rPr lang="en-US" dirty="0"/>
-                  <a:t>; a ”missing” tendency needed to make the  observed </a:t>
+                  <a:t>; a ”missing” tendency needed to make the  tendencies add up to the observed evolution </a:t>
                 </a:r>
                 <a14:m>
                   <m:oMath xmlns:m="http://schemas.openxmlformats.org/officeDocument/2006/math">
@@ -8165,7 +7756,7 @@
                 </a14:m>
                 <a:r>
                   <a:rPr lang="en-US" dirty="0"/>
-                  <a:t> reflecting the sum of all model errors)</a:t>
+                  <a:t> indicative of the sum of all model errors)</a:t>
                 </a:r>
               </a:p>
               <a:p>
@@ -8285,7 +7876,7 @@
             </p:txBody>
           </p:sp>
         </mc:Choice>
-        <mc:Fallback xmlns="">
+        <mc:Fallback>
           <p:sp>
             <p:nvSpPr>
               <p:cNvPr id="3" name="Content Placeholder 2">
@@ -8310,7 +7901,7 @@
               <a:blipFill>
                 <a:blip r:embed="rId2"/>
                 <a:stretch>
-                  <a:fillRect t="-2521" b="-3361"/>
+                  <a:fillRect t="-2241" r="-1716" b="-1961"/>
                 </a:stretch>
               </a:blipFill>
             </p:spPr>
@@ -8674,6 +8265,225 @@
 </p:sld>
 </file>
 
+<file path=ppt/slides/slide14.xml><?xml version="1.0" encoding="utf-8"?>
+<p:sld xmlns:a="http://schemas.openxmlformats.org/drawingml/2006/main" xmlns:r="http://schemas.openxmlformats.org/officeDocument/2006/relationships" xmlns:p="http://schemas.openxmlformats.org/presentationml/2006/main">
+  <p:cSld>
+    <p:spTree>
+      <p:nvGrpSpPr>
+        <p:cNvPr id="1" name=""/>
+        <p:cNvGrpSpPr/>
+        <p:nvPr/>
+      </p:nvGrpSpPr>
+      <p:grpSpPr>
+        <a:xfrm>
+          <a:off x="0" y="0"/>
+          <a:ext cx="0" cy="0"/>
+          <a:chOff x="0" y="0"/>
+          <a:chExt cx="0" cy="0"/>
+        </a:xfrm>
+      </p:grpSpPr>
+      <p:sp>
+        <p:nvSpPr>
+          <p:cNvPr id="2" name="Title 1">
+            <a:extLst>
+              <a:ext uri="{FF2B5EF4-FFF2-40B4-BE49-F238E27FC236}">
+                <a16:creationId xmlns:a16="http://schemas.microsoft.com/office/drawing/2014/main" id="{B5332218-4484-9945-9127-0ACCB652E034}"/>
+              </a:ext>
+            </a:extLst>
+          </p:cNvPr>
+          <p:cNvSpPr>
+            <a:spLocks noGrp="1"/>
+          </p:cNvSpPr>
+          <p:nvPr>
+            <p:ph type="title"/>
+          </p:nvPr>
+        </p:nvSpPr>
+        <p:spPr/>
+        <p:txBody>
+          <a:bodyPr/>
+          <a:lstStyle/>
+          <a:p>
+            <a:r>
+              <a:rPr lang="en-US" dirty="0">
+                <a:solidFill>
+                  <a:srgbClr val="FF0000"/>
+                </a:solidFill>
+              </a:rPr>
+              <a:t>Assignment part 2: Local view</a:t>
+            </a:r>
+            <a:endParaRPr lang="en-US" dirty="0"/>
+          </a:p>
+        </p:txBody>
+      </p:sp>
+      <p:sp>
+        <p:nvSpPr>
+          <p:cNvPr id="3" name="Content Placeholder 2">
+            <a:extLst>
+              <a:ext uri="{FF2B5EF4-FFF2-40B4-BE49-F238E27FC236}">
+                <a16:creationId xmlns:a16="http://schemas.microsoft.com/office/drawing/2014/main" id="{FC66B6E1-FA8E-6842-A5F2-41D4A748BDAB}"/>
+              </a:ext>
+            </a:extLst>
+          </p:cNvPr>
+          <p:cNvSpPr>
+            <a:spLocks noGrp="1"/>
+          </p:cNvSpPr>
+          <p:nvPr>
+            <p:ph idx="1"/>
+          </p:nvPr>
+        </p:nvSpPr>
+        <p:spPr/>
+        <p:txBody>
+          <a:bodyPr>
+            <a:normAutofit/>
+          </a:bodyPr>
+          <a:lstStyle/>
+          <a:p>
+            <a:r>
+              <a:rPr lang="en-US" dirty="0"/>
+              <a:t>Make comparison slides juxtaposing the zonal-mean transects and your local cross-sections, like in slide 6 above. </a:t>
+            </a:r>
+          </a:p>
+          <a:p>
+            <a:r>
+              <a:rPr lang="en-US" dirty="0"/>
+              <a:t>Toggle the various terms making up the total diabatic heating, in order to explain </a:t>
+            </a:r>
+          </a:p>
+          <a:p>
+            <a:pPr lvl="1"/>
+            <a:r>
+              <a:rPr lang="en-US" dirty="0">
+                <a:solidFill>
+                  <a:srgbClr val="FF0000"/>
+                </a:solidFill>
+              </a:rPr>
+              <a:t>Which is more variable (more spatially concentrated): radiative or moist heating? Illustrate your answer with images. </a:t>
+            </a:r>
+          </a:p>
+        </p:txBody>
+      </p:sp>
+    </p:spTree>
+    <p:extLst>
+      <p:ext uri="{BB962C8B-B14F-4D97-AF65-F5344CB8AC3E}">
+        <p14:creationId xmlns:p14="http://schemas.microsoft.com/office/powerpoint/2010/main" val="2644441129"/>
+      </p:ext>
+    </p:extLst>
+  </p:cSld>
+  <p:clrMapOvr>
+    <a:masterClrMapping/>
+  </p:clrMapOvr>
+</p:sld>
+</file>
+
+<file path=ppt/slides/slide15.xml><?xml version="1.0" encoding="utf-8"?>
+<p:sld xmlns:a="http://schemas.openxmlformats.org/drawingml/2006/main" xmlns:r="http://schemas.openxmlformats.org/officeDocument/2006/relationships" xmlns:p="http://schemas.openxmlformats.org/presentationml/2006/main">
+  <p:cSld>
+    <p:spTree>
+      <p:nvGrpSpPr>
+        <p:cNvPr id="1" name=""/>
+        <p:cNvGrpSpPr/>
+        <p:nvPr/>
+      </p:nvGrpSpPr>
+      <p:grpSpPr>
+        <a:xfrm>
+          <a:off x="0" y="0"/>
+          <a:ext cx="0" cy="0"/>
+          <a:chOff x="0" y="0"/>
+          <a:chExt cx="0" cy="0"/>
+        </a:xfrm>
+      </p:grpSpPr>
+      <p:sp>
+        <p:nvSpPr>
+          <p:cNvPr id="2" name="Title 1">
+            <a:extLst>
+              <a:ext uri="{FF2B5EF4-FFF2-40B4-BE49-F238E27FC236}">
+                <a16:creationId xmlns:a16="http://schemas.microsoft.com/office/drawing/2014/main" id="{B5332218-4484-9945-9127-0ACCB652E034}"/>
+              </a:ext>
+            </a:extLst>
+          </p:cNvPr>
+          <p:cNvSpPr>
+            <a:spLocks noGrp="1"/>
+          </p:cNvSpPr>
+          <p:nvPr>
+            <p:ph type="title"/>
+          </p:nvPr>
+        </p:nvSpPr>
+        <p:spPr/>
+        <p:txBody>
+          <a:bodyPr/>
+          <a:lstStyle/>
+          <a:p>
+            <a:r>
+              <a:rPr lang="en-US" dirty="0">
+                <a:solidFill>
+                  <a:srgbClr val="FF0000"/>
+                </a:solidFill>
+              </a:rPr>
+              <a:t>Assignment part 2: Local view</a:t>
+            </a:r>
+            <a:endParaRPr lang="en-US" dirty="0"/>
+          </a:p>
+        </p:txBody>
+      </p:sp>
+      <p:sp>
+        <p:nvSpPr>
+          <p:cNvPr id="3" name="Content Placeholder 2">
+            <a:extLst>
+              <a:ext uri="{FF2B5EF4-FFF2-40B4-BE49-F238E27FC236}">
+                <a16:creationId xmlns:a16="http://schemas.microsoft.com/office/drawing/2014/main" id="{FC66B6E1-FA8E-6842-A5F2-41D4A748BDAB}"/>
+              </a:ext>
+            </a:extLst>
+          </p:cNvPr>
+          <p:cNvSpPr>
+            <a:spLocks noGrp="1"/>
+          </p:cNvSpPr>
+          <p:nvPr>
+            <p:ph idx="1"/>
+          </p:nvPr>
+        </p:nvSpPr>
+        <p:spPr/>
+        <p:txBody>
+          <a:bodyPr>
+            <a:normAutofit/>
+          </a:bodyPr>
+          <a:lstStyle/>
+          <a:p>
+            <a:r>
+              <a:rPr lang="en-US" dirty="0"/>
+              <a:t>Revisit cloud-radiative interactions</a:t>
+            </a:r>
+          </a:p>
+          <a:p>
+            <a:pPr lvl="1"/>
+            <a:r>
+              <a:rPr lang="en-US" dirty="0"/>
+              <a:t>LW radiation can be understood as water vapor cooling, cloud top cooling, and cloud base warming. Toggle the layers to find a good example, then </a:t>
+            </a:r>
+            <a:r>
+              <a:rPr lang="en-US" dirty="0">
+                <a:solidFill>
+                  <a:srgbClr val="FF0000"/>
+                </a:solidFill>
+              </a:rPr>
+              <a:t>juxtapose cloud fraction and radiative heating cross-section images to show an example of a place where cloud effects are dominant</a:t>
+            </a:r>
+            <a:endParaRPr lang="en-US" dirty="0"/>
+          </a:p>
+        </p:txBody>
+      </p:sp>
+    </p:spTree>
+    <p:extLst>
+      <p:ext uri="{BB962C8B-B14F-4D97-AF65-F5344CB8AC3E}">
+        <p14:creationId xmlns:p14="http://schemas.microsoft.com/office/powerpoint/2010/main" val="4112136160"/>
+      </p:ext>
+    </p:extLst>
+  </p:cSld>
+  <p:clrMapOvr>
+    <a:masterClrMapping/>
+  </p:clrMapOvr>
+</p:sld>
+</file>
+
 <file path=ppt/slides/slide16.xml><?xml version="1.0" encoding="utf-8"?>
 <p:sld xmlns:a="http://schemas.openxmlformats.org/drawingml/2006/main" xmlns:r="http://schemas.openxmlformats.org/officeDocument/2006/relationships" xmlns:p="http://schemas.openxmlformats.org/presentationml/2006/main">
   <p:cSld>
@@ -8749,7 +8559,7 @@
           <a:p>
             <a:r>
               <a:rPr lang="en-US" dirty="0"/>
-              <a:t>Make comparison figures between the global average transects and your local cross-sections, and address these questions:</a:t>
+              <a:t>Consider the PV source term motivating this exploration. </a:t>
             </a:r>
           </a:p>
           <a:p>
@@ -8760,8 +8570,16 @@
                   <a:srgbClr val="FF0000"/>
                 </a:solidFill>
               </a:rPr>
-              <a:t>Does the moist heating (condensation related processes) correspond to the high cloudiness you infer from the OLR display? </a:t>
-            </a:r>
+              <a:t>Where does the vertical gradient of heating imply large PV sources? Use arrows to annotate a couple positive and negative source regions. </a:t>
+            </a:r>
+          </a:p>
+          <a:p>
+            <a:pPr lvl="1"/>
+            <a:endParaRPr lang="en-US" dirty="0">
+              <a:solidFill>
+                <a:srgbClr val="FF0000"/>
+              </a:solidFill>
+            </a:endParaRPr>
           </a:p>
           <a:p>
             <a:pPr lvl="1"/>
@@ -8771,7 +8589,7 @@
                   <a:srgbClr val="FF0000"/>
                 </a:solidFill>
               </a:rPr>
-              <a:t>Does its vertical gradient imply large PV sources in any places relevant to storm-scale PV budgets? </a:t>
+              <a:t> Can you find a weather situation where this source term is a positive feedback on PV? </a:t>
             </a:r>
           </a:p>
           <a:p>
@@ -8782,7 +8600,7 @@
     </p:spTree>
     <p:extLst>
       <p:ext uri="{BB962C8B-B14F-4D97-AF65-F5344CB8AC3E}">
-        <p14:creationId xmlns:p14="http://schemas.microsoft.com/office/powerpoint/2010/main" val="2644441129"/>
+        <p14:creationId xmlns:p14="http://schemas.microsoft.com/office/powerpoint/2010/main" val="4005986700"/>
       </p:ext>
     </p:extLst>
   </p:cSld>
@@ -8814,7 +8632,412 @@
           <p:cNvPr id="2" name="Title 1">
             <a:extLst>
               <a:ext uri="{FF2B5EF4-FFF2-40B4-BE49-F238E27FC236}">
-                <a16:creationId xmlns:a16="http://schemas.microsoft.com/office/drawing/2014/main" id="{B5332218-4484-9945-9127-0ACCB652E034}"/>
+                <a16:creationId xmlns:a16="http://schemas.microsoft.com/office/drawing/2014/main" id="{76BB6C42-6FB3-C243-B2EB-00D8FCA96C99}"/>
+              </a:ext>
+            </a:extLst>
+          </p:cNvPr>
+          <p:cNvSpPr>
+            <a:spLocks noGrp="1"/>
+          </p:cNvSpPr>
+          <p:nvPr>
+            <p:ph type="title"/>
+          </p:nvPr>
+        </p:nvSpPr>
+        <p:spPr/>
+        <p:txBody>
+          <a:bodyPr>
+            <a:normAutofit fontScale="90000"/>
+          </a:bodyPr>
+          <a:lstStyle/>
+          <a:p>
+            <a:r>
+              <a:rPr lang="en-US" dirty="0"/>
+              <a:t>Create a new cross section of potential temperature contours</a:t>
+            </a:r>
+          </a:p>
+        </p:txBody>
+      </p:sp>
+      <p:pic>
+        <p:nvPicPr>
+          <p:cNvPr id="4" name="Content Placeholder 3">
+            <a:extLst>
+              <a:ext uri="{FF2B5EF4-FFF2-40B4-BE49-F238E27FC236}">
+                <a16:creationId xmlns:a16="http://schemas.microsoft.com/office/drawing/2014/main" id="{18E03134-F050-1847-89E9-EA642100A0B8}"/>
+              </a:ext>
+            </a:extLst>
+          </p:cNvPr>
+          <p:cNvPicPr>
+            <a:picLocks noGrp="1" noChangeAspect="1"/>
+          </p:cNvPicPr>
+          <p:nvPr>
+            <p:ph idx="1"/>
+          </p:nvPr>
+        </p:nvPicPr>
+        <p:blipFill rotWithShape="1">
+          <a:blip r:embed="rId2"/>
+          <a:srcRect b="24817"/>
+          <a:stretch/>
+        </p:blipFill>
+        <p:spPr>
+          <a:xfrm>
+            <a:off x="-46451" y="1524000"/>
+            <a:ext cx="9190451" cy="2701636"/>
+          </a:xfrm>
+          <a:prstGeom prst="rect">
+            <a:avLst/>
+          </a:prstGeom>
+        </p:spPr>
+      </p:pic>
+    </p:spTree>
+    <p:extLst>
+      <p:ext uri="{BB962C8B-B14F-4D97-AF65-F5344CB8AC3E}">
+        <p14:creationId xmlns:p14="http://schemas.microsoft.com/office/powerpoint/2010/main" val="594857842"/>
+      </p:ext>
+    </p:extLst>
+  </p:cSld>
+  <p:clrMapOvr>
+    <a:masterClrMapping/>
+  </p:clrMapOvr>
+</p:sld>
+</file>
+
+<file path=ppt/slides/slide18.xml><?xml version="1.0" encoding="utf-8"?>
+<p:sld xmlns:a="http://schemas.openxmlformats.org/drawingml/2006/main" xmlns:r="http://schemas.openxmlformats.org/officeDocument/2006/relationships" xmlns:p="http://schemas.openxmlformats.org/presentationml/2006/main">
+  <p:cSld>
+    <p:spTree>
+      <p:nvGrpSpPr>
+        <p:cNvPr id="1" name=""/>
+        <p:cNvGrpSpPr/>
+        <p:nvPr/>
+      </p:nvGrpSpPr>
+      <p:grpSpPr>
+        <a:xfrm>
+          <a:off x="0" y="0"/>
+          <a:ext cx="0" cy="0"/>
+          <a:chOff x="0" y="0"/>
+          <a:chExt cx="0" cy="0"/>
+        </a:xfrm>
+      </p:grpSpPr>
+      <p:sp>
+        <p:nvSpPr>
+          <p:cNvPr id="2" name="Title 1">
+            <a:extLst>
+              <a:ext uri="{FF2B5EF4-FFF2-40B4-BE49-F238E27FC236}">
+                <a16:creationId xmlns:a16="http://schemas.microsoft.com/office/drawing/2014/main" id="{76BB6C42-6FB3-C243-B2EB-00D8FCA96C99}"/>
+              </a:ext>
+            </a:extLst>
+          </p:cNvPr>
+          <p:cNvSpPr>
+            <a:spLocks noGrp="1"/>
+          </p:cNvSpPr>
+          <p:nvPr>
+            <p:ph type="title"/>
+          </p:nvPr>
+        </p:nvSpPr>
+        <p:spPr/>
+        <p:txBody>
+          <a:bodyPr>
+            <a:normAutofit fontScale="90000"/>
+          </a:bodyPr>
+          <a:lstStyle/>
+          <a:p>
+            <a:r>
+              <a:rPr lang="en-US" dirty="0"/>
+              <a:t>Create a new cross section of potential temperature contours</a:t>
+            </a:r>
+          </a:p>
+        </p:txBody>
+      </p:sp>
+      <p:pic>
+        <p:nvPicPr>
+          <p:cNvPr id="6" name="Picture 5">
+            <a:extLst>
+              <a:ext uri="{FF2B5EF4-FFF2-40B4-BE49-F238E27FC236}">
+                <a16:creationId xmlns:a16="http://schemas.microsoft.com/office/drawing/2014/main" id="{8336DD9A-69F7-B340-848D-61B9B29B8EF5}"/>
+              </a:ext>
+            </a:extLst>
+          </p:cNvPr>
+          <p:cNvPicPr>
+            <a:picLocks noChangeAspect="1"/>
+          </p:cNvPicPr>
+          <p:nvPr/>
+        </p:nvPicPr>
+        <p:blipFill>
+          <a:blip r:embed="rId2"/>
+          <a:stretch>
+            <a:fillRect/>
+          </a:stretch>
+        </p:blipFill>
+        <p:spPr>
+          <a:xfrm>
+            <a:off x="4800600" y="2133600"/>
+            <a:ext cx="2374900" cy="990600"/>
+          </a:xfrm>
+          <a:prstGeom prst="rect">
+            <a:avLst/>
+          </a:prstGeom>
+        </p:spPr>
+      </p:pic>
+      <p:sp>
+        <p:nvSpPr>
+          <p:cNvPr id="8" name="Content Placeholder 7">
+            <a:extLst>
+              <a:ext uri="{FF2B5EF4-FFF2-40B4-BE49-F238E27FC236}">
+                <a16:creationId xmlns:a16="http://schemas.microsoft.com/office/drawing/2014/main" id="{D07BB86B-C4B5-ED41-92C2-B51AC851E40B}"/>
+              </a:ext>
+            </a:extLst>
+          </p:cNvPr>
+          <p:cNvSpPr>
+            <a:spLocks noGrp="1"/>
+          </p:cNvSpPr>
+          <p:nvPr>
+            <p:ph idx="1"/>
+          </p:nvPr>
+        </p:nvSpPr>
+        <p:spPr>
+          <a:xfrm>
+            <a:off x="457200" y="1600200"/>
+            <a:ext cx="8229600" cy="4525963"/>
+          </a:xfrm>
+        </p:spPr>
+        <p:txBody>
+          <a:bodyPr/>
+          <a:lstStyle/>
+          <a:p>
+            <a:r>
+              <a:rPr lang="en-US" dirty="0"/>
+              <a:t>Now click its Legend entry to pop up its Display Controls. </a:t>
+            </a:r>
+          </a:p>
+          <a:p>
+            <a:endParaRPr lang="en-US" dirty="0"/>
+          </a:p>
+          <a:p>
+            <a:r>
+              <a:rPr lang="en-US" dirty="0"/>
+              <a:t>Change the contour interval to 5K. Change the Color to Black. Change their label size to 20. </a:t>
+            </a:r>
+          </a:p>
+          <a:p>
+            <a:endParaRPr lang="en-US" dirty="0"/>
+          </a:p>
+          <a:p>
+            <a:endParaRPr lang="en-US" dirty="0"/>
+          </a:p>
+        </p:txBody>
+      </p:sp>
+      <p:pic>
+        <p:nvPicPr>
+          <p:cNvPr id="9" name="Picture 8">
+            <a:extLst>
+              <a:ext uri="{FF2B5EF4-FFF2-40B4-BE49-F238E27FC236}">
+                <a16:creationId xmlns:a16="http://schemas.microsoft.com/office/drawing/2014/main" id="{A7A290C6-C1C5-AC47-B88F-BB1BEC239CA9}"/>
+              </a:ext>
+            </a:extLst>
+          </p:cNvPr>
+          <p:cNvPicPr>
+            <a:picLocks noChangeAspect="1"/>
+          </p:cNvPicPr>
+          <p:nvPr/>
+        </p:nvPicPr>
+        <p:blipFill>
+          <a:blip r:embed="rId3"/>
+          <a:stretch>
+            <a:fillRect/>
+          </a:stretch>
+        </p:blipFill>
+        <p:spPr>
+          <a:xfrm>
+            <a:off x="1371600" y="4648200"/>
+            <a:ext cx="5853545" cy="1768357"/>
+          </a:xfrm>
+          <a:prstGeom prst="rect">
+            <a:avLst/>
+          </a:prstGeom>
+        </p:spPr>
+      </p:pic>
+    </p:spTree>
+    <p:extLst>
+      <p:ext uri="{BB962C8B-B14F-4D97-AF65-F5344CB8AC3E}">
+        <p14:creationId xmlns:p14="http://schemas.microsoft.com/office/powerpoint/2010/main" val="1922323950"/>
+      </p:ext>
+    </p:extLst>
+  </p:cSld>
+  <p:clrMapOvr>
+    <a:masterClrMapping/>
+  </p:clrMapOvr>
+</p:sld>
+</file>
+
+<file path=ppt/slides/slide19.xml><?xml version="1.0" encoding="utf-8"?>
+<p:sld xmlns:a="http://schemas.openxmlformats.org/drawingml/2006/main" xmlns:r="http://schemas.openxmlformats.org/officeDocument/2006/relationships" xmlns:p="http://schemas.openxmlformats.org/presentationml/2006/main">
+  <p:cSld>
+    <p:spTree>
+      <p:nvGrpSpPr>
+        <p:cNvPr id="1" name=""/>
+        <p:cNvGrpSpPr/>
+        <p:nvPr/>
+      </p:nvGrpSpPr>
+      <p:grpSpPr>
+        <a:xfrm>
+          <a:off x="0" y="0"/>
+          <a:ext cx="0" cy="0"/>
+          <a:chOff x="0" y="0"/>
+          <a:chExt cx="0" cy="0"/>
+        </a:xfrm>
+      </p:grpSpPr>
+      <p:sp>
+        <p:nvSpPr>
+          <p:cNvPr id="2" name="Title 1">
+            <a:extLst>
+              <a:ext uri="{FF2B5EF4-FFF2-40B4-BE49-F238E27FC236}">
+                <a16:creationId xmlns:a16="http://schemas.microsoft.com/office/drawing/2014/main" id="{76BB6C42-6FB3-C243-B2EB-00D8FCA96C99}"/>
+              </a:ext>
+            </a:extLst>
+          </p:cNvPr>
+          <p:cNvSpPr>
+            <a:spLocks noGrp="1"/>
+          </p:cNvSpPr>
+          <p:nvPr>
+            <p:ph type="title"/>
+          </p:nvPr>
+        </p:nvSpPr>
+        <p:spPr/>
+        <p:txBody>
+          <a:bodyPr>
+            <a:normAutofit fontScale="90000"/>
+          </a:bodyPr>
+          <a:lstStyle/>
+          <a:p>
+            <a:r>
+              <a:rPr lang="en-US" dirty="0"/>
+              <a:t>Create a new cross section of potential temperature contours</a:t>
+            </a:r>
+          </a:p>
+        </p:txBody>
+      </p:sp>
+      <p:sp>
+        <p:nvSpPr>
+          <p:cNvPr id="8" name="Content Placeholder 7">
+            <a:extLst>
+              <a:ext uri="{FF2B5EF4-FFF2-40B4-BE49-F238E27FC236}">
+                <a16:creationId xmlns:a16="http://schemas.microsoft.com/office/drawing/2014/main" id="{D07BB86B-C4B5-ED41-92C2-B51AC851E40B}"/>
+              </a:ext>
+            </a:extLst>
+          </p:cNvPr>
+          <p:cNvSpPr>
+            <a:spLocks noGrp="1"/>
+          </p:cNvSpPr>
+          <p:nvPr>
+            <p:ph idx="1"/>
+          </p:nvPr>
+        </p:nvSpPr>
+        <p:spPr>
+          <a:xfrm>
+            <a:off x="457200" y="1600200"/>
+            <a:ext cx="8229600" cy="5029200"/>
+          </a:xfrm>
+        </p:spPr>
+        <p:txBody>
+          <a:bodyPr>
+            <a:normAutofit/>
+          </a:bodyPr>
+          <a:lstStyle/>
+          <a:p>
+            <a:r>
+              <a:rPr lang="en-US" dirty="0"/>
+              <a:t>Again click the Legend entry to pop up the Display Controls. </a:t>
+            </a:r>
+          </a:p>
+          <a:p>
+            <a:r>
+              <a:rPr lang="en-US" dirty="0"/>
+              <a:t>Under the Edit menu, turn on Sharing</a:t>
+            </a:r>
+          </a:p>
+          <a:p>
+            <a:endParaRPr lang="en-US" dirty="0"/>
+          </a:p>
+          <a:p>
+            <a:endParaRPr lang="en-US" dirty="0"/>
+          </a:p>
+          <a:p>
+            <a:endParaRPr lang="en-US" dirty="0"/>
+          </a:p>
+          <a:p>
+            <a:r>
+              <a:rPr lang="en-US" dirty="0"/>
+              <a:t>Move the main north-south cross section slightly. This will make your new theta contour section snap into place with it.  </a:t>
+            </a:r>
+          </a:p>
+        </p:txBody>
+      </p:sp>
+      <p:pic>
+        <p:nvPicPr>
+          <p:cNvPr id="10" name="Picture 9">
+            <a:extLst>
+              <a:ext uri="{FF2B5EF4-FFF2-40B4-BE49-F238E27FC236}">
+                <a16:creationId xmlns:a16="http://schemas.microsoft.com/office/drawing/2014/main" id="{0885293D-753F-A147-949A-954F65A05B5D}"/>
+              </a:ext>
+            </a:extLst>
+          </p:cNvPr>
+          <p:cNvPicPr>
+            <a:picLocks noChangeAspect="1"/>
+          </p:cNvPicPr>
+          <p:nvPr/>
+        </p:nvPicPr>
+        <p:blipFill>
+          <a:blip r:embed="rId2"/>
+          <a:stretch>
+            <a:fillRect/>
+          </a:stretch>
+        </p:blipFill>
+        <p:spPr>
+          <a:xfrm>
+            <a:off x="3276600" y="3124200"/>
+            <a:ext cx="5207000" cy="1969437"/>
+          </a:xfrm>
+          <a:prstGeom prst="rect">
+            <a:avLst/>
+          </a:prstGeom>
+        </p:spPr>
+      </p:pic>
+    </p:spTree>
+    <p:extLst>
+      <p:ext uri="{BB962C8B-B14F-4D97-AF65-F5344CB8AC3E}">
+        <p14:creationId xmlns:p14="http://schemas.microsoft.com/office/powerpoint/2010/main" val="2230187821"/>
+      </p:ext>
+    </p:extLst>
+  </p:cSld>
+  <p:clrMapOvr>
+    <a:masterClrMapping/>
+  </p:clrMapOvr>
+</p:sld>
+</file>
+
+<file path=ppt/slides/slide2.xml><?xml version="1.0" encoding="utf-8"?>
+<p:sld xmlns:a="http://schemas.openxmlformats.org/drawingml/2006/main" xmlns:r="http://schemas.openxmlformats.org/officeDocument/2006/relationships" xmlns:p="http://schemas.openxmlformats.org/presentationml/2006/main">
+  <p:cSld>
+    <p:spTree>
+      <p:nvGrpSpPr>
+        <p:cNvPr id="1" name=""/>
+        <p:cNvGrpSpPr/>
+        <p:nvPr/>
+      </p:nvGrpSpPr>
+      <p:grpSpPr>
+        <a:xfrm>
+          <a:off x="0" y="0"/>
+          <a:ext cx="0" cy="0"/>
+          <a:chOff x="0" y="0"/>
+          <a:chExt cx="0" cy="0"/>
+        </a:xfrm>
+      </p:grpSpPr>
+      <p:sp>
+        <p:nvSpPr>
+          <p:cNvPr id="2" name="Title 1">
+            <a:extLst>
+              <a:ext uri="{FF2B5EF4-FFF2-40B4-BE49-F238E27FC236}">
+                <a16:creationId xmlns:a16="http://schemas.microsoft.com/office/drawing/2014/main" id="{0338273D-4A60-CF4E-9DED-DFE2A95EE42F}"/>
               </a:ext>
             </a:extLst>
           </p:cNvPr>
@@ -8831,14 +9054,9 @@
           <a:lstStyle/>
           <a:p>
             <a:r>
-              <a:rPr lang="en-US" dirty="0">
-                <a:solidFill>
-                  <a:srgbClr val="FF0000"/>
-                </a:solidFill>
-              </a:rPr>
-              <a:t>Assignment part 2: Local view</a:t>
-            </a:r>
-            <a:endParaRPr lang="en-US" dirty="0"/>
+              <a:rPr lang="en-US" dirty="0"/>
+              <a:t>Outline</a:t>
+            </a:r>
           </a:p>
         </p:txBody>
       </p:sp>
@@ -8847,7 +9065,7 @@
           <p:cNvPr id="3" name="Content Placeholder 2">
             <a:extLst>
               <a:ext uri="{FF2B5EF4-FFF2-40B4-BE49-F238E27FC236}">
-                <a16:creationId xmlns:a16="http://schemas.microsoft.com/office/drawing/2014/main" id="{FC66B6E1-FA8E-6842-A5F2-41D4A748BDAB}"/>
+                <a16:creationId xmlns:a16="http://schemas.microsoft.com/office/drawing/2014/main" id="{060D9BA6-DF7C-6847-8FB8-EB625EEED63B}"/>
               </a:ext>
             </a:extLst>
           </p:cNvPr>
@@ -8861,42 +9079,77 @@
         <p:spPr/>
         <p:txBody>
           <a:bodyPr>
-            <a:normAutofit lnSpcReduction="10000"/>
+            <a:normAutofit/>
           </a:bodyPr>
           <a:lstStyle/>
           <a:p>
             <a:r>
               <a:rPr lang="en-US" dirty="0"/>
-              <a:t>Make comparison figures between the global average transects and your local cross-sections</a:t>
+              <a:t>Read this brief review of our journey from not-at-all-conserved </a:t>
+            </a:r>
+            <a:r>
+              <a:rPr lang="en-US" i="1" dirty="0"/>
+              <a:t>momentum</a:t>
+            </a:r>
+            <a:r>
+              <a:rPr lang="en-US" dirty="0"/>
+              <a:t>, to </a:t>
+            </a:r>
+            <a:r>
+              <a:rPr lang="en-US" dirty="0" err="1"/>
+              <a:t>sorta</a:t>
+            </a:r>
+            <a:r>
+              <a:rPr lang="en-US" dirty="0"/>
+              <a:t>-conserved </a:t>
+            </a:r>
+            <a:r>
+              <a:rPr lang="en-US" i="1" dirty="0"/>
+              <a:t>relative</a:t>
+            </a:r>
+            <a:r>
+              <a:rPr lang="en-US" dirty="0"/>
+              <a:t> </a:t>
+            </a:r>
+            <a:r>
+              <a:rPr lang="en-US" i="1" dirty="0"/>
+              <a:t>vorticity</a:t>
+            </a:r>
+            <a:r>
+              <a:rPr lang="en-US" dirty="0"/>
+              <a:t>, to more- conserved </a:t>
+            </a:r>
+            <a:r>
+              <a:rPr lang="en-US" i="1" dirty="0"/>
+              <a:t>absolute</a:t>
+            </a:r>
+            <a:r>
+              <a:rPr lang="en-US" dirty="0"/>
+              <a:t> vorticity, to most-conserved </a:t>
+            </a:r>
+            <a:r>
+              <a:rPr lang="en-US" i="1" dirty="0"/>
+              <a:t>potential</a:t>
+            </a:r>
+            <a:r>
+              <a:rPr lang="en-US" dirty="0"/>
+              <a:t> vorticity.  </a:t>
             </a:r>
           </a:p>
           <a:p>
             <a:pPr lvl="1"/>
             <a:r>
-              <a:rPr lang="en-US" dirty="0"/>
-              <a:t>LW radiation can be understood as water vapor cooling, cloud top cooling, and cloud base warming. </a:t>
-            </a:r>
-            <a:r>
               <a:rPr lang="en-US" dirty="0">
-                <a:solidFill>
-                  <a:srgbClr val="FF0000"/>
-                </a:solidFill>
+                <a:hlinkClick r:id="rId2"/>
               </a:rPr>
-              <a:t>Use cloudiness and longwave cross-section images in tandem to show an example of a place where cloud effects are dominant </a:t>
-            </a:r>
-          </a:p>
-          <a:p>
-            <a:pPr lvl="1"/>
-            <a:r>
-              <a:rPr lang="en-US" dirty="0">
-                <a:solidFill>
-                  <a:srgbClr val="FF0000"/>
-                </a:solidFill>
-              </a:rPr>
-              <a:t>What do these strong vertical heating gradients imply as a PV source? </a:t>
-            </a:r>
-          </a:p>
-          <a:p>
+              <a:t>https://www.notion.so/miamimapes/Horizontal-vorticity-and-PV-as-explanations-for-cyclones-anticyclones-2e6d2c075dba44699dc822ca5748e2e8</a:t>
+            </a:r>
+            <a:endParaRPr lang="en-US" dirty="0"/>
+          </a:p>
+          <a:p>
+            <a:pPr marL="457200" lvl="1" indent="0">
+              <a:buNone/>
+            </a:pPr>
             <a:endParaRPr lang="en-US" dirty="0"/>
           </a:p>
         </p:txBody>
@@ -8904,7 +9157,7 @@
     </p:spTree>
     <p:extLst>
       <p:ext uri="{BB962C8B-B14F-4D97-AF65-F5344CB8AC3E}">
-        <p14:creationId xmlns:p14="http://schemas.microsoft.com/office/powerpoint/2010/main" val="4112136160"/>
+        <p14:creationId xmlns:p14="http://schemas.microsoft.com/office/powerpoint/2010/main" val="48768364"/>
       </p:ext>
     </p:extLst>
   </p:cSld>
@@ -8914,7 +9167,132 @@
 </p:sld>
 </file>
 
-<file path=ppt/slides/slide18.xml><?xml version="1.0" encoding="utf-8"?>
+<file path=ppt/slides/slide20.xml><?xml version="1.0" encoding="utf-8"?>
+<p:sld xmlns:a="http://schemas.openxmlformats.org/drawingml/2006/main" xmlns:r="http://schemas.openxmlformats.org/officeDocument/2006/relationships" xmlns:p="http://schemas.openxmlformats.org/presentationml/2006/main">
+  <p:cSld>
+    <p:spTree>
+      <p:nvGrpSpPr>
+        <p:cNvPr id="1" name=""/>
+        <p:cNvGrpSpPr/>
+        <p:nvPr/>
+      </p:nvGrpSpPr>
+      <p:grpSpPr>
+        <a:xfrm>
+          <a:off x="0" y="0"/>
+          <a:ext cx="0" cy="0"/>
+          <a:chOff x="0" y="0"/>
+          <a:chExt cx="0" cy="0"/>
+        </a:xfrm>
+      </p:grpSpPr>
+      <p:sp>
+        <p:nvSpPr>
+          <p:cNvPr id="2" name="Title 1">
+            <a:extLst>
+              <a:ext uri="{FF2B5EF4-FFF2-40B4-BE49-F238E27FC236}">
+                <a16:creationId xmlns:a16="http://schemas.microsoft.com/office/drawing/2014/main" id="{76BB6C42-6FB3-C243-B2EB-00D8FCA96C99}"/>
+              </a:ext>
+            </a:extLst>
+          </p:cNvPr>
+          <p:cNvSpPr>
+            <a:spLocks noGrp="1"/>
+          </p:cNvSpPr>
+          <p:nvPr>
+            <p:ph type="title"/>
+          </p:nvPr>
+        </p:nvSpPr>
+        <p:spPr/>
+        <p:txBody>
+          <a:bodyPr>
+            <a:normAutofit fontScale="90000"/>
+          </a:bodyPr>
+          <a:lstStyle/>
+          <a:p>
+            <a:r>
+              <a:rPr lang="en-US" dirty="0"/>
+              <a:t>Create a new cross section of potential temperature contours</a:t>
+            </a:r>
+          </a:p>
+        </p:txBody>
+      </p:sp>
+      <p:sp>
+        <p:nvSpPr>
+          <p:cNvPr id="8" name="Content Placeholder 7">
+            <a:extLst>
+              <a:ext uri="{FF2B5EF4-FFF2-40B4-BE49-F238E27FC236}">
+                <a16:creationId xmlns:a16="http://schemas.microsoft.com/office/drawing/2014/main" id="{D07BB86B-C4B5-ED41-92C2-B51AC851E40B}"/>
+              </a:ext>
+            </a:extLst>
+          </p:cNvPr>
+          <p:cNvSpPr>
+            <a:spLocks noGrp="1"/>
+          </p:cNvSpPr>
+          <p:nvPr>
+            <p:ph idx="1"/>
+          </p:nvPr>
+        </p:nvSpPr>
+        <p:spPr>
+          <a:xfrm>
+            <a:off x="457200" y="1600200"/>
+            <a:ext cx="8229600" cy="5029200"/>
+          </a:xfrm>
+        </p:spPr>
+        <p:txBody>
+          <a:bodyPr>
+            <a:normAutofit/>
+          </a:bodyPr>
+          <a:lstStyle/>
+          <a:p>
+            <a:r>
+              <a:rPr lang="en-US" dirty="0"/>
+              <a:t>You should see our familiar relation between theta surfaces and (most clearly) upper-level cool core cyclones:</a:t>
+            </a:r>
+          </a:p>
+        </p:txBody>
+      </p:sp>
+      <p:pic>
+        <p:nvPicPr>
+          <p:cNvPr id="4" name="Picture 3">
+            <a:extLst>
+              <a:ext uri="{FF2B5EF4-FFF2-40B4-BE49-F238E27FC236}">
+                <a16:creationId xmlns:a16="http://schemas.microsoft.com/office/drawing/2014/main" id="{23445ABF-198C-8142-8EC1-DE75E9BFC102}"/>
+              </a:ext>
+            </a:extLst>
+          </p:cNvPr>
+          <p:cNvPicPr>
+            <a:picLocks noChangeAspect="1"/>
+          </p:cNvPicPr>
+          <p:nvPr/>
+        </p:nvPicPr>
+        <p:blipFill>
+          <a:blip r:embed="rId2"/>
+          <a:stretch>
+            <a:fillRect/>
+          </a:stretch>
+        </p:blipFill>
+        <p:spPr>
+          <a:xfrm>
+            <a:off x="0" y="3505200"/>
+            <a:ext cx="9144000" cy="2530929"/>
+          </a:xfrm>
+          <a:prstGeom prst="rect">
+            <a:avLst/>
+          </a:prstGeom>
+        </p:spPr>
+      </p:pic>
+    </p:spTree>
+    <p:extLst>
+      <p:ext uri="{BB962C8B-B14F-4D97-AF65-F5344CB8AC3E}">
+        <p14:creationId xmlns:p14="http://schemas.microsoft.com/office/powerpoint/2010/main" val="3349721637"/>
+      </p:ext>
+    </p:extLst>
+  </p:cSld>
+  <p:clrMapOvr>
+    <a:masterClrMapping/>
+  </p:clrMapOvr>
+</p:sld>
+</file>
+
+<file path=ppt/slides/slide21.xml><?xml version="1.0" encoding="utf-8"?>
 <p:sld xmlns:a="http://schemas.openxmlformats.org/drawingml/2006/main" xmlns:r="http://schemas.openxmlformats.org/officeDocument/2006/relationships" xmlns:p="http://schemas.openxmlformats.org/presentationml/2006/main">
   <p:cSld>
     <p:spTree>
@@ -8949,10 +9327,15 @@
         </p:nvSpPr>
         <p:spPr/>
         <p:txBody>
-          <a:bodyPr/>
+          <a:bodyPr>
+            <a:normAutofit fontScale="90000"/>
+          </a:bodyPr>
           <a:lstStyle/>
           <a:p>
-            <a:endParaRPr lang="en-US"/>
+            <a:r>
+              <a:rPr lang="en-US" dirty="0"/>
+              <a:t>Warm and cool cores &amp; condensation heating</a:t>
+            </a:r>
           </a:p>
         </p:txBody>
       </p:sp>
@@ -8974,10 +9357,45 @@
         </p:nvSpPr>
         <p:spPr/>
         <p:txBody>
-          <a:bodyPr/>
+          <a:bodyPr>
+            <a:normAutofit/>
+          </a:bodyPr>
           <a:lstStyle/>
           <a:p>
-            <a:endParaRPr lang="en-US"/>
+            <a:r>
+              <a:rPr lang="en-US" dirty="0"/>
+              <a:t>Use the cross section with theta contours and the moist-processes heating rate (</a:t>
+            </a:r>
+            <a:r>
+              <a:rPr lang="en-US" dirty="0" err="1"/>
+              <a:t>dtdtmst</a:t>
+            </a:r>
+            <a:r>
+              <a:rPr lang="en-US" dirty="0"/>
+              <a:t>) to find an example</a:t>
+            </a:r>
+          </a:p>
+          <a:p>
+            <a:pPr lvl="1"/>
+            <a:r>
+              <a:rPr lang="en-US" dirty="0">
+                <a:solidFill>
+                  <a:srgbClr val="FF0000"/>
+                </a:solidFill>
+              </a:rPr>
+              <a:t>with the condensation heating in a warm core storm, like the one halfway to Ireland</a:t>
+            </a:r>
+          </a:p>
+          <a:p>
+            <a:pPr lvl="1"/>
+            <a:r>
+              <a:rPr lang="en-US" dirty="0">
+                <a:solidFill>
+                  <a:srgbClr val="FF0000"/>
+                </a:solidFill>
+              </a:rPr>
+              <a:t>how does the PV source term from latent heating feed back on such a warm core storm? </a:t>
+            </a:r>
           </a:p>
         </p:txBody>
       </p:sp>
@@ -8994,7 +9412,223 @@
 </p:sld>
 </file>
 
-<file path=ppt/slides/slide19.xml><?xml version="1.0" encoding="utf-8"?>
+<file path=ppt/slides/slide22.xml><?xml version="1.0" encoding="utf-8"?>
+<p:sld xmlns:a="http://schemas.openxmlformats.org/drawingml/2006/main" xmlns:r="http://schemas.openxmlformats.org/officeDocument/2006/relationships" xmlns:p="http://schemas.openxmlformats.org/presentationml/2006/main">
+  <p:cSld>
+    <p:spTree>
+      <p:nvGrpSpPr>
+        <p:cNvPr id="1" name=""/>
+        <p:cNvGrpSpPr/>
+        <p:nvPr/>
+      </p:nvGrpSpPr>
+      <p:grpSpPr>
+        <a:xfrm>
+          <a:off x="0" y="0"/>
+          <a:ext cx="0" cy="0"/>
+          <a:chOff x="0" y="0"/>
+          <a:chExt cx="0" cy="0"/>
+        </a:xfrm>
+      </p:grpSpPr>
+      <p:sp>
+        <p:nvSpPr>
+          <p:cNvPr id="2" name="Title 1">
+            <a:extLst>
+              <a:ext uri="{FF2B5EF4-FFF2-40B4-BE49-F238E27FC236}">
+                <a16:creationId xmlns:a16="http://schemas.microsoft.com/office/drawing/2014/main" id="{2EBE3DF2-663C-224B-8192-E57B30134C5C}"/>
+              </a:ext>
+            </a:extLst>
+          </p:cNvPr>
+          <p:cNvSpPr>
+            <a:spLocks noGrp="1"/>
+          </p:cNvSpPr>
+          <p:nvPr>
+            <p:ph type="title"/>
+          </p:nvPr>
+        </p:nvSpPr>
+        <p:spPr/>
+        <p:txBody>
+          <a:bodyPr>
+            <a:normAutofit fontScale="90000"/>
+          </a:bodyPr>
+          <a:lstStyle/>
+          <a:p>
+            <a:r>
+              <a:rPr lang="en-US" dirty="0"/>
+              <a:t>Warm and cool cores &amp; condensation heating</a:t>
+            </a:r>
+          </a:p>
+        </p:txBody>
+      </p:sp>
+      <p:sp>
+        <p:nvSpPr>
+          <p:cNvPr id="3" name="Content Placeholder 2">
+            <a:extLst>
+              <a:ext uri="{FF2B5EF4-FFF2-40B4-BE49-F238E27FC236}">
+                <a16:creationId xmlns:a16="http://schemas.microsoft.com/office/drawing/2014/main" id="{788C8B58-9F5F-944A-9300-6F2413887588}"/>
+              </a:ext>
+            </a:extLst>
+          </p:cNvPr>
+          <p:cNvSpPr>
+            <a:spLocks noGrp="1"/>
+          </p:cNvSpPr>
+          <p:nvPr>
+            <p:ph idx="1"/>
+          </p:nvPr>
+        </p:nvSpPr>
+        <p:spPr/>
+        <p:txBody>
+          <a:bodyPr>
+            <a:normAutofit/>
+          </a:bodyPr>
+          <a:lstStyle/>
+          <a:p>
+            <a:r>
+              <a:rPr lang="en-US" dirty="0"/>
+              <a:t>Use the cross section with theta contours and the moist-processes heating rate (</a:t>
+            </a:r>
+            <a:r>
+              <a:rPr lang="en-US" dirty="0" err="1"/>
+              <a:t>dtdtmst</a:t>
+            </a:r>
+            <a:r>
+              <a:rPr lang="en-US" dirty="0"/>
+              <a:t>) to find an example</a:t>
+            </a:r>
+          </a:p>
+          <a:p>
+            <a:pPr lvl="1"/>
+            <a:r>
+              <a:rPr lang="en-US" dirty="0">
+                <a:solidFill>
+                  <a:srgbClr val="FF0000"/>
+                </a:solidFill>
+              </a:rPr>
+              <a:t>where a cool core cyclone (lifted </a:t>
+            </a:r>
+            <a:r>
+              <a:rPr lang="en-US" dirty="0" err="1">
+                <a:solidFill>
+                  <a:srgbClr val="FF0000"/>
+                </a:solidFill>
+              </a:rPr>
+              <a:t>isentropes</a:t>
+            </a:r>
+            <a:r>
+              <a:rPr lang="en-US" dirty="0">
+                <a:solidFill>
+                  <a:srgbClr val="FF0000"/>
+                </a:solidFill>
+              </a:rPr>
+              <a:t>, cyclonic PV aloft; a tentacle of the polar vortex) may be gently lifting air to its condensation level, releasing some latent heating</a:t>
+            </a:r>
+          </a:p>
+          <a:p>
+            <a:pPr lvl="1"/>
+            <a:r>
+              <a:rPr lang="en-US" dirty="0">
+                <a:solidFill>
+                  <a:srgbClr val="FF0000"/>
+                </a:solidFill>
+              </a:rPr>
+              <a:t>how does the PV source term from latent heating feed back on such a cool core storm? </a:t>
+            </a:r>
+          </a:p>
+        </p:txBody>
+      </p:sp>
+    </p:spTree>
+    <p:extLst>
+      <p:ext uri="{BB962C8B-B14F-4D97-AF65-F5344CB8AC3E}">
+        <p14:creationId xmlns:p14="http://schemas.microsoft.com/office/powerpoint/2010/main" val="1249884693"/>
+      </p:ext>
+    </p:extLst>
+  </p:cSld>
+  <p:clrMapOvr>
+    <a:masterClrMapping/>
+  </p:clrMapOvr>
+</p:sld>
+</file>
+
+<file path=ppt/slides/slide23.xml><?xml version="1.0" encoding="utf-8"?>
+<p:sld xmlns:a="http://schemas.openxmlformats.org/drawingml/2006/main" xmlns:r="http://schemas.openxmlformats.org/officeDocument/2006/relationships" xmlns:p="http://schemas.openxmlformats.org/presentationml/2006/main">
+  <p:cSld>
+    <p:spTree>
+      <p:nvGrpSpPr>
+        <p:cNvPr id="1" name=""/>
+        <p:cNvGrpSpPr/>
+        <p:nvPr/>
+      </p:nvGrpSpPr>
+      <p:grpSpPr>
+        <a:xfrm>
+          <a:off x="0" y="0"/>
+          <a:ext cx="0" cy="0"/>
+          <a:chOff x="0" y="0"/>
+          <a:chExt cx="0" cy="0"/>
+        </a:xfrm>
+      </p:grpSpPr>
+      <p:sp>
+        <p:nvSpPr>
+          <p:cNvPr id="2" name="Title 1">
+            <a:extLst>
+              <a:ext uri="{FF2B5EF4-FFF2-40B4-BE49-F238E27FC236}">
+                <a16:creationId xmlns:a16="http://schemas.microsoft.com/office/drawing/2014/main" id="{C19EE7A6-D5CB-6A4B-BF37-7B5CE73BF6BF}"/>
+              </a:ext>
+            </a:extLst>
+          </p:cNvPr>
+          <p:cNvSpPr>
+            <a:spLocks noGrp="1"/>
+          </p:cNvSpPr>
+          <p:nvPr>
+            <p:ph type="title"/>
+          </p:nvPr>
+        </p:nvSpPr>
+        <p:spPr/>
+        <p:txBody>
+          <a:bodyPr/>
+          <a:lstStyle/>
+          <a:p>
+            <a:endParaRPr lang="en-US"/>
+          </a:p>
+        </p:txBody>
+      </p:sp>
+      <p:sp>
+        <p:nvSpPr>
+          <p:cNvPr id="3" name="Content Placeholder 2">
+            <a:extLst>
+              <a:ext uri="{FF2B5EF4-FFF2-40B4-BE49-F238E27FC236}">
+                <a16:creationId xmlns:a16="http://schemas.microsoft.com/office/drawing/2014/main" id="{4F04215F-5C25-6848-B2F0-541D233F7A9A}"/>
+              </a:ext>
+            </a:extLst>
+          </p:cNvPr>
+          <p:cNvSpPr>
+            <a:spLocks noGrp="1"/>
+          </p:cNvSpPr>
+          <p:nvPr>
+            <p:ph idx="1"/>
+          </p:nvPr>
+        </p:nvSpPr>
+        <p:spPr/>
+        <p:txBody>
+          <a:bodyPr/>
+          <a:lstStyle/>
+          <a:p>
+            <a:endParaRPr lang="en-US"/>
+          </a:p>
+        </p:txBody>
+      </p:sp>
+    </p:spTree>
+    <p:extLst>
+      <p:ext uri="{BB962C8B-B14F-4D97-AF65-F5344CB8AC3E}">
+        <p14:creationId xmlns:p14="http://schemas.microsoft.com/office/powerpoint/2010/main" val="1226459764"/>
+      </p:ext>
+    </p:extLst>
+  </p:cSld>
+  <p:clrMapOvr>
+    <a:masterClrMapping/>
+  </p:clrMapOvr>
+</p:sld>
+</file>
+
+<file path=ppt/slides/slide24.xml><?xml version="1.0" encoding="utf-8"?>
 <p:sld xmlns:a="http://schemas.openxmlformats.org/drawingml/2006/main" xmlns:r="http://schemas.openxmlformats.org/officeDocument/2006/relationships" xmlns:p="http://schemas.openxmlformats.org/presentationml/2006/main">
   <p:cSld>
     <p:spTree>
@@ -9733,115 +10367,7 @@
 </p:sld>
 </file>
 
-<file path=ppt/slides/slide2.xml><?xml version="1.0" encoding="utf-8"?>
-<p:sld xmlns:a="http://schemas.openxmlformats.org/drawingml/2006/main" xmlns:r="http://schemas.openxmlformats.org/officeDocument/2006/relationships" xmlns:p="http://schemas.openxmlformats.org/presentationml/2006/main">
-  <p:cSld>
-    <p:spTree>
-      <p:nvGrpSpPr>
-        <p:cNvPr id="1" name=""/>
-        <p:cNvGrpSpPr/>
-        <p:nvPr/>
-      </p:nvGrpSpPr>
-      <p:grpSpPr>
-        <a:xfrm>
-          <a:off x="0" y="0"/>
-          <a:ext cx="0" cy="0"/>
-          <a:chOff x="0" y="0"/>
-          <a:chExt cx="0" cy="0"/>
-        </a:xfrm>
-      </p:grpSpPr>
-      <p:sp>
-        <p:nvSpPr>
-          <p:cNvPr id="2" name="Title 1">
-            <a:extLst>
-              <a:ext uri="{FF2B5EF4-FFF2-40B4-BE49-F238E27FC236}">
-                <a16:creationId xmlns:a16="http://schemas.microsoft.com/office/drawing/2014/main" id="{0338273D-4A60-CF4E-9DED-DFE2A95EE42F}"/>
-              </a:ext>
-            </a:extLst>
-          </p:cNvPr>
-          <p:cNvSpPr>
-            <a:spLocks noGrp="1"/>
-          </p:cNvSpPr>
-          <p:nvPr>
-            <p:ph type="title"/>
-          </p:nvPr>
-        </p:nvSpPr>
-        <p:spPr/>
-        <p:txBody>
-          <a:bodyPr/>
-          <a:lstStyle/>
-          <a:p>
-            <a:r>
-              <a:rPr lang="en-US" dirty="0"/>
-              <a:t>Outline</a:t>
-            </a:r>
-          </a:p>
-        </p:txBody>
-      </p:sp>
-      <p:sp>
-        <p:nvSpPr>
-          <p:cNvPr id="3" name="Content Placeholder 2">
-            <a:extLst>
-              <a:ext uri="{FF2B5EF4-FFF2-40B4-BE49-F238E27FC236}">
-                <a16:creationId xmlns:a16="http://schemas.microsoft.com/office/drawing/2014/main" id="{060D9BA6-DF7C-6847-8FB8-EB625EEED63B}"/>
-              </a:ext>
-            </a:extLst>
-          </p:cNvPr>
-          <p:cNvSpPr>
-            <a:spLocks noGrp="1"/>
-          </p:cNvSpPr>
-          <p:nvPr>
-            <p:ph idx="1"/>
-          </p:nvPr>
-        </p:nvSpPr>
-        <p:spPr/>
-        <p:txBody>
-          <a:bodyPr>
-            <a:normAutofit lnSpcReduction="10000"/>
-          </a:bodyPr>
-          <a:lstStyle/>
-          <a:p>
-            <a:r>
-              <a:rPr lang="en-US" dirty="0"/>
-              <a:t>Brief review of conservation of PV concept </a:t>
-            </a:r>
-          </a:p>
-          <a:p>
-            <a:pPr lvl="1"/>
-            <a:r>
-              <a:rPr lang="en-US" dirty="0">
-                <a:hlinkClick r:id="rId2"/>
-              </a:rPr>
-              <a:t>https://www.notion.so/miamimapes/Horizontal-vorticity-and-PV-as-explanations-for-cyclones-anticyclones-2e6d2c075dba44699dc822ca5748e2e8</a:t>
-            </a:r>
-            <a:endParaRPr lang="en-US" dirty="0"/>
-          </a:p>
-          <a:p>
-            <a:pPr lvl="1"/>
-            <a:endParaRPr lang="en-US" dirty="0"/>
-          </a:p>
-          <a:p>
-            <a:r>
-              <a:rPr lang="en-US" dirty="0"/>
-              <a:t>Motivated by that, examine diabatic heating profiles with hungry eyes, and explain what you find. Practice telling an illustrated narrative well.</a:t>
-            </a:r>
-          </a:p>
-        </p:txBody>
-      </p:sp>
-    </p:spTree>
-    <p:extLst>
-      <p:ext uri="{BB962C8B-B14F-4D97-AF65-F5344CB8AC3E}">
-        <p14:creationId xmlns:p14="http://schemas.microsoft.com/office/powerpoint/2010/main" val="48768364"/>
-      </p:ext>
-    </p:extLst>
-  </p:cSld>
-  <p:clrMapOvr>
-    <a:masterClrMapping/>
-  </p:clrMapOvr>
-</p:sld>
-</file>
-
-<file path=ppt/slides/slide20.xml><?xml version="1.0" encoding="utf-8"?>
+<file path=ppt/slides/slide25.xml><?xml version="1.0" encoding="utf-8"?>
 <p:sld xmlns:a="http://schemas.openxmlformats.org/drawingml/2006/main" xmlns:r="http://schemas.openxmlformats.org/officeDocument/2006/relationships" xmlns:p="http://schemas.openxmlformats.org/presentationml/2006/main">
   <p:cSld>
     <p:spTree>
@@ -10562,7 +11088,7 @@
 </p:sld>
 </file>
 
-<file path=ppt/slides/slide21.xml><?xml version="1.0" encoding="utf-8"?>
+<file path=ppt/slides/slide26.xml><?xml version="1.0" encoding="utf-8"?>
 <p:sld xmlns:a="http://schemas.openxmlformats.org/drawingml/2006/main" xmlns:r="http://schemas.openxmlformats.org/officeDocument/2006/relationships" xmlns:p="http://schemas.openxmlformats.org/presentationml/2006/main">
   <p:cSld>
     <p:spTree>
@@ -11436,7 +11962,7 @@
 </p:sld>
 </file>
 
-<file path=ppt/slides/slide22.xml><?xml version="1.0" encoding="utf-8"?>
+<file path=ppt/slides/slide27.xml><?xml version="1.0" encoding="utf-8"?>
 <p:sld xmlns:a="http://schemas.openxmlformats.org/drawingml/2006/main" xmlns:r="http://schemas.openxmlformats.org/officeDocument/2006/relationships" xmlns:p="http://schemas.openxmlformats.org/presentationml/2006/main">
   <p:cSld>
     <p:spTree>
@@ -12184,7 +12710,7 @@
 </p:sld>
 </file>
 
-<file path=ppt/slides/slide23.xml><?xml version="1.0" encoding="utf-8"?>
+<file path=ppt/slides/slide28.xml><?xml version="1.0" encoding="utf-8"?>
 <p:sld xmlns:a="http://schemas.openxmlformats.org/drawingml/2006/main" xmlns:r="http://schemas.openxmlformats.org/officeDocument/2006/relationships" xmlns:p="http://schemas.openxmlformats.org/presentationml/2006/main">
   <p:cSld>
     <p:spTree>
@@ -13317,7 +13843,7 @@
 </p:sld>
 </file>
 
-<file path=ppt/slides/slide24.xml><?xml version="1.0" encoding="utf-8"?>
+<file path=ppt/slides/slide29.xml><?xml version="1.0" encoding="utf-8"?>
 <p:sld xmlns:a="http://schemas.openxmlformats.org/drawingml/2006/main" xmlns:r="http://schemas.openxmlformats.org/officeDocument/2006/relationships" xmlns:p="http://schemas.openxmlformats.org/presentationml/2006/main">
   <p:cSld>
     <p:spTree>
@@ -14560,7 +15086,212 @@
 </p:sld>
 </file>
 
-<file path=ppt/slides/slide25.xml><?xml version="1.0" encoding="utf-8"?>
+<file path=ppt/slides/slide3.xml><?xml version="1.0" encoding="utf-8"?>
+<p:sld xmlns:a="http://schemas.openxmlformats.org/drawingml/2006/main" xmlns:r="http://schemas.openxmlformats.org/officeDocument/2006/relationships" xmlns:p="http://schemas.openxmlformats.org/presentationml/2006/main">
+  <p:cSld>
+    <p:spTree>
+      <p:nvGrpSpPr>
+        <p:cNvPr id="1" name=""/>
+        <p:cNvGrpSpPr/>
+        <p:nvPr/>
+      </p:nvGrpSpPr>
+      <p:grpSpPr>
+        <a:xfrm>
+          <a:off x="0" y="0"/>
+          <a:ext cx="0" cy="0"/>
+          <a:chOff x="0" y="0"/>
+          <a:chExt cx="0" cy="0"/>
+        </a:xfrm>
+      </p:grpSpPr>
+      <p:sp>
+        <p:nvSpPr>
+          <p:cNvPr id="2" name="Title 1">
+            <a:extLst>
+              <a:ext uri="{FF2B5EF4-FFF2-40B4-BE49-F238E27FC236}">
+                <a16:creationId xmlns:a16="http://schemas.microsoft.com/office/drawing/2014/main" id="{CB29A834-01D0-1441-98E1-D59916484E3E}"/>
+              </a:ext>
+            </a:extLst>
+          </p:cNvPr>
+          <p:cNvSpPr>
+            <a:spLocks noGrp="1"/>
+          </p:cNvSpPr>
+          <p:nvPr>
+            <p:ph type="title"/>
+          </p:nvPr>
+        </p:nvSpPr>
+        <p:spPr/>
+        <p:txBody>
+          <a:bodyPr/>
+          <a:lstStyle/>
+          <a:p>
+            <a:r>
+              <a:rPr lang="en-US" dirty="0"/>
+              <a:t>Questions about it: write answers</a:t>
+            </a:r>
+          </a:p>
+        </p:txBody>
+      </p:sp>
+      <p:sp>
+        <p:nvSpPr>
+          <p:cNvPr id="3" name="Content Placeholder 2">
+            <a:extLst>
+              <a:ext uri="{FF2B5EF4-FFF2-40B4-BE49-F238E27FC236}">
+                <a16:creationId xmlns:a16="http://schemas.microsoft.com/office/drawing/2014/main" id="{6C33B407-7022-F64B-9CD3-3C0B57FEF809}"/>
+              </a:ext>
+            </a:extLst>
+          </p:cNvPr>
+          <p:cNvSpPr>
+            <a:spLocks noGrp="1"/>
+          </p:cNvSpPr>
+          <p:nvPr>
+            <p:ph idx="1"/>
+          </p:nvPr>
+        </p:nvSpPr>
+        <p:spPr/>
+        <p:txBody>
+          <a:bodyPr>
+            <a:normAutofit fontScale="62500" lnSpcReduction="20000"/>
+          </a:bodyPr>
+          <a:lstStyle/>
+          <a:p>
+            <a:r>
+              <a:rPr lang="en-US" dirty="0"/>
+              <a:t>1. Using the concepts from the reading, and earlier homework, explain how patches or elements of </a:t>
+            </a:r>
+            <a:r>
+              <a:rPr lang="en-US" b="1" dirty="0"/>
+              <a:t>relative vorticity</a:t>
+            </a:r>
+            <a:r>
+              <a:rPr lang="en-US" dirty="0"/>
+              <a:t> </a:t>
+            </a:r>
+            <a:r>
+              <a:rPr lang="en-US" dirty="0" err="1"/>
+              <a:t>advect</a:t>
+            </a:r>
+            <a:r>
+              <a:rPr lang="en-US" dirty="0"/>
+              <a:t> other patches of </a:t>
+            </a:r>
+            <a:r>
+              <a:rPr lang="en-US" b="1" dirty="0"/>
+              <a:t>relative vorticity</a:t>
+            </a:r>
+            <a:r>
+              <a:rPr lang="en-US" dirty="0"/>
+              <a:t>, under the assumption that </a:t>
+            </a:r>
+            <a:r>
+              <a:rPr lang="en-US" b="1" dirty="0"/>
+              <a:t>relative vorticity</a:t>
+            </a:r>
+            <a:r>
+              <a:rPr lang="en-US" dirty="0"/>
+              <a:t> is </a:t>
+            </a:r>
+            <a:r>
+              <a:rPr lang="en-US" dirty="0" err="1"/>
+              <a:t>sorta</a:t>
+            </a:r>
+            <a:r>
+              <a:rPr lang="en-US" dirty="0"/>
+              <a:t> almost conserved.  </a:t>
+            </a:r>
+          </a:p>
+          <a:p>
+            <a:r>
+              <a:rPr lang="en-US" dirty="0"/>
+              <a:t>2. Using the concepts from the reading, and earlier homework, explain how </a:t>
+            </a:r>
+            <a:r>
+              <a:rPr lang="en-US" b="1" dirty="0"/>
+              <a:t>planetary vorticity</a:t>
+            </a:r>
+            <a:r>
+              <a:rPr lang="en-US" dirty="0"/>
+              <a:t> is converted to </a:t>
+            </a:r>
+            <a:r>
+              <a:rPr lang="en-US" b="1" dirty="0"/>
+              <a:t>relative vorticity,</a:t>
+            </a:r>
+            <a:r>
+              <a:rPr lang="en-US" dirty="0"/>
+              <a:t> so that their sum, the </a:t>
+            </a:r>
+            <a:r>
+              <a:rPr lang="en-US" b="1" dirty="0"/>
+              <a:t>absolute vorticity,</a:t>
+            </a:r>
+            <a:r>
+              <a:rPr lang="en-US" dirty="0"/>
+              <a:t> is almost conserved. Consider a loop of air moving in latitude, and explain how the different Coriolis force felt by its northern and southern edges acts as a torque on the fluid loop.   </a:t>
+            </a:r>
+          </a:p>
+          <a:p>
+            <a:r>
+              <a:rPr lang="en-US" dirty="0"/>
+              <a:t>3. Using the concepts from the reading, and the reading, explain how </a:t>
+            </a:r>
+            <a:r>
+              <a:rPr lang="en-US" b="1" dirty="0"/>
+              <a:t>static stability </a:t>
+            </a:r>
+            <a:r>
+              <a:rPr lang="en-US" dirty="0"/>
+              <a:t>is converted to </a:t>
+            </a:r>
+            <a:r>
+              <a:rPr lang="en-US" b="1" dirty="0"/>
+              <a:t>absolute vorticity,</a:t>
+            </a:r>
+            <a:r>
+              <a:rPr lang="en-US" dirty="0"/>
+              <a:t> so that </a:t>
+            </a:r>
+            <a:r>
+              <a:rPr lang="en-US" b="1" dirty="0"/>
+              <a:t>potential vorticity, </a:t>
+            </a:r>
+            <a:r>
+              <a:rPr lang="en-US" dirty="0"/>
+              <a:t>their </a:t>
+            </a:r>
+            <a:r>
+              <a:rPr lang="en-US" b="1" dirty="0"/>
+              <a:t>product,</a:t>
+            </a:r>
+            <a:r>
+              <a:rPr lang="en-US" dirty="0"/>
+              <a:t> arguably the truest essence of vortices (cyclones and anticyclones) is really really almost conserved. </a:t>
+            </a:r>
+          </a:p>
+          <a:p>
+            <a:r>
+              <a:rPr lang="en-US" dirty="0"/>
+              <a:t>4. Based on the end of the reading, what you will look for in vertically resolved data about diabatic heating rate in the atmosphere to explain the ultimate source of PV?</a:t>
+            </a:r>
+          </a:p>
+          <a:p>
+            <a:endParaRPr lang="en-US" dirty="0"/>
+          </a:p>
+        </p:txBody>
+      </p:sp>
+    </p:spTree>
+    <p:extLst>
+      <p:ext uri="{BB962C8B-B14F-4D97-AF65-F5344CB8AC3E}">
+        <p14:creationId xmlns:p14="http://schemas.microsoft.com/office/powerpoint/2010/main" val="1210775795"/>
+      </p:ext>
+    </p:extLst>
+  </p:cSld>
+  <p:clrMapOvr>
+    <a:masterClrMapping/>
+  </p:clrMapOvr>
+</p:sld>
+</file>
+
+<file path=ppt/slides/slide30.xml><?xml version="1.0" encoding="utf-8"?>
 <p:sld xmlns:a="http://schemas.openxmlformats.org/drawingml/2006/main" xmlns:r="http://schemas.openxmlformats.org/officeDocument/2006/relationships" xmlns:p="http://schemas.openxmlformats.org/presentationml/2006/main">
   <p:cSld>
     <p:spTree>
@@ -15385,7 +16116,7 @@
 </p:sld>
 </file>
 
-<file path=ppt/slides/slide26.xml><?xml version="1.0" encoding="utf-8"?>
+<file path=ppt/slides/slide31.xml><?xml version="1.0" encoding="utf-8"?>
 <p:sld xmlns:a="http://schemas.openxmlformats.org/drawingml/2006/main" xmlns:r="http://schemas.openxmlformats.org/officeDocument/2006/relationships" xmlns:p="http://schemas.openxmlformats.org/presentationml/2006/main">
   <p:cSld>
     <p:spTree>
@@ -16334,7 +17065,7 @@
 </p:sld>
 </file>
 
-<file path=ppt/slides/slide27.xml><?xml version="1.0" encoding="utf-8"?>
+<file path=ppt/slides/slide32.xml><?xml version="1.0" encoding="utf-8"?>
 <p:sld xmlns:a="http://schemas.openxmlformats.org/drawingml/2006/main" xmlns:r="http://schemas.openxmlformats.org/officeDocument/2006/relationships" xmlns:p="http://schemas.openxmlformats.org/presentationml/2006/main">
   <p:cSld>
     <p:spTree>
@@ -17113,7 +17844,7 @@
 </p:sld>
 </file>
 
-<file path=ppt/slides/slide28.xml><?xml version="1.0" encoding="utf-8"?>
+<file path=ppt/slides/slide33.xml><?xml version="1.0" encoding="utf-8"?>
 <p:sld xmlns:a="http://schemas.openxmlformats.org/drawingml/2006/main" xmlns:r="http://schemas.openxmlformats.org/officeDocument/2006/relationships" xmlns:p="http://schemas.openxmlformats.org/presentationml/2006/main">
   <p:cSld>
     <p:spTree>
@@ -17991,7 +18722,7 @@
 </p:sld>
 </file>
 
-<file path=ppt/slides/slide29.xml><?xml version="1.0" encoding="utf-8"?>
+<file path=ppt/slides/slide34.xml><?xml version="1.0" encoding="utf-8"?>
 <p:sld xmlns:a="http://schemas.openxmlformats.org/drawingml/2006/main" xmlns:r="http://schemas.openxmlformats.org/officeDocument/2006/relationships" xmlns:p="http://schemas.openxmlformats.org/presentationml/2006/main">
   <p:cSld>
     <p:spTree>
@@ -19180,212 +19911,7 @@
 </p:sld>
 </file>
 
-<file path=ppt/slides/slide3.xml><?xml version="1.0" encoding="utf-8"?>
-<p:sld xmlns:a="http://schemas.openxmlformats.org/drawingml/2006/main" xmlns:r="http://schemas.openxmlformats.org/officeDocument/2006/relationships" xmlns:p="http://schemas.openxmlformats.org/presentationml/2006/main">
-  <p:cSld>
-    <p:spTree>
-      <p:nvGrpSpPr>
-        <p:cNvPr id="1" name=""/>
-        <p:cNvGrpSpPr/>
-        <p:nvPr/>
-      </p:nvGrpSpPr>
-      <p:grpSpPr>
-        <a:xfrm>
-          <a:off x="0" y="0"/>
-          <a:ext cx="0" cy="0"/>
-          <a:chOff x="0" y="0"/>
-          <a:chExt cx="0" cy="0"/>
-        </a:xfrm>
-      </p:grpSpPr>
-      <p:sp>
-        <p:nvSpPr>
-          <p:cNvPr id="2" name="Title 1">
-            <a:extLst>
-              <a:ext uri="{FF2B5EF4-FFF2-40B4-BE49-F238E27FC236}">
-                <a16:creationId xmlns:a16="http://schemas.microsoft.com/office/drawing/2014/main" id="{CB29A834-01D0-1441-98E1-D59916484E3E}"/>
-              </a:ext>
-            </a:extLst>
-          </p:cNvPr>
-          <p:cNvSpPr>
-            <a:spLocks noGrp="1"/>
-          </p:cNvSpPr>
-          <p:nvPr>
-            <p:ph type="title"/>
-          </p:nvPr>
-        </p:nvSpPr>
-        <p:spPr/>
-        <p:txBody>
-          <a:bodyPr/>
-          <a:lstStyle/>
-          <a:p>
-            <a:r>
-              <a:rPr lang="en-US" dirty="0"/>
-              <a:t>Questions about it </a:t>
-            </a:r>
-          </a:p>
-        </p:txBody>
-      </p:sp>
-      <p:sp>
-        <p:nvSpPr>
-          <p:cNvPr id="3" name="Content Placeholder 2">
-            <a:extLst>
-              <a:ext uri="{FF2B5EF4-FFF2-40B4-BE49-F238E27FC236}">
-                <a16:creationId xmlns:a16="http://schemas.microsoft.com/office/drawing/2014/main" id="{6C33B407-7022-F64B-9CD3-3C0B57FEF809}"/>
-              </a:ext>
-            </a:extLst>
-          </p:cNvPr>
-          <p:cNvSpPr>
-            <a:spLocks noGrp="1"/>
-          </p:cNvSpPr>
-          <p:nvPr>
-            <p:ph idx="1"/>
-          </p:nvPr>
-        </p:nvSpPr>
-        <p:spPr/>
-        <p:txBody>
-          <a:bodyPr>
-            <a:normAutofit fontScale="62500" lnSpcReduction="20000"/>
-          </a:bodyPr>
-          <a:lstStyle/>
-          <a:p>
-            <a:r>
-              <a:rPr lang="en-US" dirty="0"/>
-              <a:t>1. Using the concepts from the handout, and earlier homework, explain how patches or elements of </a:t>
-            </a:r>
-            <a:r>
-              <a:rPr lang="en-US" b="1" dirty="0"/>
-              <a:t>relative vorticity</a:t>
-            </a:r>
-            <a:r>
-              <a:rPr lang="en-US" dirty="0"/>
-              <a:t> </a:t>
-            </a:r>
-            <a:r>
-              <a:rPr lang="en-US" dirty="0" err="1"/>
-              <a:t>advect</a:t>
-            </a:r>
-            <a:r>
-              <a:rPr lang="en-US" dirty="0"/>
-              <a:t> other patches of </a:t>
-            </a:r>
-            <a:r>
-              <a:rPr lang="en-US" b="1" dirty="0"/>
-              <a:t>relative vorticity</a:t>
-            </a:r>
-            <a:r>
-              <a:rPr lang="en-US" dirty="0"/>
-              <a:t>, under the assumption that </a:t>
-            </a:r>
-            <a:r>
-              <a:rPr lang="en-US" b="1" dirty="0"/>
-              <a:t>relative vorticity</a:t>
-            </a:r>
-            <a:r>
-              <a:rPr lang="en-US" dirty="0"/>
-              <a:t> is </a:t>
-            </a:r>
-            <a:r>
-              <a:rPr lang="en-US" dirty="0" err="1"/>
-              <a:t>sorta</a:t>
-            </a:r>
-            <a:r>
-              <a:rPr lang="en-US" dirty="0"/>
-              <a:t> almost conserved.  </a:t>
-            </a:r>
-          </a:p>
-          <a:p>
-            <a:r>
-              <a:rPr lang="en-US" dirty="0"/>
-              <a:t>2. Using the concepts from the handout, and earlier homework, explain how </a:t>
-            </a:r>
-            <a:r>
-              <a:rPr lang="en-US" b="1" dirty="0"/>
-              <a:t>planetary vorticity</a:t>
-            </a:r>
-            <a:r>
-              <a:rPr lang="en-US" dirty="0"/>
-              <a:t> is converted to </a:t>
-            </a:r>
-            <a:r>
-              <a:rPr lang="en-US" b="1" dirty="0"/>
-              <a:t>relative vorticity,</a:t>
-            </a:r>
-            <a:r>
-              <a:rPr lang="en-US" dirty="0"/>
-              <a:t> so that their sum, the </a:t>
-            </a:r>
-            <a:r>
-              <a:rPr lang="en-US" b="1" dirty="0"/>
-              <a:t>absolute vorticity,</a:t>
-            </a:r>
-            <a:r>
-              <a:rPr lang="en-US" dirty="0"/>
-              <a:t> is almost conserved. Consider a loop of air moving in latitude, and explain how the different Coriolis force felt by its northern and southern side act as a torque on the fluid loop.   </a:t>
-            </a:r>
-          </a:p>
-          <a:p>
-            <a:r>
-              <a:rPr lang="en-US" dirty="0"/>
-              <a:t>3. Using the concepts from the handout, and the reading, explain how </a:t>
-            </a:r>
-            <a:r>
-              <a:rPr lang="en-US" b="1" dirty="0"/>
-              <a:t>static stability </a:t>
-            </a:r>
-            <a:r>
-              <a:rPr lang="en-US" dirty="0"/>
-              <a:t>is converted to </a:t>
-            </a:r>
-            <a:r>
-              <a:rPr lang="en-US" b="1" dirty="0"/>
-              <a:t>absolute vorticity,</a:t>
-            </a:r>
-            <a:r>
-              <a:rPr lang="en-US" dirty="0"/>
-              <a:t> so that </a:t>
-            </a:r>
-            <a:r>
-              <a:rPr lang="en-US" b="1" dirty="0"/>
-              <a:t>potential vorticity, </a:t>
-            </a:r>
-            <a:r>
-              <a:rPr lang="en-US" dirty="0"/>
-              <a:t>their </a:t>
-            </a:r>
-            <a:r>
-              <a:rPr lang="en-US" b="1" dirty="0"/>
-              <a:t>product,</a:t>
-            </a:r>
-            <a:r>
-              <a:rPr lang="en-US" dirty="0"/>
-              <a:t> which is the essence of vortices (cyclones and anticyclones) is really really almost conserved. </a:t>
-            </a:r>
-          </a:p>
-          <a:p>
-            <a:r>
-              <a:rPr lang="en-US" dirty="0"/>
-              <a:t>4. Using the concepts from the handout, strategize what you will look for in vertically resolved data about diabatic heating rate in the atmosphere to explain the ultimate source of PV. </a:t>
-            </a:r>
-          </a:p>
-          <a:p>
-            <a:endParaRPr lang="en-US" dirty="0"/>
-          </a:p>
-        </p:txBody>
-      </p:sp>
-    </p:spTree>
-    <p:extLst>
-      <p:ext uri="{BB962C8B-B14F-4D97-AF65-F5344CB8AC3E}">
-        <p14:creationId xmlns:p14="http://schemas.microsoft.com/office/powerpoint/2010/main" val="1210775795"/>
-      </p:ext>
-    </p:extLst>
-  </p:cSld>
-  <p:clrMapOvr>
-    <a:masterClrMapping/>
-  </p:clrMapOvr>
-</p:sld>
-</file>
-
-<file path=ppt/slides/slide30.xml><?xml version="1.0" encoding="utf-8"?>
+<file path=ppt/slides/slide35.xml><?xml version="1.0" encoding="utf-8"?>
 <p:sld xmlns:a="http://schemas.openxmlformats.org/drawingml/2006/main" xmlns:r="http://schemas.openxmlformats.org/officeDocument/2006/relationships" xmlns:p="http://schemas.openxmlformats.org/presentationml/2006/main">
   <p:cSld>
     <p:spTree>
@@ -20207,7 +20733,7 @@
 </p:sld>
 </file>
 
-<file path=ppt/slides/slide31.xml><?xml version="1.0" encoding="utf-8"?>
+<file path=ppt/slides/slide36.xml><?xml version="1.0" encoding="utf-8"?>
 <p:sld xmlns:a="http://schemas.openxmlformats.org/drawingml/2006/main" xmlns:r="http://schemas.openxmlformats.org/officeDocument/2006/relationships" xmlns:p="http://schemas.openxmlformats.org/presentationml/2006/main">
   <p:cSld>
     <p:spTree>
@@ -20429,7 +20955,7 @@
 </p:sld>
 </file>
 
-<file path=ppt/slides/slide32.xml><?xml version="1.0" encoding="utf-8"?>
+<file path=ppt/slides/slide37.xml><?xml version="1.0" encoding="utf-8"?>
 <p:sld xmlns:a="http://schemas.openxmlformats.org/drawingml/2006/main" xmlns:r="http://schemas.openxmlformats.org/officeDocument/2006/relationships" xmlns:p="http://schemas.openxmlformats.org/presentationml/2006/main">
   <p:cSld>
     <p:spTree>
@@ -20459,7 +20985,7 @@
 </p:sld>
 </file>
 
-<file path=ppt/slides/slide33.xml><?xml version="1.0" encoding="utf-8"?>
+<file path=ppt/slides/slide38.xml><?xml version="1.0" encoding="utf-8"?>
 <p:sld xmlns:a="http://schemas.openxmlformats.org/drawingml/2006/main" xmlns:r="http://schemas.openxmlformats.org/officeDocument/2006/relationships" xmlns:p="http://schemas.openxmlformats.org/presentationml/2006/main">
   <p:cSld>
     <p:spTree>
@@ -21731,7 +22257,7 @@
 </p:sld>
 </file>
 
-<file path=ppt/slides/slide34.xml><?xml version="1.0" encoding="utf-8"?>
+<file path=ppt/slides/slide39.xml><?xml version="1.0" encoding="utf-8"?>
 <p:sld xmlns:a="http://schemas.openxmlformats.org/drawingml/2006/main" xmlns:r="http://schemas.openxmlformats.org/officeDocument/2006/relationships" xmlns:p="http://schemas.openxmlformats.org/presentationml/2006/main">
   <p:cSld>
     <p:spTree>
@@ -22713,7 +23239,205 @@
 </p:sld>
 </file>
 
-<file path=ppt/slides/slide35.xml><?xml version="1.0" encoding="utf-8"?>
+<file path=ppt/slides/slide4.xml><?xml version="1.0" encoding="utf-8"?>
+<p:sld xmlns:a="http://schemas.openxmlformats.org/drawingml/2006/main" xmlns:r="http://schemas.openxmlformats.org/officeDocument/2006/relationships" xmlns:p="http://schemas.openxmlformats.org/presentationml/2006/main">
+  <p:cSld>
+    <p:spTree>
+      <p:nvGrpSpPr>
+        <p:cNvPr id="1" name=""/>
+        <p:cNvGrpSpPr/>
+        <p:nvPr/>
+      </p:nvGrpSpPr>
+      <p:grpSpPr>
+        <a:xfrm>
+          <a:off x="0" y="0"/>
+          <a:ext cx="0" cy="0"/>
+          <a:chOff x="0" y="0"/>
+          <a:chExt cx="0" cy="0"/>
+        </a:xfrm>
+      </p:grpSpPr>
+      <p:sp>
+        <p:nvSpPr>
+          <p:cNvPr id="2" name="Title 1"/>
+          <p:cNvSpPr>
+            <a:spLocks noGrp="1"/>
+          </p:cNvSpPr>
+          <p:nvPr>
+            <p:ph type="title"/>
+          </p:nvPr>
+        </p:nvSpPr>
+        <p:spPr>
+          <a:xfrm>
+            <a:off x="457200" y="685800"/>
+            <a:ext cx="8229600" cy="1143000"/>
+          </a:xfrm>
+        </p:spPr>
+        <p:txBody>
+          <a:bodyPr>
+            <a:normAutofit/>
+          </a:bodyPr>
+          <a:lstStyle/>
+          <a:p>
+            <a:r>
+              <a:rPr lang="en-US" dirty="0"/>
+              <a:t>PV is conserved -- almost</a:t>
+            </a:r>
+          </a:p>
+        </p:txBody>
+      </p:sp>
+      <p:sp>
+        <p:nvSpPr>
+          <p:cNvPr id="9" name="TextBox 8"/>
+          <p:cNvSpPr txBox="1"/>
+          <p:nvPr/>
+        </p:nvSpPr>
+        <p:spPr>
+          <a:xfrm>
+            <a:off x="228600" y="1676400"/>
+            <a:ext cx="8763000" cy="5016758"/>
+          </a:xfrm>
+          <a:prstGeom prst="rect">
+            <a:avLst/>
+          </a:prstGeom>
+          <a:noFill/>
+        </p:spPr>
+        <p:txBody>
+          <a:bodyPr wrap="square" rtlCol="0">
+            <a:spAutoFit/>
+          </a:bodyPr>
+          <a:lstStyle/>
+          <a:p>
+            <a:r>
+              <a:rPr lang="en-US" sz="3200" dirty="0">
+                <a:solidFill>
+                  <a:srgbClr val="FF0000"/>
+                </a:solidFill>
+              </a:rPr>
+              <a:t>APPROXIMATE</a:t>
+            </a:r>
+            <a:r>
+              <a:rPr lang="en-US" sz="3200" dirty="0"/>
+              <a:t> term that generates PV on the Earth</a:t>
+            </a:r>
+          </a:p>
+          <a:p>
+            <a:endParaRPr lang="en-US" sz="3200" dirty="0"/>
+          </a:p>
+          <a:p>
+            <a:endParaRPr lang="en-US" sz="3200" dirty="0"/>
+          </a:p>
+          <a:p>
+            <a:endParaRPr lang="en-US" sz="3200" dirty="0"/>
+          </a:p>
+          <a:p>
+            <a:endParaRPr lang="en-US" sz="3200" dirty="0"/>
+          </a:p>
+          <a:p>
+            <a:endParaRPr lang="en-US" sz="3200" dirty="0"/>
+          </a:p>
+          <a:p>
+            <a:r>
+              <a:rPr lang="en-US" sz="3200" dirty="0"/>
+              <a:t>Mostly, you are looking for </a:t>
+            </a:r>
+            <a:r>
+              <a:rPr lang="en-US" sz="3200" dirty="0">
+                <a:solidFill>
+                  <a:srgbClr val="FF0000"/>
+                </a:solidFill>
+              </a:rPr>
+              <a:t>WHERE THE DIABATIC OR PHYSICAL HEATING RATE INCREASES OR DECREASES WITH HEIGHT, weighted by (f+𝜁). </a:t>
+            </a:r>
+            <a:r>
+              <a:rPr lang="en-US" sz="3200" dirty="0"/>
+              <a:t>In both hemispheres… so be careful with ”cyclonic”. </a:t>
+            </a:r>
+          </a:p>
+        </p:txBody>
+      </p:sp>
+      <p:sp>
+        <p:nvSpPr>
+          <p:cNvPr id="13" name="Rectangle 12"/>
+          <p:cNvSpPr/>
+          <p:nvPr/>
+        </p:nvSpPr>
+        <p:spPr>
+          <a:xfrm>
+            <a:off x="4572000" y="2514600"/>
+            <a:ext cx="2895600" cy="1447800"/>
+          </a:xfrm>
+          <a:prstGeom prst="rect">
+            <a:avLst/>
+          </a:prstGeom>
+          <a:noFill/>
+        </p:spPr>
+        <p:style>
+          <a:lnRef idx="1">
+            <a:schemeClr val="accent1"/>
+          </a:lnRef>
+          <a:fillRef idx="3">
+            <a:schemeClr val="accent1"/>
+          </a:fillRef>
+          <a:effectRef idx="2">
+            <a:schemeClr val="accent1"/>
+          </a:effectRef>
+          <a:fontRef idx="minor">
+            <a:schemeClr val="lt1"/>
+          </a:fontRef>
+        </p:style>
+        <p:txBody>
+          <a:bodyPr rtlCol="0" anchor="ctr"/>
+          <a:lstStyle/>
+          <a:p>
+            <a:pPr algn="ctr"/>
+            <a:endParaRPr lang="en-US"/>
+          </a:p>
+        </p:txBody>
+      </p:sp>
+      <p:pic>
+        <p:nvPicPr>
+          <p:cNvPr id="5" name="Picture 4">
+            <a:extLst>
+              <a:ext uri="{FF2B5EF4-FFF2-40B4-BE49-F238E27FC236}">
+                <a16:creationId xmlns:a16="http://schemas.microsoft.com/office/drawing/2014/main" id="{9931EAFE-EC82-FE4D-9CFF-8C4098EE1121}"/>
+              </a:ext>
+            </a:extLst>
+          </p:cNvPr>
+          <p:cNvPicPr>
+            <a:picLocks noChangeAspect="1"/>
+          </p:cNvPicPr>
+          <p:nvPr/>
+        </p:nvPicPr>
+        <p:blipFill>
+          <a:blip r:embed="rId2"/>
+          <a:stretch>
+            <a:fillRect/>
+          </a:stretch>
+        </p:blipFill>
+        <p:spPr>
+          <a:xfrm>
+            <a:off x="1981200" y="2667000"/>
+            <a:ext cx="5029200" cy="1143000"/>
+          </a:xfrm>
+          <a:prstGeom prst="rect">
+            <a:avLst/>
+          </a:prstGeom>
+        </p:spPr>
+      </p:pic>
+    </p:spTree>
+    <p:extLst>
+      <p:ext uri="{BB962C8B-B14F-4D97-AF65-F5344CB8AC3E}">
+        <p14:creationId xmlns:p14="http://schemas.microsoft.com/office/powerpoint/2010/main" val="1296750083"/>
+      </p:ext>
+    </p:extLst>
+  </p:cSld>
+  <p:clrMapOvr>
+    <a:masterClrMapping/>
+  </p:clrMapOvr>
+</p:sld>
+</file>
+
+<file path=ppt/slides/slide40.xml><?xml version="1.0" encoding="utf-8"?>
 <p:sld xmlns:a="http://schemas.openxmlformats.org/drawingml/2006/main" xmlns:r="http://schemas.openxmlformats.org/officeDocument/2006/relationships" xmlns:p="http://schemas.openxmlformats.org/presentationml/2006/main">
   <p:cSld>
     <p:spTree>
@@ -24003,7 +24727,7 @@
 </p:sld>
 </file>
 
-<file path=ppt/slides/slide36.xml><?xml version="1.0" encoding="utf-8"?>
+<file path=ppt/slides/slide41.xml><?xml version="1.0" encoding="utf-8"?>
 <p:sld xmlns:a="http://schemas.openxmlformats.org/drawingml/2006/main" xmlns:r="http://schemas.openxmlformats.org/officeDocument/2006/relationships" xmlns:p="http://schemas.openxmlformats.org/presentationml/2006/main">
   <p:cSld>
     <p:spTree>
@@ -25137,7 +25861,7 @@
 </p:sld>
 </file>
 
-<file path=ppt/slides/slide37.xml><?xml version="1.0" encoding="utf-8"?>
+<file path=ppt/slides/slide42.xml><?xml version="1.0" encoding="utf-8"?>
 <p:sld xmlns:a="http://schemas.openxmlformats.org/drawingml/2006/main" xmlns:r="http://schemas.openxmlformats.org/officeDocument/2006/relationships" xmlns:p="http://schemas.openxmlformats.org/presentationml/2006/main">
   <p:cSld>
     <p:spTree>
@@ -25905,7 +26629,7 @@
 </p:sld>
 </file>
 
-<file path=ppt/slides/slide38.xml><?xml version="1.0" encoding="utf-8"?>
+<file path=ppt/slides/slide43.xml><?xml version="1.0" encoding="utf-8"?>
 <p:sld xmlns:a="http://schemas.openxmlformats.org/drawingml/2006/main" xmlns:r="http://schemas.openxmlformats.org/officeDocument/2006/relationships" xmlns:p="http://schemas.openxmlformats.org/presentationml/2006/main">
   <p:cSld>
     <p:spTree>
@@ -26771,7 +27495,7 @@
 </p:sld>
 </file>
 
-<file path=ppt/slides/slide39.xml><?xml version="1.0" encoding="utf-8"?>
+<file path=ppt/slides/slide44.xml><?xml version="1.0" encoding="utf-8"?>
 <p:sld xmlns:a="http://schemas.openxmlformats.org/drawingml/2006/main" xmlns:r="http://schemas.openxmlformats.org/officeDocument/2006/relationships" xmlns:p="http://schemas.openxmlformats.org/presentationml/2006/main">
   <p:cSld>
     <p:spTree>
@@ -27360,1031 +28084,7 @@
 </p:sld>
 </file>
 
-<file path=ppt/slides/slide4.xml><?xml version="1.0" encoding="utf-8"?>
-<p:sld xmlns:a="http://schemas.openxmlformats.org/drawingml/2006/main" xmlns:r="http://schemas.openxmlformats.org/officeDocument/2006/relationships" xmlns:p="http://schemas.openxmlformats.org/presentationml/2006/main">
-  <p:cSld>
-    <p:spTree>
-      <p:nvGrpSpPr>
-        <p:cNvPr id="1" name=""/>
-        <p:cNvGrpSpPr/>
-        <p:nvPr/>
-      </p:nvGrpSpPr>
-      <p:grpSpPr>
-        <a:xfrm>
-          <a:off x="0" y="0"/>
-          <a:ext cx="0" cy="0"/>
-          <a:chOff x="0" y="0"/>
-          <a:chExt cx="0" cy="0"/>
-        </a:xfrm>
-      </p:grpSpPr>
-      <p:sp>
-        <p:nvSpPr>
-          <p:cNvPr id="2" name="Title 1"/>
-          <p:cNvSpPr>
-            <a:spLocks noGrp="1"/>
-          </p:cNvSpPr>
-          <p:nvPr>
-            <p:ph type="title"/>
-          </p:nvPr>
-        </p:nvSpPr>
-        <p:spPr/>
-        <p:txBody>
-          <a:bodyPr>
-            <a:normAutofit/>
-          </a:bodyPr>
-          <a:lstStyle/>
-          <a:p>
-            <a:r>
-              <a:rPr lang="en-US"/>
-              <a:t>Remember absolute vorticity?</a:t>
-            </a:r>
-          </a:p>
-        </p:txBody>
-      </p:sp>
-      <p:sp>
-        <p:nvSpPr>
-          <p:cNvPr id="3" name="Content Placeholder 2"/>
-          <p:cNvSpPr>
-            <a:spLocks noGrp="1"/>
-          </p:cNvSpPr>
-          <p:nvPr>
-            <p:ph idx="1"/>
-          </p:nvPr>
-        </p:nvSpPr>
-        <p:spPr>
-          <a:xfrm>
-            <a:off x="228600" y="1371600"/>
-            <a:ext cx="8534400" cy="5257800"/>
-          </a:xfrm>
-        </p:spPr>
-        <p:txBody>
-          <a:bodyPr>
-            <a:normAutofit/>
-          </a:bodyPr>
-          <a:lstStyle/>
-          <a:p>
-            <a:r>
-              <a:rPr lang="en-US" dirty="0"/>
-              <a:t>Absolute vorticity </a:t>
-            </a:r>
-            <a:r>
-              <a:rPr lang="en-US" dirty="0">
-                <a:latin typeface="Symbol" charset="2"/>
-                <a:cs typeface="Symbol" charset="2"/>
-              </a:rPr>
-              <a:t>z</a:t>
-            </a:r>
-            <a:r>
-              <a:rPr lang="en-US" baseline="-25000" dirty="0"/>
-              <a:t>a </a:t>
-            </a:r>
-            <a:r>
-              <a:rPr lang="en-US" dirty="0"/>
-              <a:t>= f + </a:t>
-            </a:r>
-            <a:r>
-              <a:rPr lang="en-US" dirty="0" err="1">
-                <a:latin typeface="Symbol" charset="2"/>
-                <a:cs typeface="Symbol" charset="2"/>
-              </a:rPr>
-              <a:t>z</a:t>
-            </a:r>
-            <a:r>
-              <a:rPr lang="en-US" baseline="-25000" dirty="0" err="1"/>
-              <a:t>rel</a:t>
-            </a:r>
-            <a:r>
-              <a:rPr lang="en-US" baseline="-25000" dirty="0"/>
-              <a:t> </a:t>
-            </a:r>
-            <a:endParaRPr lang="en-US" dirty="0"/>
-          </a:p>
-          <a:p>
-            <a:r>
-              <a:rPr lang="en-US" dirty="0"/>
-              <a:t>Exists from f alone, but the f part can also be </a:t>
-            </a:r>
-            <a:r>
-              <a:rPr lang="en-US" i="1" dirty="0"/>
-              <a:t>converted</a:t>
-            </a:r>
-            <a:r>
-              <a:rPr lang="en-US" dirty="0"/>
-              <a:t> to actual wind circulation </a:t>
-            </a:r>
-            <a:r>
-              <a:rPr lang="en-US" dirty="0" err="1">
-                <a:latin typeface="Symbol" charset="2"/>
-                <a:cs typeface="Symbol" charset="2"/>
-              </a:rPr>
-              <a:t>z</a:t>
-            </a:r>
-            <a:r>
-              <a:rPr lang="en-US" baseline="-25000" dirty="0" err="1"/>
-              <a:t>rel</a:t>
-            </a:r>
-            <a:r>
-              <a:rPr lang="en-US" baseline="-25000" dirty="0"/>
-              <a:t> </a:t>
-            </a:r>
-            <a:r>
-              <a:rPr lang="en-US" dirty="0"/>
-              <a:t>whenever </a:t>
-            </a:r>
-            <a:r>
-              <a:rPr lang="en-US" i="1" dirty="0"/>
-              <a:t>air moves toward the equator</a:t>
-            </a:r>
-          </a:p>
-          <a:p>
-            <a:r>
-              <a:rPr lang="en-US" dirty="0"/>
-              <a:t>It is </a:t>
-            </a:r>
-            <a:r>
-              <a:rPr lang="en-US" i="1" dirty="0"/>
-              <a:t>amplified exponentially by convergence, and relaxed exponentially toward 0 by divergence:</a:t>
-            </a:r>
-          </a:p>
-          <a:p>
-            <a:r>
-              <a:rPr lang="en-US" dirty="0"/>
-              <a:t> </a:t>
-            </a:r>
-          </a:p>
-        </p:txBody>
-      </p:sp>
-      <p:pic>
-        <p:nvPicPr>
-          <p:cNvPr id="5" name="Picture 4" descr="latex-image-1.pdf"/>
-          <p:cNvPicPr>
-            <a:picLocks noChangeAspect="1"/>
-          </p:cNvPicPr>
-          <p:nvPr/>
-        </p:nvPicPr>
-        <mc:AlternateContent xmlns:mc="http://schemas.openxmlformats.org/markup-compatibility/2006">
-          <mc:Choice xmlns:ma="http://schemas.microsoft.com/office/mac/drawingml/2008/main" xmlns:mv="urn:schemas-microsoft-com:mac:vml" xmlns="" Requires="ma">
-            <p:blipFill>
-              <a:blip r:embed="rId2"/>
-              <a:stretch>
-                <a:fillRect/>
-              </a:stretch>
-            </p:blipFill>
-          </mc:Choice>
-          <mc:Fallback>
-            <p:blipFill>
-              <a:blip r:embed="rId3"/>
-              <a:stretch>
-                <a:fillRect/>
-              </a:stretch>
-            </p:blipFill>
-          </mc:Fallback>
-        </mc:AlternateContent>
-        <p:spPr>
-          <a:xfrm>
-            <a:off x="838200" y="4800600"/>
-            <a:ext cx="7537781" cy="1600200"/>
-          </a:xfrm>
-          <a:prstGeom prst="rect">
-            <a:avLst/>
-          </a:prstGeom>
-        </p:spPr>
-      </p:pic>
-    </p:spTree>
-  </p:cSld>
-  <p:clrMapOvr>
-    <a:masterClrMapping/>
-  </p:clrMapOvr>
-</p:sld>
-</file>
-
 <file path=ppt/slides/slide5.xml><?xml version="1.0" encoding="utf-8"?>
-<p:sld xmlns:a="http://schemas.openxmlformats.org/drawingml/2006/main" xmlns:r="http://schemas.openxmlformats.org/officeDocument/2006/relationships" xmlns:p="http://schemas.openxmlformats.org/presentationml/2006/main">
-  <p:cSld>
-    <p:spTree>
-      <p:nvGrpSpPr>
-        <p:cNvPr id="1" name=""/>
-        <p:cNvGrpSpPr/>
-        <p:nvPr/>
-      </p:nvGrpSpPr>
-      <p:grpSpPr>
-        <a:xfrm>
-          <a:off x="0" y="0"/>
-          <a:ext cx="0" cy="0"/>
-          <a:chOff x="0" y="0"/>
-          <a:chExt cx="0" cy="0"/>
-        </a:xfrm>
-      </p:grpSpPr>
-      <p:sp>
-        <p:nvSpPr>
-          <p:cNvPr id="2" name="Title 1"/>
-          <p:cNvSpPr>
-            <a:spLocks noGrp="1"/>
-          </p:cNvSpPr>
-          <p:nvPr>
-            <p:ph type="title"/>
-          </p:nvPr>
-        </p:nvSpPr>
-        <p:spPr>
-          <a:xfrm>
-            <a:off x="457200" y="685800"/>
-            <a:ext cx="8229600" cy="1143000"/>
-          </a:xfrm>
-        </p:spPr>
-        <p:txBody>
-          <a:bodyPr>
-            <a:normAutofit fontScale="90000"/>
-          </a:bodyPr>
-          <a:lstStyle/>
-          <a:p>
-            <a:r>
-              <a:rPr lang="en-US" dirty="0"/>
-              <a:t>Horizontal convergence also spreads </a:t>
-            </a:r>
-            <a:br>
-              <a:rPr lang="en-US" dirty="0"/>
-            </a:br>
-            <a:r>
-              <a:rPr lang="en-US" dirty="0"/>
-              <a:t>material surfaces apart vertically</a:t>
-            </a:r>
-          </a:p>
-        </p:txBody>
-      </p:sp>
-      <p:sp>
-        <p:nvSpPr>
-          <p:cNvPr id="9" name="TextBox 8"/>
-          <p:cNvSpPr txBox="1"/>
-          <p:nvPr/>
-        </p:nvSpPr>
-        <p:spPr>
-          <a:xfrm>
-            <a:off x="228600" y="3962400"/>
-            <a:ext cx="8761065" cy="1077218"/>
-          </a:xfrm>
-          <a:prstGeom prst="rect">
-            <a:avLst/>
-          </a:prstGeom>
-          <a:noFill/>
-        </p:spPr>
-        <p:txBody>
-          <a:bodyPr wrap="none" rtlCol="0">
-            <a:spAutoFit/>
-          </a:bodyPr>
-          <a:lstStyle/>
-          <a:p>
-            <a:r>
-              <a:rPr lang="en-US" sz="3200" dirty="0"/>
-              <a:t>So the RATIO </a:t>
-            </a:r>
-            <a:r>
-              <a:rPr lang="en-US" sz="3200" b="1" dirty="0"/>
-              <a:t>PV = -g </a:t>
-            </a:r>
-            <a:r>
-              <a:rPr lang="en-US" sz="3200" b="1" dirty="0">
-                <a:latin typeface="Symbol" charset="2"/>
-                <a:cs typeface="Symbol" charset="2"/>
-              </a:rPr>
-              <a:t>z</a:t>
-            </a:r>
-            <a:r>
-              <a:rPr lang="en-US" sz="3200" b="1" baseline="-25000" dirty="0"/>
-              <a:t>a </a:t>
-            </a:r>
-            <a:r>
-              <a:rPr lang="en-US" sz="3200" b="1" dirty="0"/>
-              <a:t>(∂</a:t>
-            </a:r>
-            <a:r>
-              <a:rPr lang="en-US" sz="3200" b="1" dirty="0">
-                <a:latin typeface="Symbol" charset="2"/>
-                <a:cs typeface="Symbol" charset="2"/>
-              </a:rPr>
-              <a:t>q</a:t>
-            </a:r>
-            <a:r>
-              <a:rPr lang="en-US" sz="3200" b="1" dirty="0"/>
-              <a:t>/∂p) </a:t>
-            </a:r>
-            <a:r>
-              <a:rPr lang="en-US" sz="3200" dirty="0"/>
-              <a:t>remains unchanged</a:t>
-            </a:r>
-          </a:p>
-          <a:p>
-            <a:r>
-              <a:rPr lang="en-US" sz="3200" dirty="0"/>
-              <a:t>by horizontal divergence! </a:t>
-            </a:r>
-          </a:p>
-        </p:txBody>
-      </p:sp>
-      <p:pic>
-        <p:nvPicPr>
-          <p:cNvPr id="10" name="Picture 9" descr="latex-image-1.pdf"/>
-          <p:cNvPicPr>
-            <a:picLocks noChangeAspect="1"/>
-          </p:cNvPicPr>
-          <p:nvPr/>
-        </p:nvPicPr>
-        <mc:AlternateContent xmlns:mc="http://schemas.openxmlformats.org/markup-compatibility/2006">
-          <mc:Choice xmlns:ma="http://schemas.microsoft.com/office/mac/drawingml/2008/main" xmlns:mv="urn:schemas-microsoft-com:mac:vml" xmlns="" Requires="ma">
-            <p:blipFill>
-              <a:blip r:embed="rId2"/>
-              <a:stretch>
-                <a:fillRect/>
-              </a:stretch>
-            </p:blipFill>
-          </mc:Choice>
-          <mc:Fallback>
-            <p:blipFill>
-              <a:blip r:embed="rId3"/>
-              <a:stretch>
-                <a:fillRect/>
-              </a:stretch>
-            </p:blipFill>
-          </mc:Fallback>
-        </mc:AlternateContent>
-        <p:spPr>
-          <a:xfrm>
-            <a:off x="0" y="2667000"/>
-            <a:ext cx="9144000" cy="1054100"/>
-          </a:xfrm>
-          <a:prstGeom prst="rect">
-            <a:avLst/>
-          </a:prstGeom>
-        </p:spPr>
-      </p:pic>
-      <p:sp>
-        <p:nvSpPr>
-          <p:cNvPr id="13" name="Rectangle 12"/>
-          <p:cNvSpPr/>
-          <p:nvPr/>
-        </p:nvSpPr>
-        <p:spPr>
-          <a:xfrm>
-            <a:off x="1828800" y="5257800"/>
-            <a:ext cx="2895600" cy="1447800"/>
-          </a:xfrm>
-          <a:prstGeom prst="rect">
-            <a:avLst/>
-          </a:prstGeom>
-          <a:noFill/>
-        </p:spPr>
-        <p:style>
-          <a:lnRef idx="1">
-            <a:schemeClr val="accent1"/>
-          </a:lnRef>
-          <a:fillRef idx="3">
-            <a:schemeClr val="accent1"/>
-          </a:fillRef>
-          <a:effectRef idx="2">
-            <a:schemeClr val="accent1"/>
-          </a:effectRef>
-          <a:fontRef idx="minor">
-            <a:schemeClr val="lt1"/>
-          </a:fontRef>
-        </p:style>
-        <p:txBody>
-          <a:bodyPr rtlCol="0" anchor="ctr"/>
-          <a:lstStyle/>
-          <a:p>
-            <a:pPr algn="ctr"/>
-            <a:endParaRPr lang="en-US"/>
-          </a:p>
-        </p:txBody>
-      </p:sp>
-      <p:pic>
-        <p:nvPicPr>
-          <p:cNvPr id="3" name="Picture 2">
-            <a:extLst>
-              <a:ext uri="{FF2B5EF4-FFF2-40B4-BE49-F238E27FC236}">
-                <a16:creationId xmlns:a16="http://schemas.microsoft.com/office/drawing/2014/main" id="{8A9928E2-D5EC-584C-B336-D0C80DFB52F7}"/>
-              </a:ext>
-            </a:extLst>
-          </p:cNvPr>
-          <p:cNvPicPr>
-            <a:picLocks noChangeAspect="1"/>
-          </p:cNvPicPr>
-          <p:nvPr/>
-        </p:nvPicPr>
-        <p:blipFill>
-          <a:blip r:embed="rId4"/>
-          <a:stretch>
-            <a:fillRect/>
-          </a:stretch>
-        </p:blipFill>
-        <p:spPr>
-          <a:xfrm>
-            <a:off x="2133600" y="5334000"/>
-            <a:ext cx="5308600" cy="1143000"/>
-          </a:xfrm>
-          <a:prstGeom prst="rect">
-            <a:avLst/>
-          </a:prstGeom>
-        </p:spPr>
-      </p:pic>
-    </p:spTree>
-  </p:cSld>
-  <p:clrMapOvr>
-    <a:masterClrMapping/>
-  </p:clrMapOvr>
-</p:sld>
-</file>
-
-<file path=ppt/slides/slide6.xml><?xml version="1.0" encoding="utf-8"?>
-<p:sld xmlns:a="http://schemas.openxmlformats.org/drawingml/2006/main" xmlns:r="http://schemas.openxmlformats.org/officeDocument/2006/relationships" xmlns:p="http://schemas.openxmlformats.org/presentationml/2006/main">
-  <p:cSld>
-    <p:spTree>
-      <p:nvGrpSpPr>
-        <p:cNvPr id="1" name=""/>
-        <p:cNvGrpSpPr/>
-        <p:nvPr/>
-      </p:nvGrpSpPr>
-      <p:grpSpPr>
-        <a:xfrm>
-          <a:off x="0" y="0"/>
-          <a:ext cx="0" cy="0"/>
-          <a:chOff x="0" y="0"/>
-          <a:chExt cx="0" cy="0"/>
-        </a:xfrm>
-      </p:grpSpPr>
-      <p:sp>
-        <p:nvSpPr>
-          <p:cNvPr id="2" name="Title 1"/>
-          <p:cNvSpPr>
-            <a:spLocks noGrp="1"/>
-          </p:cNvSpPr>
-          <p:nvPr>
-            <p:ph type="title"/>
-          </p:nvPr>
-        </p:nvSpPr>
-        <p:spPr>
-          <a:xfrm>
-            <a:off x="457200" y="685800"/>
-            <a:ext cx="8229600" cy="1143000"/>
-          </a:xfrm>
-        </p:spPr>
-        <p:txBody>
-          <a:bodyPr>
-            <a:normAutofit/>
-          </a:bodyPr>
-          <a:lstStyle/>
-          <a:p>
-            <a:r>
-              <a:rPr lang="en-US" dirty="0"/>
-              <a:t>PV is conserved -- almost</a:t>
-            </a:r>
-          </a:p>
-        </p:txBody>
-      </p:sp>
-      <p:sp>
-        <p:nvSpPr>
-          <p:cNvPr id="9" name="TextBox 8"/>
-          <p:cNvSpPr txBox="1"/>
-          <p:nvPr/>
-        </p:nvSpPr>
-        <p:spPr>
-          <a:xfrm>
-            <a:off x="228600" y="1676400"/>
-            <a:ext cx="8763000" cy="4031873"/>
-          </a:xfrm>
-          <a:prstGeom prst="rect">
-            <a:avLst/>
-          </a:prstGeom>
-          <a:noFill/>
-        </p:spPr>
-        <p:txBody>
-          <a:bodyPr wrap="square" rtlCol="0">
-            <a:spAutoFit/>
-          </a:bodyPr>
-          <a:lstStyle/>
-          <a:p>
-            <a:r>
-              <a:rPr lang="en-US" sz="3200" dirty="0"/>
-              <a:t>Here is the key term that generates PV on the Earth</a:t>
-            </a:r>
-          </a:p>
-          <a:p>
-            <a:endParaRPr lang="en-US" sz="3200" dirty="0"/>
-          </a:p>
-          <a:p>
-            <a:endParaRPr lang="en-US" sz="3200" dirty="0"/>
-          </a:p>
-          <a:p>
-            <a:endParaRPr lang="en-US" sz="3200" dirty="0"/>
-          </a:p>
-          <a:p>
-            <a:endParaRPr lang="en-US" sz="3200"/>
-          </a:p>
-          <a:p>
-            <a:r>
-              <a:rPr lang="en-US" sz="3200"/>
-              <a:t>In this lab, you will learn (and show me you learned) about the nature of diabatic heating in the atmosphere. </a:t>
-            </a:r>
-            <a:endParaRPr lang="en-US" sz="3200" dirty="0"/>
-          </a:p>
-        </p:txBody>
-      </p:sp>
-      <p:sp>
-        <p:nvSpPr>
-          <p:cNvPr id="13" name="Rectangle 12"/>
-          <p:cNvSpPr/>
-          <p:nvPr/>
-        </p:nvSpPr>
-        <p:spPr>
-          <a:xfrm>
-            <a:off x="4572000" y="2438400"/>
-            <a:ext cx="2895600" cy="1447800"/>
-          </a:xfrm>
-          <a:prstGeom prst="rect">
-            <a:avLst/>
-          </a:prstGeom>
-          <a:noFill/>
-        </p:spPr>
-        <p:style>
-          <a:lnRef idx="1">
-            <a:schemeClr val="accent1"/>
-          </a:lnRef>
-          <a:fillRef idx="3">
-            <a:schemeClr val="accent1"/>
-          </a:fillRef>
-          <a:effectRef idx="2">
-            <a:schemeClr val="accent1"/>
-          </a:effectRef>
-          <a:fontRef idx="minor">
-            <a:schemeClr val="lt1"/>
-          </a:fontRef>
-        </p:style>
-        <p:txBody>
-          <a:bodyPr rtlCol="0" anchor="ctr"/>
-          <a:lstStyle/>
-          <a:p>
-            <a:pPr algn="ctr"/>
-            <a:endParaRPr lang="en-US"/>
-          </a:p>
-        </p:txBody>
-      </p:sp>
-      <p:pic>
-        <p:nvPicPr>
-          <p:cNvPr id="3" name="Picture 2">
-            <a:extLst>
-              <a:ext uri="{FF2B5EF4-FFF2-40B4-BE49-F238E27FC236}">
-                <a16:creationId xmlns:a16="http://schemas.microsoft.com/office/drawing/2014/main" id="{8A9928E2-D5EC-584C-B336-D0C80DFB52F7}"/>
-              </a:ext>
-            </a:extLst>
-          </p:cNvPr>
-          <p:cNvPicPr>
-            <a:picLocks noChangeAspect="1"/>
-          </p:cNvPicPr>
-          <p:nvPr/>
-        </p:nvPicPr>
-        <p:blipFill>
-          <a:blip r:embed="rId2"/>
-          <a:stretch>
-            <a:fillRect/>
-          </a:stretch>
-        </p:blipFill>
-        <p:spPr>
-          <a:xfrm>
-            <a:off x="1905000" y="2667000"/>
-            <a:ext cx="5308600" cy="1143000"/>
-          </a:xfrm>
-          <a:prstGeom prst="rect">
-            <a:avLst/>
-          </a:prstGeom>
-        </p:spPr>
-      </p:pic>
-    </p:spTree>
-    <p:extLst>
-      <p:ext uri="{BB962C8B-B14F-4D97-AF65-F5344CB8AC3E}">
-        <p14:creationId xmlns:p14="http://schemas.microsoft.com/office/powerpoint/2010/main" val="1030539018"/>
-      </p:ext>
-    </p:extLst>
-  </p:cSld>
-  <p:clrMapOvr>
-    <a:masterClrMapping/>
-  </p:clrMapOvr>
-</p:sld>
-</file>
-
-<file path=ppt/slides/slide7.xml><?xml version="1.0" encoding="utf-8"?>
-<p:sld xmlns:a="http://schemas.openxmlformats.org/drawingml/2006/main" xmlns:r="http://schemas.openxmlformats.org/officeDocument/2006/relationships" xmlns:p="http://schemas.openxmlformats.org/presentationml/2006/main">
-  <p:cSld>
-    <p:spTree>
-      <p:nvGrpSpPr>
-        <p:cNvPr id="1" name=""/>
-        <p:cNvGrpSpPr/>
-        <p:nvPr/>
-      </p:nvGrpSpPr>
-      <p:grpSpPr>
-        <a:xfrm>
-          <a:off x="0" y="0"/>
-          <a:ext cx="0" cy="0"/>
-          <a:chOff x="0" y="0"/>
-          <a:chExt cx="0" cy="0"/>
-        </a:xfrm>
-      </p:grpSpPr>
-      <p:sp>
-        <p:nvSpPr>
-          <p:cNvPr id="2" name="Title 1"/>
-          <p:cNvSpPr>
-            <a:spLocks noGrp="1"/>
-          </p:cNvSpPr>
-          <p:nvPr>
-            <p:ph type="title"/>
-          </p:nvPr>
-        </p:nvSpPr>
-        <p:spPr>
-          <a:xfrm>
-            <a:off x="457200" y="685800"/>
-            <a:ext cx="8229600" cy="1143000"/>
-          </a:xfrm>
-        </p:spPr>
-        <p:txBody>
-          <a:bodyPr>
-            <a:normAutofit/>
-          </a:bodyPr>
-          <a:lstStyle/>
-          <a:p>
-            <a:r>
-              <a:rPr lang="en-US" dirty="0"/>
-              <a:t>PV is conserved -- almost</a:t>
-            </a:r>
-          </a:p>
-        </p:txBody>
-      </p:sp>
-      <p:sp>
-        <p:nvSpPr>
-          <p:cNvPr id="9" name="TextBox 8"/>
-          <p:cNvSpPr txBox="1"/>
-          <p:nvPr/>
-        </p:nvSpPr>
-        <p:spPr>
-          <a:xfrm>
-            <a:off x="228600" y="1676400"/>
-            <a:ext cx="8763000" cy="5016758"/>
-          </a:xfrm>
-          <a:prstGeom prst="rect">
-            <a:avLst/>
-          </a:prstGeom>
-          <a:noFill/>
-        </p:spPr>
-        <p:txBody>
-          <a:bodyPr wrap="square" rtlCol="0">
-            <a:spAutoFit/>
-          </a:bodyPr>
-          <a:lstStyle/>
-          <a:p>
-            <a:r>
-              <a:rPr lang="en-US" sz="3200" dirty="0"/>
-              <a:t>Here is the key term that generates PV on the Earth</a:t>
-            </a:r>
-          </a:p>
-          <a:p>
-            <a:endParaRPr lang="en-US" sz="3200" dirty="0"/>
-          </a:p>
-          <a:p>
-            <a:endParaRPr lang="en-US" sz="3200" dirty="0"/>
-          </a:p>
-          <a:p>
-            <a:endParaRPr lang="en-US" sz="3200" dirty="0"/>
-          </a:p>
-          <a:p>
-            <a:endParaRPr lang="en-US" sz="3200" dirty="0"/>
-          </a:p>
-          <a:p>
-            <a:pPr marL="514350" indent="-514350">
-              <a:buAutoNum type="arabicPeriod"/>
-            </a:pPr>
-            <a:r>
-              <a:rPr lang="en-US" sz="3200" dirty="0"/>
-              <a:t>We have available T tendencies, not theta tendencies, but can still eyeball the sense of the term above since </a:t>
-            </a:r>
-          </a:p>
-          <a:p>
-            <a:pPr marL="514350" indent="-514350">
-              <a:buAutoNum type="arabicPeriod"/>
-            </a:pPr>
-            <a:r>
-              <a:rPr lang="en-US" sz="3200" dirty="0"/>
-              <a:t>For large scale motions, f is most of the absolute vorticity. Therefore, you will estimate/explain:</a:t>
-            </a:r>
-          </a:p>
-        </p:txBody>
-      </p:sp>
-      <p:sp>
-        <p:nvSpPr>
-          <p:cNvPr id="13" name="Rectangle 12"/>
-          <p:cNvSpPr/>
-          <p:nvPr/>
-        </p:nvSpPr>
-        <p:spPr>
-          <a:xfrm>
-            <a:off x="4572000" y="2438400"/>
-            <a:ext cx="2895600" cy="1447800"/>
-          </a:xfrm>
-          <a:prstGeom prst="rect">
-            <a:avLst/>
-          </a:prstGeom>
-          <a:noFill/>
-        </p:spPr>
-        <p:style>
-          <a:lnRef idx="1">
-            <a:schemeClr val="accent1"/>
-          </a:lnRef>
-          <a:fillRef idx="3">
-            <a:schemeClr val="accent1"/>
-          </a:fillRef>
-          <a:effectRef idx="2">
-            <a:schemeClr val="accent1"/>
-          </a:effectRef>
-          <a:fontRef idx="minor">
-            <a:schemeClr val="lt1"/>
-          </a:fontRef>
-        </p:style>
-        <p:txBody>
-          <a:bodyPr rtlCol="0" anchor="ctr"/>
-          <a:lstStyle/>
-          <a:p>
-            <a:pPr algn="ctr"/>
-            <a:endParaRPr lang="en-US"/>
-          </a:p>
-        </p:txBody>
-      </p:sp>
-      <p:pic>
-        <p:nvPicPr>
-          <p:cNvPr id="3" name="Picture 2">
-            <a:extLst>
-              <a:ext uri="{FF2B5EF4-FFF2-40B4-BE49-F238E27FC236}">
-                <a16:creationId xmlns:a16="http://schemas.microsoft.com/office/drawing/2014/main" id="{8A9928E2-D5EC-584C-B336-D0C80DFB52F7}"/>
-              </a:ext>
-            </a:extLst>
-          </p:cNvPr>
-          <p:cNvPicPr>
-            <a:picLocks noChangeAspect="1"/>
-          </p:cNvPicPr>
-          <p:nvPr/>
-        </p:nvPicPr>
-        <p:blipFill>
-          <a:blip r:embed="rId2"/>
-          <a:stretch>
-            <a:fillRect/>
-          </a:stretch>
-        </p:blipFill>
-        <p:spPr>
-          <a:xfrm>
-            <a:off x="1905000" y="2667000"/>
-            <a:ext cx="5308600" cy="1143000"/>
-          </a:xfrm>
-          <a:prstGeom prst="rect">
-            <a:avLst/>
-          </a:prstGeom>
-        </p:spPr>
-      </p:pic>
-      <p:pic>
-        <p:nvPicPr>
-          <p:cNvPr id="7" name="Picture 6">
-            <a:extLst>
-              <a:ext uri="{FF2B5EF4-FFF2-40B4-BE49-F238E27FC236}">
-                <a16:creationId xmlns:a16="http://schemas.microsoft.com/office/drawing/2014/main" id="{12D7200D-3590-2241-9C6D-92B48876F5D7}"/>
-              </a:ext>
-            </a:extLst>
-          </p:cNvPr>
-          <p:cNvPicPr>
-            <a:picLocks noChangeAspect="1"/>
-          </p:cNvPicPr>
-          <p:nvPr/>
-        </p:nvPicPr>
-        <p:blipFill>
-          <a:blip r:embed="rId3"/>
-          <a:stretch>
-            <a:fillRect/>
-          </a:stretch>
-        </p:blipFill>
-        <p:spPr>
-          <a:xfrm>
-            <a:off x="4419600" y="5105400"/>
-            <a:ext cx="3810000" cy="546100"/>
-          </a:xfrm>
-          <a:prstGeom prst="rect">
-            <a:avLst/>
-          </a:prstGeom>
-        </p:spPr>
-      </p:pic>
-    </p:spTree>
-    <p:extLst>
-      <p:ext uri="{BB962C8B-B14F-4D97-AF65-F5344CB8AC3E}">
-        <p14:creationId xmlns:p14="http://schemas.microsoft.com/office/powerpoint/2010/main" val="729748957"/>
-      </p:ext>
-    </p:extLst>
-  </p:cSld>
-  <p:clrMapOvr>
-    <a:masterClrMapping/>
-  </p:clrMapOvr>
-</p:sld>
-</file>
-
-<file path=ppt/slides/slide8.xml><?xml version="1.0" encoding="utf-8"?>
-<p:sld xmlns:a="http://schemas.openxmlformats.org/drawingml/2006/main" xmlns:r="http://schemas.openxmlformats.org/officeDocument/2006/relationships" xmlns:p="http://schemas.openxmlformats.org/presentationml/2006/main">
-  <p:cSld>
-    <p:spTree>
-      <p:nvGrpSpPr>
-        <p:cNvPr id="1" name=""/>
-        <p:cNvGrpSpPr/>
-        <p:nvPr/>
-      </p:nvGrpSpPr>
-      <p:grpSpPr>
-        <a:xfrm>
-          <a:off x="0" y="0"/>
-          <a:ext cx="0" cy="0"/>
-          <a:chOff x="0" y="0"/>
-          <a:chExt cx="0" cy="0"/>
-        </a:xfrm>
-      </p:grpSpPr>
-      <p:sp>
-        <p:nvSpPr>
-          <p:cNvPr id="2" name="Title 1"/>
-          <p:cNvSpPr>
-            <a:spLocks noGrp="1"/>
-          </p:cNvSpPr>
-          <p:nvPr>
-            <p:ph type="title"/>
-          </p:nvPr>
-        </p:nvSpPr>
-        <p:spPr>
-          <a:xfrm>
-            <a:off x="457200" y="685800"/>
-            <a:ext cx="8229600" cy="1143000"/>
-          </a:xfrm>
-        </p:spPr>
-        <p:txBody>
-          <a:bodyPr>
-            <a:normAutofit/>
-          </a:bodyPr>
-          <a:lstStyle/>
-          <a:p>
-            <a:r>
-              <a:rPr lang="en-US" dirty="0"/>
-              <a:t>PV is conserved -- almost</a:t>
-            </a:r>
-          </a:p>
-        </p:txBody>
-      </p:sp>
-      <p:sp>
-        <p:nvSpPr>
-          <p:cNvPr id="9" name="TextBox 8"/>
-          <p:cNvSpPr txBox="1"/>
-          <p:nvPr/>
-        </p:nvSpPr>
-        <p:spPr>
-          <a:xfrm>
-            <a:off x="228600" y="1676400"/>
-            <a:ext cx="8763000" cy="4524315"/>
-          </a:xfrm>
-          <a:prstGeom prst="rect">
-            <a:avLst/>
-          </a:prstGeom>
-          <a:noFill/>
-        </p:spPr>
-        <p:txBody>
-          <a:bodyPr wrap="square" rtlCol="0">
-            <a:spAutoFit/>
-          </a:bodyPr>
-          <a:lstStyle/>
-          <a:p>
-            <a:r>
-              <a:rPr lang="en-US" sz="3200" dirty="0">
-                <a:solidFill>
-                  <a:srgbClr val="FF0000"/>
-                </a:solidFill>
-              </a:rPr>
-              <a:t>APPROXIMATE</a:t>
-            </a:r>
-            <a:r>
-              <a:rPr lang="en-US" sz="3200" dirty="0"/>
-              <a:t> term that generates PV on the Earth</a:t>
-            </a:r>
-          </a:p>
-          <a:p>
-            <a:endParaRPr lang="en-US" sz="3200" dirty="0"/>
-          </a:p>
-          <a:p>
-            <a:endParaRPr lang="en-US" sz="3200" dirty="0"/>
-          </a:p>
-          <a:p>
-            <a:endParaRPr lang="en-US" sz="3200" dirty="0"/>
-          </a:p>
-          <a:p>
-            <a:endParaRPr lang="en-US" sz="3200" dirty="0"/>
-          </a:p>
-          <a:p>
-            <a:endParaRPr lang="en-US" sz="3200" dirty="0"/>
-          </a:p>
-          <a:p>
-            <a:r>
-              <a:rPr lang="en-US" sz="3200" dirty="0"/>
-              <a:t>Mostly, you are looking for </a:t>
-            </a:r>
-            <a:r>
-              <a:rPr lang="en-US" sz="3200" dirty="0">
-                <a:solidFill>
-                  <a:srgbClr val="FF0000"/>
-                </a:solidFill>
-              </a:rPr>
-              <a:t>WHERE HEATING RATE INCREASES WITH HEIGHT, WEIGHTED BY f. </a:t>
-            </a:r>
-            <a:r>
-              <a:rPr lang="en-US" sz="3200" dirty="0"/>
-              <a:t>In both hemispheres… so be careful with ”cyclonic”. </a:t>
-            </a:r>
-          </a:p>
-        </p:txBody>
-      </p:sp>
-      <p:sp>
-        <p:nvSpPr>
-          <p:cNvPr id="13" name="Rectangle 12"/>
-          <p:cNvSpPr/>
-          <p:nvPr/>
-        </p:nvSpPr>
-        <p:spPr>
-          <a:xfrm>
-            <a:off x="4572000" y="2438400"/>
-            <a:ext cx="2895600" cy="1447800"/>
-          </a:xfrm>
-          <a:prstGeom prst="rect">
-            <a:avLst/>
-          </a:prstGeom>
-          <a:noFill/>
-        </p:spPr>
-        <p:style>
-          <a:lnRef idx="1">
-            <a:schemeClr val="accent1"/>
-          </a:lnRef>
-          <a:fillRef idx="3">
-            <a:schemeClr val="accent1"/>
-          </a:fillRef>
-          <a:effectRef idx="2">
-            <a:schemeClr val="accent1"/>
-          </a:effectRef>
-          <a:fontRef idx="minor">
-            <a:schemeClr val="lt1"/>
-          </a:fontRef>
-        </p:style>
-        <p:txBody>
-          <a:bodyPr rtlCol="0" anchor="ctr"/>
-          <a:lstStyle/>
-          <a:p>
-            <a:pPr algn="ctr"/>
-            <a:endParaRPr lang="en-US"/>
-          </a:p>
-        </p:txBody>
-      </p:sp>
-      <p:pic>
-        <p:nvPicPr>
-          <p:cNvPr id="4" name="Picture 3">
-            <a:extLst>
-              <a:ext uri="{FF2B5EF4-FFF2-40B4-BE49-F238E27FC236}">
-                <a16:creationId xmlns:a16="http://schemas.microsoft.com/office/drawing/2014/main" id="{1FD8AED8-716E-4A4D-ACBE-E4E1D41B753B}"/>
-              </a:ext>
-            </a:extLst>
-          </p:cNvPr>
-          <p:cNvPicPr>
-            <a:picLocks noChangeAspect="1"/>
-          </p:cNvPicPr>
-          <p:nvPr/>
-        </p:nvPicPr>
-        <p:blipFill>
-          <a:blip r:embed="rId2"/>
-          <a:stretch>
-            <a:fillRect/>
-          </a:stretch>
-        </p:blipFill>
-        <p:spPr>
-          <a:xfrm>
-            <a:off x="1981200" y="2667000"/>
-            <a:ext cx="4876800" cy="1143000"/>
-          </a:xfrm>
-          <a:prstGeom prst="rect">
-            <a:avLst/>
-          </a:prstGeom>
-        </p:spPr>
-      </p:pic>
-    </p:spTree>
-    <p:extLst>
-      <p:ext uri="{BB962C8B-B14F-4D97-AF65-F5344CB8AC3E}">
-        <p14:creationId xmlns:p14="http://schemas.microsoft.com/office/powerpoint/2010/main" val="1296750083"/>
-      </p:ext>
-    </p:extLst>
-  </p:cSld>
-  <p:clrMapOvr>
-    <a:masterClrMapping/>
-  </p:clrMapOvr>
-</p:sld>
-</file>
-
-<file path=ppt/slides/slide9.xml><?xml version="1.0" encoding="utf-8"?>
 <p:sld xmlns:a="http://schemas.openxmlformats.org/drawingml/2006/main" xmlns:r="http://schemas.openxmlformats.org/officeDocument/2006/relationships" xmlns:p="http://schemas.openxmlformats.org/presentationml/2006/main">
   <p:cSld>
     <p:spTree>
@@ -28457,13 +28157,21 @@
         </p:spPr>
         <p:txBody>
           <a:bodyPr>
-            <a:normAutofit fontScale="92500"/>
+            <a:normAutofit fontScale="92500" lnSpcReduction="10000"/>
           </a:bodyPr>
           <a:lstStyle/>
           <a:p>
             <a:r>
               <a:rPr lang="en-US" dirty="0"/>
-              <a:t>Open the bundle 11-10-98 PV budget </a:t>
+              <a:t>Open the bundle </a:t>
+            </a:r>
+            <a:r>
+              <a:rPr lang="en-US" dirty="0">
+                <a:solidFill>
+                  <a:srgbClr val="FF0000"/>
+                </a:solidFill>
+              </a:rPr>
+              <a:t>11-10-98 PV budget </a:t>
             </a:r>
           </a:p>
           <a:p>
@@ -28518,7 +28226,15 @@
             <a:pPr lvl="1"/>
             <a:r>
               <a:rPr lang="en-US" dirty="0"/>
-              <a:t>A map view with many displays. </a:t>
+              <a:t>A map view with many displays (including </a:t>
+            </a:r>
+            <a:r>
+              <a:rPr lang="en-US" b="1" dirty="0"/>
+              <a:t>movable cross sections</a:t>
+            </a:r>
+            <a:r>
+              <a:rPr lang="en-US" dirty="0"/>
+              <a:t>). </a:t>
             </a:r>
           </a:p>
         </p:txBody>
@@ -28557,6 +28273,763 @@
     <p:extLst>
       <p:ext uri="{BB962C8B-B14F-4D97-AF65-F5344CB8AC3E}">
         <p14:creationId xmlns:p14="http://schemas.microsoft.com/office/powerpoint/2010/main" val="1338232276"/>
+      </p:ext>
+    </p:extLst>
+  </p:cSld>
+  <p:clrMapOvr>
+    <a:masterClrMapping/>
+  </p:clrMapOvr>
+</p:sld>
+</file>
+
+<file path=ppt/slides/slide6.xml><?xml version="1.0" encoding="utf-8"?>
+<p:sld xmlns:a="http://schemas.openxmlformats.org/drawingml/2006/main" xmlns:r="http://schemas.openxmlformats.org/officeDocument/2006/relationships" xmlns:p="http://schemas.openxmlformats.org/presentationml/2006/main">
+  <p:cSld>
+    <p:spTree>
+      <p:nvGrpSpPr>
+        <p:cNvPr id="1" name=""/>
+        <p:cNvGrpSpPr/>
+        <p:nvPr/>
+      </p:nvGrpSpPr>
+      <p:grpSpPr>
+        <a:xfrm>
+          <a:off x="0" y="0"/>
+          <a:ext cx="0" cy="0"/>
+          <a:chOff x="0" y="0"/>
+          <a:chExt cx="0" cy="0"/>
+        </a:xfrm>
+      </p:grpSpPr>
+      <p:sp>
+        <p:nvSpPr>
+          <p:cNvPr id="2" name="Title 1">
+            <a:extLst>
+              <a:ext uri="{FF2B5EF4-FFF2-40B4-BE49-F238E27FC236}">
+                <a16:creationId xmlns:a16="http://schemas.microsoft.com/office/drawing/2014/main" id="{9E46DD3A-A9F6-014E-BEBB-5C32087B7B32}"/>
+              </a:ext>
+            </a:extLst>
+          </p:cNvPr>
+          <p:cNvSpPr>
+            <a:spLocks noGrp="1"/>
+          </p:cNvSpPr>
+          <p:nvPr>
+            <p:ph type="title"/>
+          </p:nvPr>
+        </p:nvSpPr>
+        <p:spPr>
+          <a:xfrm>
+            <a:off x="457200" y="274638"/>
+            <a:ext cx="8229600" cy="1630362"/>
+          </a:xfrm>
+        </p:spPr>
+        <p:txBody>
+          <a:bodyPr>
+            <a:normAutofit fontScale="90000"/>
+          </a:bodyPr>
+          <a:lstStyle/>
+          <a:p>
+            <a:r>
+              <a:rPr lang="en-US" dirty="0">
+                <a:solidFill>
+                  <a:srgbClr val="FF0000"/>
+                </a:solidFill>
+              </a:rPr>
+              <a:t>transect</a:t>
+            </a:r>
+            <a:r>
+              <a:rPr lang="en-US" dirty="0"/>
+              <a:t> of </a:t>
+            </a:r>
+            <a:r>
+              <a:rPr lang="en-US" i="1" dirty="0"/>
+              <a:t>zonal mean </a:t>
+            </a:r>
+            <a:r>
+              <a:rPr lang="en-US" dirty="0" err="1"/>
+              <a:t>diab</a:t>
+            </a:r>
+            <a:r>
+              <a:rPr lang="en-US" dirty="0"/>
+              <a:t>. heating, </a:t>
+            </a:r>
+            <a:br>
+              <a:rPr lang="en-US" dirty="0"/>
+            </a:br>
+            <a:r>
+              <a:rPr lang="en-US" dirty="0">
+                <a:solidFill>
+                  <a:srgbClr val="FF0000"/>
+                </a:solidFill>
+              </a:rPr>
+              <a:t>cross section </a:t>
+            </a:r>
+            <a:r>
+              <a:rPr lang="en-US" dirty="0"/>
+              <a:t>of total </a:t>
+            </a:r>
+            <a:r>
+              <a:rPr lang="en-US" dirty="0" err="1"/>
+              <a:t>diab</a:t>
+            </a:r>
+            <a:r>
+              <a:rPr lang="en-US" dirty="0"/>
+              <a:t>. heating,</a:t>
+            </a:r>
+            <a:br>
+              <a:rPr lang="en-US" dirty="0"/>
+            </a:br>
+            <a:r>
+              <a:rPr lang="en-US" dirty="0">
+                <a:solidFill>
+                  <a:srgbClr val="FF0000"/>
+                </a:solidFill>
+              </a:rPr>
+              <a:t>map</a:t>
+            </a:r>
+            <a:r>
+              <a:rPr lang="en-US" dirty="0"/>
+              <a:t> of column integral </a:t>
+            </a:r>
+            <a:r>
+              <a:rPr lang="en-US" dirty="0" err="1"/>
+              <a:t>diab</a:t>
+            </a:r>
+            <a:r>
+              <a:rPr lang="en-US" dirty="0"/>
+              <a:t>. heating </a:t>
+            </a:r>
+          </a:p>
+        </p:txBody>
+      </p:sp>
+      <p:sp>
+        <p:nvSpPr>
+          <p:cNvPr id="3" name="Content Placeholder 2">
+            <a:extLst>
+              <a:ext uri="{FF2B5EF4-FFF2-40B4-BE49-F238E27FC236}">
+                <a16:creationId xmlns:a16="http://schemas.microsoft.com/office/drawing/2014/main" id="{32917AE7-F714-2241-8912-FA34BAF84360}"/>
+              </a:ext>
+            </a:extLst>
+          </p:cNvPr>
+          <p:cNvSpPr>
+            <a:spLocks noGrp="1"/>
+          </p:cNvSpPr>
+          <p:nvPr>
+            <p:ph idx="1"/>
+          </p:nvPr>
+        </p:nvSpPr>
+        <p:spPr>
+          <a:xfrm>
+            <a:off x="457200" y="2590800"/>
+            <a:ext cx="8229600" cy="3535363"/>
+          </a:xfrm>
+        </p:spPr>
+        <p:txBody>
+          <a:bodyPr/>
+          <a:lstStyle/>
+          <a:p>
+            <a:endParaRPr lang="en-US" dirty="0"/>
+          </a:p>
+        </p:txBody>
+      </p:sp>
+      <p:pic>
+        <p:nvPicPr>
+          <p:cNvPr id="5" name="Picture 4">
+            <a:extLst>
+              <a:ext uri="{FF2B5EF4-FFF2-40B4-BE49-F238E27FC236}">
+                <a16:creationId xmlns:a16="http://schemas.microsoft.com/office/drawing/2014/main" id="{8974D413-6F1C-CD43-8EA5-A23385710C15}"/>
+              </a:ext>
+            </a:extLst>
+          </p:cNvPr>
+          <p:cNvPicPr>
+            <a:picLocks noChangeAspect="1"/>
+          </p:cNvPicPr>
+          <p:nvPr/>
+        </p:nvPicPr>
+        <p:blipFill>
+          <a:blip r:embed="rId2"/>
+          <a:stretch>
+            <a:fillRect/>
+          </a:stretch>
+        </p:blipFill>
+        <p:spPr>
+          <a:xfrm>
+            <a:off x="20782" y="2286000"/>
+            <a:ext cx="9144000" cy="2640594"/>
+          </a:xfrm>
+          <a:prstGeom prst="rect">
+            <a:avLst/>
+          </a:prstGeom>
+        </p:spPr>
+      </p:pic>
+    </p:spTree>
+    <p:extLst>
+      <p:ext uri="{BB962C8B-B14F-4D97-AF65-F5344CB8AC3E}">
+        <p14:creationId xmlns:p14="http://schemas.microsoft.com/office/powerpoint/2010/main" val="615945789"/>
+      </p:ext>
+    </p:extLst>
+  </p:cSld>
+  <p:clrMapOvr>
+    <a:masterClrMapping/>
+  </p:clrMapOvr>
+</p:sld>
+</file>
+
+<file path=ppt/slides/slide7.xml><?xml version="1.0" encoding="utf-8"?>
+<p:sld xmlns:a="http://schemas.openxmlformats.org/drawingml/2006/main" xmlns:r="http://schemas.openxmlformats.org/officeDocument/2006/relationships" xmlns:p="http://schemas.openxmlformats.org/presentationml/2006/main">
+  <p:cSld>
+    <p:spTree>
+      <p:nvGrpSpPr>
+        <p:cNvPr id="1" name=""/>
+        <p:cNvGrpSpPr/>
+        <p:nvPr/>
+      </p:nvGrpSpPr>
+      <p:grpSpPr>
+        <a:xfrm>
+          <a:off x="0" y="0"/>
+          <a:ext cx="0" cy="0"/>
+          <a:chOff x="0" y="0"/>
+          <a:chExt cx="0" cy="0"/>
+        </a:xfrm>
+      </p:grpSpPr>
+      <p:sp>
+        <p:nvSpPr>
+          <p:cNvPr id="3" name="Content Placeholder 2">
+            <a:extLst>
+              <a:ext uri="{FF2B5EF4-FFF2-40B4-BE49-F238E27FC236}">
+                <a16:creationId xmlns:a16="http://schemas.microsoft.com/office/drawing/2014/main" id="{3F944A68-8FCF-E14C-97F2-BB1E8B863D2F}"/>
+              </a:ext>
+            </a:extLst>
+          </p:cNvPr>
+          <p:cNvSpPr>
+            <a:spLocks noGrp="1"/>
+          </p:cNvSpPr>
+          <p:nvPr>
+            <p:ph idx="1"/>
+          </p:nvPr>
+        </p:nvSpPr>
+        <p:spPr/>
+        <p:txBody>
+          <a:bodyPr/>
+          <a:lstStyle/>
+          <a:p>
+            <a:pPr marL="514350" indent="-514350">
+              <a:buFont typeface="+mj-lt"/>
+              <a:buAutoNum type="arabicPeriod"/>
+            </a:pPr>
+            <a:r>
+              <a:rPr lang="en-US" dirty="0"/>
+              <a:t>What time of year is it? How can you see that in the </a:t>
+            </a:r>
+            <a:r>
+              <a:rPr lang="en-US" dirty="0">
+                <a:solidFill>
+                  <a:srgbClr val="FF0000"/>
+                </a:solidFill>
+              </a:rPr>
+              <a:t>column-integrated heating rate </a:t>
+            </a:r>
+            <a:r>
+              <a:rPr lang="en-US" dirty="0"/>
+              <a:t>map </a:t>
+            </a:r>
+            <a:r>
+              <a:rPr lang="en-US" dirty="0" err="1"/>
+              <a:t>dthdt_phy</a:t>
+            </a:r>
+            <a:r>
+              <a:rPr lang="en-US" dirty="0"/>
+              <a:t>, or other radiative heating rates?</a:t>
+            </a:r>
+          </a:p>
+          <a:p>
+            <a:pPr marL="514350" indent="-514350">
+              <a:buFont typeface="+mj-lt"/>
+              <a:buAutoNum type="arabicPeriod"/>
+            </a:pPr>
+            <a:endParaRPr lang="en-US" dirty="0"/>
+          </a:p>
+          <a:p>
+            <a:pPr marL="514350" indent="-514350">
+              <a:buFont typeface="+mj-lt"/>
+              <a:buAutoNum type="arabicPeriod"/>
+            </a:pPr>
+            <a:endParaRPr lang="en-US" dirty="0"/>
+          </a:p>
+          <a:p>
+            <a:pPr marL="514350" indent="-514350">
+              <a:buFont typeface="+mj-lt"/>
+              <a:buAutoNum type="arabicPeriod"/>
+            </a:pPr>
+            <a:endParaRPr lang="en-US" dirty="0"/>
+          </a:p>
+          <a:p>
+            <a:pPr marL="514350" indent="-514350">
+              <a:buFont typeface="+mj-lt"/>
+              <a:buAutoNum type="arabicPeriod"/>
+            </a:pPr>
+            <a:endParaRPr lang="en-US" dirty="0"/>
+          </a:p>
+          <a:p>
+            <a:endParaRPr lang="en-US" dirty="0"/>
+          </a:p>
+          <a:p>
+            <a:endParaRPr lang="en-US" dirty="0"/>
+          </a:p>
+          <a:p>
+            <a:endParaRPr lang="en-US" dirty="0"/>
+          </a:p>
+        </p:txBody>
+      </p:sp>
+      <p:sp>
+        <p:nvSpPr>
+          <p:cNvPr id="4" name="Title 1">
+            <a:extLst>
+              <a:ext uri="{FF2B5EF4-FFF2-40B4-BE49-F238E27FC236}">
+                <a16:creationId xmlns:a16="http://schemas.microsoft.com/office/drawing/2014/main" id="{030F3F80-5F93-7E48-B936-E3FB98C4ECFD}"/>
+              </a:ext>
+            </a:extLst>
+          </p:cNvPr>
+          <p:cNvSpPr>
+            <a:spLocks noGrp="1"/>
+          </p:cNvSpPr>
+          <p:nvPr>
+            <p:ph type="title"/>
+          </p:nvPr>
+        </p:nvSpPr>
+        <p:spPr/>
+        <p:txBody>
+          <a:bodyPr/>
+          <a:lstStyle/>
+          <a:p>
+            <a:r>
+              <a:rPr lang="en-US" dirty="0">
+                <a:solidFill>
+                  <a:srgbClr val="FF0000"/>
+                </a:solidFill>
+              </a:rPr>
+              <a:t>Assignment part 1: global view </a:t>
+            </a:r>
+          </a:p>
+        </p:txBody>
+      </p:sp>
+      <p:pic>
+        <p:nvPicPr>
+          <p:cNvPr id="5" name="Picture 4">
+            <a:extLst>
+              <a:ext uri="{FF2B5EF4-FFF2-40B4-BE49-F238E27FC236}">
+                <a16:creationId xmlns:a16="http://schemas.microsoft.com/office/drawing/2014/main" id="{B00CDC2D-0164-0B49-B585-B3740CF4ED6A}"/>
+              </a:ext>
+            </a:extLst>
+          </p:cNvPr>
+          <p:cNvPicPr>
+            <a:picLocks noChangeAspect="1"/>
+          </p:cNvPicPr>
+          <p:nvPr/>
+        </p:nvPicPr>
+        <p:blipFill>
+          <a:blip r:embed="rId2"/>
+          <a:stretch>
+            <a:fillRect/>
+          </a:stretch>
+        </p:blipFill>
+        <p:spPr>
+          <a:xfrm>
+            <a:off x="3352800" y="3733800"/>
+            <a:ext cx="2832100" cy="762000"/>
+          </a:xfrm>
+          <a:prstGeom prst="rect">
+            <a:avLst/>
+          </a:prstGeom>
+        </p:spPr>
+      </p:pic>
+    </p:spTree>
+    <p:extLst>
+      <p:ext uri="{BB962C8B-B14F-4D97-AF65-F5344CB8AC3E}">
+        <p14:creationId xmlns:p14="http://schemas.microsoft.com/office/powerpoint/2010/main" val="2982250278"/>
+      </p:ext>
+    </p:extLst>
+  </p:cSld>
+  <p:clrMapOvr>
+    <a:masterClrMapping/>
+  </p:clrMapOvr>
+</p:sld>
+</file>
+
+<file path=ppt/slides/slide8.xml><?xml version="1.0" encoding="utf-8"?>
+<p:sld xmlns:a="http://schemas.openxmlformats.org/drawingml/2006/main" xmlns:r="http://schemas.openxmlformats.org/officeDocument/2006/relationships" xmlns:p="http://schemas.openxmlformats.org/presentationml/2006/main">
+  <p:cSld>
+    <p:spTree>
+      <p:nvGrpSpPr>
+        <p:cNvPr id="1" name=""/>
+        <p:cNvGrpSpPr/>
+        <p:nvPr/>
+      </p:nvGrpSpPr>
+      <p:grpSpPr>
+        <a:xfrm>
+          <a:off x="0" y="0"/>
+          <a:ext cx="0" cy="0"/>
+          <a:chOff x="0" y="0"/>
+          <a:chExt cx="0" cy="0"/>
+        </a:xfrm>
+      </p:grpSpPr>
+      <p:sp>
+        <p:nvSpPr>
+          <p:cNvPr id="2" name="Title 1">
+            <a:extLst>
+              <a:ext uri="{FF2B5EF4-FFF2-40B4-BE49-F238E27FC236}">
+                <a16:creationId xmlns:a16="http://schemas.microsoft.com/office/drawing/2014/main" id="{354F70AF-4250-514D-AE16-0AEE828D41E3}"/>
+              </a:ext>
+            </a:extLst>
+          </p:cNvPr>
+          <p:cNvSpPr>
+            <a:spLocks noGrp="1"/>
+          </p:cNvSpPr>
+          <p:nvPr>
+            <p:ph type="title"/>
+          </p:nvPr>
+        </p:nvSpPr>
+        <p:spPr/>
+        <p:txBody>
+          <a:bodyPr/>
+          <a:lstStyle/>
+          <a:p>
+            <a:r>
+              <a:rPr lang="en-US" dirty="0">
+                <a:solidFill>
+                  <a:srgbClr val="FF0000"/>
+                </a:solidFill>
+              </a:rPr>
+              <a:t>Assignment part 1: global view </a:t>
+            </a:r>
+            <a:endParaRPr lang="en-US" dirty="0"/>
+          </a:p>
+        </p:txBody>
+      </p:sp>
+      <p:sp>
+        <p:nvSpPr>
+          <p:cNvPr id="3" name="Content Placeholder 2">
+            <a:extLst>
+              <a:ext uri="{FF2B5EF4-FFF2-40B4-BE49-F238E27FC236}">
+                <a16:creationId xmlns:a16="http://schemas.microsoft.com/office/drawing/2014/main" id="{688D766A-D84B-7542-8C70-D0CA718A48E0}"/>
+              </a:ext>
+            </a:extLst>
+          </p:cNvPr>
+          <p:cNvSpPr>
+            <a:spLocks noGrp="1"/>
+          </p:cNvSpPr>
+          <p:nvPr>
+            <p:ph idx="1"/>
+          </p:nvPr>
+        </p:nvSpPr>
+        <p:spPr/>
+        <p:txBody>
+          <a:bodyPr/>
+          <a:lstStyle/>
+          <a:p>
+            <a:r>
+              <a:rPr lang="en-US" dirty="0"/>
+              <a:t>Now turn to the Transect View window, showing average cross sections all around the Earth. </a:t>
+            </a:r>
+            <a:r>
+              <a:rPr lang="en-US" dirty="0">
+                <a:solidFill>
+                  <a:srgbClr val="FF0000"/>
+                </a:solidFill>
+              </a:rPr>
+              <a:t>Create a slide showing the transect of total diabatic heating. Label it: where is the south pole, the north pole? </a:t>
+            </a:r>
+            <a:r>
+              <a:rPr lang="en-US" dirty="0"/>
+              <a:t>Hint: Antarctica is mountainous. </a:t>
+            </a:r>
+          </a:p>
+          <a:p>
+            <a:r>
+              <a:rPr lang="en-US" dirty="0"/>
+              <a:t>The units of all heating rates are are K/s. </a:t>
+            </a:r>
+            <a:r>
+              <a:rPr lang="en-US" dirty="0">
+                <a:solidFill>
+                  <a:srgbClr val="FF0000"/>
+                </a:solidFill>
+              </a:rPr>
+              <a:t>What is the color range in K/day?</a:t>
+            </a:r>
+          </a:p>
+        </p:txBody>
+      </p:sp>
+    </p:spTree>
+    <p:extLst>
+      <p:ext uri="{BB962C8B-B14F-4D97-AF65-F5344CB8AC3E}">
+        <p14:creationId xmlns:p14="http://schemas.microsoft.com/office/powerpoint/2010/main" val="3124434654"/>
+      </p:ext>
+    </p:extLst>
+  </p:cSld>
+  <p:clrMapOvr>
+    <a:masterClrMapping/>
+  </p:clrMapOvr>
+</p:sld>
+</file>
+
+<file path=ppt/slides/slide9.xml><?xml version="1.0" encoding="utf-8"?>
+<p:sld xmlns:a="http://schemas.openxmlformats.org/drawingml/2006/main" xmlns:r="http://schemas.openxmlformats.org/officeDocument/2006/relationships" xmlns:p="http://schemas.openxmlformats.org/presentationml/2006/main">
+  <p:cSld>
+    <p:spTree>
+      <p:nvGrpSpPr>
+        <p:cNvPr id="1" name=""/>
+        <p:cNvGrpSpPr/>
+        <p:nvPr/>
+      </p:nvGrpSpPr>
+      <p:grpSpPr>
+        <a:xfrm>
+          <a:off x="0" y="0"/>
+          <a:ext cx="0" cy="0"/>
+          <a:chOff x="0" y="0"/>
+          <a:chExt cx="0" cy="0"/>
+        </a:xfrm>
+      </p:grpSpPr>
+      <p:sp>
+        <p:nvSpPr>
+          <p:cNvPr id="2" name="Title 1">
+            <a:extLst>
+              <a:ext uri="{FF2B5EF4-FFF2-40B4-BE49-F238E27FC236}">
+                <a16:creationId xmlns:a16="http://schemas.microsoft.com/office/drawing/2014/main" id="{C21B801D-2D15-FF4D-A6A5-B34D0101C9FB}"/>
+              </a:ext>
+            </a:extLst>
+          </p:cNvPr>
+          <p:cNvSpPr>
+            <a:spLocks noGrp="1"/>
+          </p:cNvSpPr>
+          <p:nvPr>
+            <p:ph type="title"/>
+          </p:nvPr>
+        </p:nvSpPr>
+        <p:spPr/>
+        <p:txBody>
+          <a:bodyPr/>
+          <a:lstStyle/>
+          <a:p>
+            <a:r>
+              <a:rPr lang="en-US" dirty="0">
+                <a:solidFill>
+                  <a:srgbClr val="FF0000"/>
+                </a:solidFill>
+              </a:rPr>
+              <a:t>Assignment part 1: global view </a:t>
+            </a:r>
+            <a:endParaRPr lang="en-US" dirty="0"/>
+          </a:p>
+        </p:txBody>
+      </p:sp>
+      <mc:AlternateContent xmlns:mc="http://schemas.openxmlformats.org/markup-compatibility/2006">
+        <mc:Choice xmlns:a14="http://schemas.microsoft.com/office/drawing/2010/main" Requires="a14">
+          <p:sp>
+            <p:nvSpPr>
+              <p:cNvPr id="3" name="Content Placeholder 2">
+                <a:extLst>
+                  <a:ext uri="{FF2B5EF4-FFF2-40B4-BE49-F238E27FC236}">
+                    <a16:creationId xmlns:a16="http://schemas.microsoft.com/office/drawing/2014/main" id="{8150F964-6D0B-2049-928A-EE889D5DFC60}"/>
+                  </a:ext>
+                </a:extLst>
+              </p:cNvPr>
+              <p:cNvSpPr>
+                <a:spLocks noGrp="1"/>
+              </p:cNvSpPr>
+              <p:nvPr>
+                <p:ph idx="1"/>
+              </p:nvPr>
+            </p:nvSpPr>
+            <p:spPr/>
+            <p:txBody>
+              <a:bodyPr>
+                <a:normAutofit fontScale="77500" lnSpcReduction="20000"/>
+              </a:bodyPr>
+              <a:lstStyle/>
+              <a:p>
+                <a:r>
+                  <a:rPr lang="en-US" dirty="0"/>
+                  <a:t>Create slides with transect images showing individual terms of the zonal mean heat budget.</a:t>
+                </a:r>
+              </a:p>
+              <a:p>
+                <a:r>
+                  <a:rPr lang="en-US" dirty="0"/>
+                  <a:t>Use that imagery to </a:t>
+                </a:r>
+                <a:r>
+                  <a:rPr lang="en-US" dirty="0">
+                    <a:solidFill>
+                      <a:srgbClr val="FF0000"/>
+                    </a:solidFill>
+                  </a:rPr>
+                  <a:t>explain the nature of all the main features in your total diabatic heating </a:t>
+                </a:r>
+                <a:r>
+                  <a:rPr lang="en-US" dirty="0"/>
+                  <a:t>slide.</a:t>
+                </a:r>
+              </a:p>
+              <a:p>
+                <a:pPr lvl="1"/>
+                <a:r>
+                  <a:rPr lang="en-US" dirty="0"/>
+                  <a:t>for instance, slides might have the total heating image repeated in one corner, and individual terms one per slide.</a:t>
+                </a:r>
+              </a:p>
+              <a:p>
+                <a:pPr lvl="1"/>
+                <a:r>
+                  <a:rPr lang="en-US" dirty="0"/>
+                  <a:t>Write enough narrative words that a reader can see the sense of your work and </a:t>
+                </a:r>
+              </a:p>
+              <a:p>
+                <a:pPr lvl="1"/>
+                <a:endParaRPr lang="en-US" dirty="0"/>
+              </a:p>
+              <a:p>
+                <a:r>
+                  <a:rPr lang="en-US" dirty="0"/>
+                  <a:t>These equations relate all the terms displayed there: </a:t>
+                </a:r>
+              </a:p>
+              <a:p>
+                <a:pPr marL="457200" lvl="1" indent="0">
+                  <a:buNone/>
+                </a:pPr>
+                <a14:m>
+                  <m:oMath xmlns:m="http://schemas.openxmlformats.org/officeDocument/2006/math">
+                    <m:r>
+                      <a:rPr lang="en-US" i="1" smtClean="0">
+                        <a:latin typeface="Cambria Math" panose="02040503050406030204" pitchFamily="18" charset="0"/>
+                        <a:ea typeface="Cambria Math" panose="02040503050406030204" pitchFamily="18" charset="0"/>
+                      </a:rPr>
+                      <m:t>𝜕</m:t>
+                    </m:r>
+                    <m:r>
+                      <a:rPr lang="en-US" b="0" i="1" smtClean="0">
+                        <a:latin typeface="Cambria Math" panose="02040503050406030204" pitchFamily="18" charset="0"/>
+                        <a:ea typeface="Cambria Math" panose="02040503050406030204" pitchFamily="18" charset="0"/>
+                      </a:rPr>
+                      <m:t>𝑇</m:t>
+                    </m:r>
+                    <m:r>
+                      <a:rPr lang="en-US" b="0" i="1" smtClean="0">
+                        <a:latin typeface="Cambria Math" panose="02040503050406030204" pitchFamily="18" charset="0"/>
+                        <a:ea typeface="Cambria Math" panose="02040503050406030204" pitchFamily="18" charset="0"/>
+                      </a:rPr>
+                      <m:t>/</m:t>
+                    </m:r>
+                    <m:r>
+                      <a:rPr lang="en-US" b="0" i="1" smtClean="0">
+                        <a:latin typeface="Cambria Math" panose="02040503050406030204" pitchFamily="18" charset="0"/>
+                        <a:ea typeface="Cambria Math" panose="02040503050406030204" pitchFamily="18" charset="0"/>
+                      </a:rPr>
+                      <m:t>𝜕</m:t>
+                    </m:r>
+                    <m:r>
+                      <a:rPr lang="en-US" b="0" i="1" smtClean="0">
+                        <a:latin typeface="Cambria Math" panose="02040503050406030204" pitchFamily="18" charset="0"/>
+                        <a:ea typeface="Cambria Math" panose="02040503050406030204" pitchFamily="18" charset="0"/>
+                      </a:rPr>
+                      <m:t>𝑡</m:t>
+                    </m:r>
+                  </m:oMath>
+                </a14:m>
+                <a:r>
+                  <a:rPr lang="en-US" dirty="0"/>
+                  <a:t> = </a:t>
+                </a:r>
+                <a:r>
+                  <a:rPr lang="en-US" dirty="0">
+                    <a:solidFill>
+                      <a:srgbClr val="FF0000"/>
+                    </a:solidFill>
+                  </a:rPr>
+                  <a:t>dynamical + diabatic + analysis</a:t>
+                </a:r>
+              </a:p>
+              <a:p>
+                <a:pPr marL="457200" lvl="1" indent="0">
+                  <a:buNone/>
+                </a:pPr>
+                <a:r>
+                  <a:rPr lang="en-US" dirty="0"/>
+                  <a:t>diabatic = </a:t>
+                </a:r>
+                <a:r>
+                  <a:rPr lang="en-US" dirty="0">
+                    <a:solidFill>
+                      <a:srgbClr val="FF0000"/>
+                    </a:solidFill>
+                  </a:rPr>
+                  <a:t>moist + radiative + turbulence</a:t>
+                </a:r>
+              </a:p>
+              <a:p>
+                <a:pPr marL="457200" lvl="1" indent="0">
+                  <a:buNone/>
+                </a:pPr>
+                <a:r>
+                  <a:rPr lang="en-US" dirty="0"/>
+                  <a:t>radiative = </a:t>
+                </a:r>
+                <a:r>
+                  <a:rPr lang="en-US" dirty="0">
+                    <a:solidFill>
+                      <a:srgbClr val="FF0000"/>
+                    </a:solidFill>
+                  </a:rPr>
+                  <a:t>longwave + solar</a:t>
+                </a:r>
+              </a:p>
+            </p:txBody>
+          </p:sp>
+        </mc:Choice>
+        <mc:Fallback>
+          <p:sp>
+            <p:nvSpPr>
+              <p:cNvPr id="3" name="Content Placeholder 2">
+                <a:extLst>
+                  <a:ext uri="{FF2B5EF4-FFF2-40B4-BE49-F238E27FC236}">
+                    <a16:creationId xmlns:a16="http://schemas.microsoft.com/office/drawing/2014/main" id="{8150F964-6D0B-2049-928A-EE889D5DFC60}"/>
+                  </a:ext>
+                </a:extLst>
+              </p:cNvPr>
+              <p:cNvSpPr>
+                <a:spLocks noGrp="1" noRot="1" noChangeAspect="1" noMove="1" noResize="1" noEditPoints="1" noAdjustHandles="1" noChangeArrowheads="1" noChangeShapeType="1" noTextEdit="1"/>
+              </p:cNvSpPr>
+              <p:nvPr>
+                <p:ph idx="1"/>
+              </p:nvPr>
+            </p:nvSpPr>
+            <p:spPr>
+              <a:blipFill>
+                <a:blip r:embed="rId2"/>
+                <a:stretch>
+                  <a:fillRect l="-1235" t="-2521" r="-1698"/>
+                </a:stretch>
+              </a:blipFill>
+            </p:spPr>
+            <p:txBody>
+              <a:bodyPr/>
+              <a:lstStyle/>
+              <a:p>
+                <a:r>
+                  <a:rPr lang="en-US">
+                    <a:noFill/>
+                  </a:rPr>
+                  <a:t> </a:t>
+                </a:r>
+              </a:p>
+            </p:txBody>
+          </p:sp>
+        </mc:Fallback>
+      </mc:AlternateContent>
+    </p:spTree>
+    <p:extLst>
+      <p:ext uri="{BB962C8B-B14F-4D97-AF65-F5344CB8AC3E}">
+        <p14:creationId xmlns:p14="http://schemas.microsoft.com/office/powerpoint/2010/main" val="3824602449"/>
       </p:ext>
     </p:extLst>
   </p:cSld>
